--- a/04-LLVM-IR.pptx
+++ b/04-LLVM-IR.pptx
@@ -46,16 +46,18 @@
     <p:sldId id="291" r:id="rId41"/>
     <p:sldId id="292" r:id="rId42"/>
     <p:sldId id="293" r:id="rId43"/>
+    <p:sldId id="294" r:id="rId44"/>
+    <p:sldId id="295" r:id="rId45"/>
   </p:sldIdLst>
   <p:sldSz cy="6858000" cx="12192000"/>
   <p:notesSz cx="6858000" cy="9144000"/>
   <p:embeddedFontLst>
     <p:embeddedFont>
       <p:font typeface="Helvetica Neue"/>
-      <p:regular r:id="rId44"/>
-      <p:bold r:id="rId45"/>
-      <p:italic r:id="rId46"/>
-      <p:boldItalic r:id="rId47"/>
+      <p:regular r:id="rId46"/>
+      <p:bold r:id="rId47"/>
+      <p:italic r:id="rId48"/>
+      <p:boldItalic r:id="rId49"/>
     </p:embeddedFont>
   </p:embeddedFontLst>
   <p:defaultTextStyle>
@@ -303,7 +305,7 @@
       </p15:sldGuideLst>
     </p:ext>
     <p:ext uri="GoogleSlidesCustomDataVersion2">
-      <go:slidesCustomData xmlns:go="http://customooxmlschemas.google.com/" r:id="rId48" roundtripDataSignature="AMtx7mgswxP9PBI+FLHz6vQ+0Z/frtcvLg=="/>
+      <go:slidesCustomData xmlns:go="http://customooxmlschemas.google.com/" r:id="rId50" roundtripDataSignature="AMtx7mjAd9K9fNtmRor/B2FTMnE4X0gjkg=="/>
     </p:ext>
   </p:extLst>
 </p:presentation>
@@ -1015,7 +1017,7 @@
   <p:cSld>
     <p:spTree>
       <p:nvGrpSpPr>
-        <p:cNvPr id="273" name="Shape 273"/>
+        <p:cNvPr id="272" name="Shape 272"/>
         <p:cNvGrpSpPr/>
         <p:nvPr/>
       </p:nvGrpSpPr>
@@ -1029,7 +1031,7 @@
       </p:grpSpPr>
       <p:sp>
         <p:nvSpPr>
-          <p:cNvPr id="274" name="Google Shape;274;p10:notes"/>
+          <p:cNvPr id="273" name="Google Shape;273;p10:notes"/>
           <p:cNvSpPr txBox="1"/>
           <p:nvPr>
             <p:ph idx="1" type="body"/>
@@ -1068,7 +1070,7 @@
       </p:sp>
       <p:sp>
         <p:nvSpPr>
-          <p:cNvPr id="275" name="Google Shape;275;p10:notes"/>
+          <p:cNvPr id="274" name="Google Shape;274;p10:notes"/>
           <p:cNvSpPr/>
           <p:nvPr>
             <p:ph idx="2" type="sldImg"/>
@@ -1114,7 +1116,7 @@
   <p:cSld>
     <p:spTree>
       <p:nvGrpSpPr>
-        <p:cNvPr id="282" name="Shape 282"/>
+        <p:cNvPr id="281" name="Shape 281"/>
         <p:cNvGrpSpPr/>
         <p:nvPr/>
       </p:nvGrpSpPr>
@@ -1128,7 +1130,7 @@
       </p:grpSpPr>
       <p:sp>
         <p:nvSpPr>
-          <p:cNvPr id="283" name="Google Shape;283;p11:notes"/>
+          <p:cNvPr id="282" name="Google Shape;282;p11:notes"/>
           <p:cNvSpPr txBox="1"/>
           <p:nvPr>
             <p:ph idx="1" type="body"/>
@@ -1167,7 +1169,7 @@
       </p:sp>
       <p:sp>
         <p:nvSpPr>
-          <p:cNvPr id="284" name="Google Shape;284;p11:notes"/>
+          <p:cNvPr id="283" name="Google Shape;283;p11:notes"/>
           <p:cNvSpPr/>
           <p:nvPr>
             <p:ph idx="2" type="sldImg"/>
@@ -1213,7 +1215,7 @@
   <p:cSld>
     <p:spTree>
       <p:nvGrpSpPr>
-        <p:cNvPr id="289" name="Shape 289"/>
+        <p:cNvPr id="288" name="Shape 288"/>
         <p:cNvGrpSpPr/>
         <p:nvPr/>
       </p:nvGrpSpPr>
@@ -1227,7 +1229,7 @@
       </p:grpSpPr>
       <p:sp>
         <p:nvSpPr>
-          <p:cNvPr id="290" name="Google Shape;290;p12:notes"/>
+          <p:cNvPr id="289" name="Google Shape;289;p12:notes"/>
           <p:cNvSpPr txBox="1"/>
           <p:nvPr>
             <p:ph idx="1" type="body"/>
@@ -1266,7 +1268,7 @@
       </p:sp>
       <p:sp>
         <p:nvSpPr>
-          <p:cNvPr id="291" name="Google Shape;291;p12:notes"/>
+          <p:cNvPr id="290" name="Google Shape;290;p12:notes"/>
           <p:cNvSpPr/>
           <p:nvPr>
             <p:ph idx="2" type="sldImg"/>
@@ -1312,7 +1314,7 @@
   <p:cSld>
     <p:spTree>
       <p:nvGrpSpPr>
-        <p:cNvPr id="295" name="Shape 295"/>
+        <p:cNvPr id="294" name="Shape 294"/>
         <p:cNvGrpSpPr/>
         <p:nvPr/>
       </p:nvGrpSpPr>
@@ -1326,7 +1328,7 @@
       </p:grpSpPr>
       <p:sp>
         <p:nvSpPr>
-          <p:cNvPr id="296" name="Google Shape;296;g26a0424328b_0_19:notes"/>
+          <p:cNvPr id="295" name="Google Shape;295;g26a0424328b_0_19:notes"/>
           <p:cNvSpPr/>
           <p:nvPr>
             <p:ph idx="2" type="sldImg"/>
@@ -1361,7 +1363,7 @@
       </p:sp>
       <p:sp>
         <p:nvSpPr>
-          <p:cNvPr id="297" name="Google Shape;297;g26a0424328b_0_19:notes"/>
+          <p:cNvPr id="296" name="Google Shape;296;g26a0424328b_0_19:notes"/>
           <p:cNvSpPr txBox="1"/>
           <p:nvPr>
             <p:ph idx="1" type="body"/>
@@ -1411,7 +1413,7 @@
   <p:cSld>
     <p:spTree>
       <p:nvGrpSpPr>
-        <p:cNvPr id="301" name="Shape 301"/>
+        <p:cNvPr id="300" name="Shape 300"/>
         <p:cNvGrpSpPr/>
         <p:nvPr/>
       </p:nvGrpSpPr>
@@ -1425,7 +1427,7 @@
       </p:grpSpPr>
       <p:sp>
         <p:nvSpPr>
-          <p:cNvPr id="302" name="Google Shape;302;g26a0424328b_0_5:notes"/>
+          <p:cNvPr id="301" name="Google Shape;301;g26a0424328b_0_5:notes"/>
           <p:cNvSpPr/>
           <p:nvPr>
             <p:ph idx="2" type="sldImg"/>
@@ -1460,7 +1462,7 @@
       </p:sp>
       <p:sp>
         <p:nvSpPr>
-          <p:cNvPr id="303" name="Google Shape;303;g26a0424328b_0_5:notes"/>
+          <p:cNvPr id="302" name="Google Shape;302;g26a0424328b_0_5:notes"/>
           <p:cNvSpPr txBox="1"/>
           <p:nvPr>
             <p:ph idx="1" type="body"/>
@@ -1510,7 +1512,7 @@
   <p:cSld>
     <p:spTree>
       <p:nvGrpSpPr>
-        <p:cNvPr id="307" name="Shape 307"/>
+        <p:cNvPr id="306" name="Shape 306"/>
         <p:cNvGrpSpPr/>
         <p:nvPr/>
       </p:nvGrpSpPr>
@@ -1524,7 +1526,7 @@
       </p:grpSpPr>
       <p:sp>
         <p:nvSpPr>
-          <p:cNvPr id="308" name="Google Shape;308;g26a0424328b_0_10:notes"/>
+          <p:cNvPr id="307" name="Google Shape;307;g26a0424328b_0_10:notes"/>
           <p:cNvSpPr/>
           <p:nvPr>
             <p:ph idx="2" type="sldImg"/>
@@ -1559,7 +1561,7 @@
       </p:sp>
       <p:sp>
         <p:nvSpPr>
-          <p:cNvPr id="309" name="Google Shape;309;g26a0424328b_0_10:notes"/>
+          <p:cNvPr id="308" name="Google Shape;308;g26a0424328b_0_10:notes"/>
           <p:cNvSpPr txBox="1"/>
           <p:nvPr>
             <p:ph idx="1" type="body"/>
@@ -1609,7 +1611,7 @@
   <p:cSld>
     <p:spTree>
       <p:nvGrpSpPr>
-        <p:cNvPr id="313" name="Shape 313"/>
+        <p:cNvPr id="312" name="Shape 312"/>
         <p:cNvGrpSpPr/>
         <p:nvPr/>
       </p:nvGrpSpPr>
@@ -1623,7 +1625,7 @@
       </p:grpSpPr>
       <p:sp>
         <p:nvSpPr>
-          <p:cNvPr id="314" name="Google Shape;314;p13:notes"/>
+          <p:cNvPr id="313" name="Google Shape;313;p13:notes"/>
           <p:cNvSpPr txBox="1"/>
           <p:nvPr>
             <p:ph idx="1" type="body"/>
@@ -1662,7 +1664,7 @@
       </p:sp>
       <p:sp>
         <p:nvSpPr>
-          <p:cNvPr id="315" name="Google Shape;315;p13:notes"/>
+          <p:cNvPr id="314" name="Google Shape;314;p13:notes"/>
           <p:cNvSpPr/>
           <p:nvPr>
             <p:ph idx="2" type="sldImg"/>
@@ -1708,7 +1710,7 @@
   <p:cSld>
     <p:spTree>
       <p:nvGrpSpPr>
-        <p:cNvPr id="319" name="Shape 319"/>
+        <p:cNvPr id="318" name="Shape 318"/>
         <p:cNvGrpSpPr/>
         <p:nvPr/>
       </p:nvGrpSpPr>
@@ -1722,7 +1724,7 @@
       </p:grpSpPr>
       <p:sp>
         <p:nvSpPr>
-          <p:cNvPr id="320" name="Google Shape;320;p14:notes"/>
+          <p:cNvPr id="319" name="Google Shape;319;p14:notes"/>
           <p:cNvSpPr txBox="1"/>
           <p:nvPr>
             <p:ph idx="1" type="body"/>
@@ -1761,7 +1763,7 @@
       </p:sp>
       <p:sp>
         <p:nvSpPr>
-          <p:cNvPr id="321" name="Google Shape;321;p14:notes"/>
+          <p:cNvPr id="320" name="Google Shape;320;p14:notes"/>
           <p:cNvSpPr/>
           <p:nvPr>
             <p:ph idx="2" type="sldImg"/>
@@ -1807,7 +1809,7 @@
   <p:cSld>
     <p:spTree>
       <p:nvGrpSpPr>
-        <p:cNvPr id="327" name="Shape 327"/>
+        <p:cNvPr id="326" name="Shape 326"/>
         <p:cNvGrpSpPr/>
         <p:nvPr/>
       </p:nvGrpSpPr>
@@ -1821,7 +1823,7 @@
       </p:grpSpPr>
       <p:sp>
         <p:nvSpPr>
-          <p:cNvPr id="328" name="Google Shape;328;p15:notes"/>
+          <p:cNvPr id="327" name="Google Shape;327;p15:notes"/>
           <p:cNvSpPr txBox="1"/>
           <p:nvPr>
             <p:ph idx="1" type="body"/>
@@ -1860,7 +1862,7 @@
       </p:sp>
       <p:sp>
         <p:nvSpPr>
-          <p:cNvPr id="329" name="Google Shape;329;p15:notes"/>
+          <p:cNvPr id="328" name="Google Shape;328;p15:notes"/>
           <p:cNvSpPr/>
           <p:nvPr>
             <p:ph idx="2" type="sldImg"/>
@@ -1906,7 +1908,7 @@
   <p:cSld>
     <p:spTree>
       <p:nvGrpSpPr>
-        <p:cNvPr id="335" name="Shape 335"/>
+        <p:cNvPr id="338" name="Shape 338"/>
         <p:cNvGrpSpPr/>
         <p:nvPr/>
       </p:nvGrpSpPr>
@@ -1920,7 +1922,7 @@
       </p:grpSpPr>
       <p:sp>
         <p:nvSpPr>
-          <p:cNvPr id="336" name="Google Shape;336;p16:notes"/>
+          <p:cNvPr id="339" name="Google Shape;339;p16:notes"/>
           <p:cNvSpPr txBox="1"/>
           <p:nvPr>
             <p:ph idx="1" type="body"/>
@@ -1959,7 +1961,7 @@
       </p:sp>
       <p:sp>
         <p:nvSpPr>
-          <p:cNvPr id="337" name="Google Shape;337;p16:notes"/>
+          <p:cNvPr id="340" name="Google Shape;340;p16:notes"/>
           <p:cNvSpPr/>
           <p:nvPr>
             <p:ph idx="2" type="sldImg"/>
@@ -2005,7 +2007,7 @@
   <p:cSld>
     <p:spTree>
       <p:nvGrpSpPr>
-        <p:cNvPr id="210" name="Shape 210"/>
+        <p:cNvPr id="209" name="Shape 209"/>
         <p:cNvGrpSpPr/>
         <p:nvPr/>
       </p:nvGrpSpPr>
@@ -2019,7 +2021,7 @@
       </p:grpSpPr>
       <p:sp>
         <p:nvSpPr>
-          <p:cNvPr id="211" name="Google Shape;211;p2:notes"/>
+          <p:cNvPr id="210" name="Google Shape;210;p2:notes"/>
           <p:cNvSpPr txBox="1"/>
           <p:nvPr>
             <p:ph idx="1" type="body"/>
@@ -2058,7 +2060,7 @@
       </p:sp>
       <p:sp>
         <p:nvSpPr>
-          <p:cNvPr id="212" name="Google Shape;212;p2:notes"/>
+          <p:cNvPr id="211" name="Google Shape;211;p2:notes"/>
           <p:cNvSpPr/>
           <p:nvPr>
             <p:ph idx="2" type="sldImg"/>
@@ -2104,7 +2106,7 @@
   <p:cSld>
     <p:spTree>
       <p:nvGrpSpPr>
-        <p:cNvPr id="343" name="Shape 343"/>
+        <p:cNvPr id="349" name="Shape 349"/>
         <p:cNvGrpSpPr/>
         <p:nvPr/>
       </p:nvGrpSpPr>
@@ -2118,7 +2120,7 @@
       </p:grpSpPr>
       <p:sp>
         <p:nvSpPr>
-          <p:cNvPr id="344" name="Google Shape;344;p17:notes"/>
+          <p:cNvPr id="350" name="Google Shape;350;p17:notes"/>
           <p:cNvSpPr txBox="1"/>
           <p:nvPr>
             <p:ph idx="1" type="body"/>
@@ -2157,7 +2159,7 @@
       </p:sp>
       <p:sp>
         <p:nvSpPr>
-          <p:cNvPr id="345" name="Google Shape;345;p17:notes"/>
+          <p:cNvPr id="351" name="Google Shape;351;p17:notes"/>
           <p:cNvSpPr/>
           <p:nvPr>
             <p:ph idx="2" type="sldImg"/>
@@ -2203,7 +2205,7 @@
   <p:cSld>
     <p:spTree>
       <p:nvGrpSpPr>
-        <p:cNvPr id="355" name="Shape 355"/>
+        <p:cNvPr id="364" name="Shape 364"/>
         <p:cNvGrpSpPr/>
         <p:nvPr/>
       </p:nvGrpSpPr>
@@ -2217,7 +2219,7 @@
       </p:grpSpPr>
       <p:sp>
         <p:nvSpPr>
-          <p:cNvPr id="356" name="Google Shape;356;p18:notes"/>
+          <p:cNvPr id="365" name="Google Shape;365;p18:notes"/>
           <p:cNvSpPr txBox="1"/>
           <p:nvPr>
             <p:ph idx="1" type="body"/>
@@ -2256,7 +2258,7 @@
       </p:sp>
       <p:sp>
         <p:nvSpPr>
-          <p:cNvPr id="357" name="Google Shape;357;p18:notes"/>
+          <p:cNvPr id="366" name="Google Shape;366;p18:notes"/>
           <p:cNvSpPr/>
           <p:nvPr>
             <p:ph idx="2" type="sldImg"/>
@@ -2302,7 +2304,7 @@
   <p:cSld>
     <p:spTree>
       <p:nvGrpSpPr>
-        <p:cNvPr id="364" name="Shape 364"/>
+        <p:cNvPr id="376" name="Shape 376"/>
         <p:cNvGrpSpPr/>
         <p:nvPr/>
       </p:nvGrpSpPr>
@@ -2316,7 +2318,7 @@
       </p:grpSpPr>
       <p:sp>
         <p:nvSpPr>
-          <p:cNvPr id="365" name="Google Shape;365;p19:notes"/>
+          <p:cNvPr id="377" name="Google Shape;377;p19:notes"/>
           <p:cNvSpPr txBox="1"/>
           <p:nvPr>
             <p:ph idx="1" type="body"/>
@@ -2355,7 +2357,7 @@
       </p:sp>
       <p:sp>
         <p:nvSpPr>
-          <p:cNvPr id="366" name="Google Shape;366;p19:notes"/>
+          <p:cNvPr id="378" name="Google Shape;378;p19:notes"/>
           <p:cNvSpPr/>
           <p:nvPr>
             <p:ph idx="2" type="sldImg"/>
@@ -2401,7 +2403,7 @@
   <p:cSld>
     <p:spTree>
       <p:nvGrpSpPr>
-        <p:cNvPr id="372" name="Shape 372"/>
+        <p:cNvPr id="387" name="Shape 387"/>
         <p:cNvGrpSpPr/>
         <p:nvPr/>
       </p:nvGrpSpPr>
@@ -2415,7 +2417,7 @@
       </p:grpSpPr>
       <p:sp>
         <p:nvSpPr>
-          <p:cNvPr id="373" name="Google Shape;373;p20:notes"/>
+          <p:cNvPr id="388" name="Google Shape;388;p20:notes"/>
           <p:cNvSpPr txBox="1"/>
           <p:nvPr>
             <p:ph idx="1" type="body"/>
@@ -2454,7 +2456,7 @@
       </p:sp>
       <p:sp>
         <p:nvSpPr>
-          <p:cNvPr id="374" name="Google Shape;374;p20:notes"/>
+          <p:cNvPr id="389" name="Google Shape;389;p20:notes"/>
           <p:cNvSpPr/>
           <p:nvPr>
             <p:ph idx="2" type="sldImg"/>
@@ -2500,7 +2502,7 @@
   <p:cSld>
     <p:spTree>
       <p:nvGrpSpPr>
-        <p:cNvPr id="381" name="Shape 381"/>
+        <p:cNvPr id="399" name="Shape 399"/>
         <p:cNvGrpSpPr/>
         <p:nvPr/>
       </p:nvGrpSpPr>
@@ -2514,46 +2516,7 @@
       </p:grpSpPr>
       <p:sp>
         <p:nvSpPr>
-          <p:cNvPr id="382" name="Google Shape;382;p21:notes"/>
-          <p:cNvSpPr txBox="1"/>
-          <p:nvPr>
-            <p:ph idx="1" type="body"/>
-          </p:nvPr>
-        </p:nvSpPr>
-        <p:spPr>
-          <a:xfrm>
-            <a:off x="914400" y="4343400"/>
-            <a:ext cx="5029200" cy="4114800"/>
-          </a:xfrm>
-          <a:prstGeom prst="rect">
-            <a:avLst/>
-          </a:prstGeom>
-        </p:spPr>
-        <p:txBody>
-          <a:bodyPr anchorCtr="0" anchor="t" bIns="45700" lIns="91425" spcFirstLastPara="1" rIns="91425" wrap="square" tIns="45700">
-            <a:noAutofit/>
-          </a:bodyPr>
-          <a:lstStyle/>
-          <a:p>
-            <a:pPr indent="0" lvl="0" marL="0" rtl="0" algn="l">
-              <a:spcBef>
-                <a:spcPts val="0"/>
-              </a:spcBef>
-              <a:spcAft>
-                <a:spcPts val="0"/>
-              </a:spcAft>
-              <a:buNone/>
-            </a:pPr>
-            <a:r>
-              <a:t/>
-            </a:r>
-            <a:endParaRPr/>
-          </a:p>
-        </p:txBody>
-      </p:sp>
-      <p:sp>
-        <p:nvSpPr>
-          <p:cNvPr id="383" name="Google Shape;383;p21:notes"/>
+          <p:cNvPr id="400" name="Google Shape;400;g33ce395d76b_0_19:notes"/>
           <p:cNvSpPr/>
           <p:nvPr>
             <p:ph idx="2" type="sldImg"/>
@@ -2586,6 +2549,45 @@
           </a:custGeom>
         </p:spPr>
       </p:sp>
+      <p:sp>
+        <p:nvSpPr>
+          <p:cNvPr id="401" name="Google Shape;401;g33ce395d76b_0_19:notes"/>
+          <p:cNvSpPr txBox="1"/>
+          <p:nvPr>
+            <p:ph idx="1" type="body"/>
+          </p:nvPr>
+        </p:nvSpPr>
+        <p:spPr>
+          <a:xfrm>
+            <a:off x="914400" y="4343400"/>
+            <a:ext cx="5029200" cy="4114800"/>
+          </a:xfrm>
+          <a:prstGeom prst="rect">
+            <a:avLst/>
+          </a:prstGeom>
+        </p:spPr>
+        <p:txBody>
+          <a:bodyPr anchorCtr="0" anchor="t" bIns="45700" lIns="91425" spcFirstLastPara="1" rIns="91425" wrap="square" tIns="45700">
+            <a:noAutofit/>
+          </a:bodyPr>
+          <a:lstStyle/>
+          <a:p>
+            <a:pPr indent="0" lvl="0" marL="0" rtl="0" algn="l">
+              <a:spcBef>
+                <a:spcPts val="0"/>
+              </a:spcBef>
+              <a:spcAft>
+                <a:spcPts val="0"/>
+              </a:spcAft>
+              <a:buNone/>
+            </a:pPr>
+            <a:r>
+              <a:t/>
+            </a:r>
+            <a:endParaRPr/>
+          </a:p>
+        </p:txBody>
+      </p:sp>
     </p:spTree>
   </p:cSld>
   <p:clrMapOvr>
@@ -2599,7 +2601,7 @@
   <p:cSld>
     <p:spTree>
       <p:nvGrpSpPr>
-        <p:cNvPr id="401" name="Shape 401"/>
+        <p:cNvPr id="405" name="Shape 405"/>
         <p:cNvGrpSpPr/>
         <p:nvPr/>
       </p:nvGrpSpPr>
@@ -2613,7 +2615,7 @@
       </p:grpSpPr>
       <p:sp>
         <p:nvSpPr>
-          <p:cNvPr id="402" name="Google Shape;402;p22:notes"/>
+          <p:cNvPr id="406" name="Google Shape;406;p21:notes"/>
           <p:cNvSpPr txBox="1"/>
           <p:nvPr>
             <p:ph idx="1" type="body"/>
@@ -2652,7 +2654,7 @@
       </p:sp>
       <p:sp>
         <p:nvSpPr>
-          <p:cNvPr id="403" name="Google Shape;403;p22:notes"/>
+          <p:cNvPr id="407" name="Google Shape;407;p21:notes"/>
           <p:cNvSpPr/>
           <p:nvPr>
             <p:ph idx="2" type="sldImg"/>
@@ -2698,7 +2700,7 @@
   <p:cSld>
     <p:spTree>
       <p:nvGrpSpPr>
-        <p:cNvPr id="408" name="Shape 408"/>
+        <p:cNvPr id="425" name="Shape 425"/>
         <p:cNvGrpSpPr/>
         <p:nvPr/>
       </p:nvGrpSpPr>
@@ -2712,7 +2714,7 @@
       </p:grpSpPr>
       <p:sp>
         <p:nvSpPr>
-          <p:cNvPr id="409" name="Google Shape;409;p23:notes"/>
+          <p:cNvPr id="426" name="Google Shape;426;p22:notes"/>
           <p:cNvSpPr txBox="1"/>
           <p:nvPr>
             <p:ph idx="1" type="body"/>
@@ -2751,7 +2753,7 @@
       </p:sp>
       <p:sp>
         <p:nvSpPr>
-          <p:cNvPr id="410" name="Google Shape;410;p23:notes"/>
+          <p:cNvPr id="427" name="Google Shape;427;p22:notes"/>
           <p:cNvSpPr/>
           <p:nvPr>
             <p:ph idx="2" type="sldImg"/>
@@ -2797,7 +2799,7 @@
   <p:cSld>
     <p:spTree>
       <p:nvGrpSpPr>
-        <p:cNvPr id="414" name="Shape 414"/>
+        <p:cNvPr id="432" name="Shape 432"/>
         <p:cNvGrpSpPr/>
         <p:nvPr/>
       </p:nvGrpSpPr>
@@ -2811,7 +2813,7 @@
       </p:grpSpPr>
       <p:sp>
         <p:nvSpPr>
-          <p:cNvPr id="415" name="Google Shape;415;p24:notes"/>
+          <p:cNvPr id="433" name="Google Shape;433;p23:notes"/>
           <p:cNvSpPr txBox="1"/>
           <p:nvPr>
             <p:ph idx="1" type="body"/>
@@ -2850,7 +2852,7 @@
       </p:sp>
       <p:sp>
         <p:nvSpPr>
-          <p:cNvPr id="416" name="Google Shape;416;p24:notes"/>
+          <p:cNvPr id="434" name="Google Shape;434;p23:notes"/>
           <p:cNvSpPr/>
           <p:nvPr>
             <p:ph idx="2" type="sldImg"/>
@@ -2896,7 +2898,7 @@
   <p:cSld>
     <p:spTree>
       <p:nvGrpSpPr>
-        <p:cNvPr id="421" name="Shape 421"/>
+        <p:cNvPr id="445" name="Shape 445"/>
         <p:cNvGrpSpPr/>
         <p:nvPr/>
       </p:nvGrpSpPr>
@@ -2910,7 +2912,7 @@
       </p:grpSpPr>
       <p:sp>
         <p:nvSpPr>
-          <p:cNvPr id="422" name="Google Shape;422;p25:notes"/>
+          <p:cNvPr id="446" name="Google Shape;446;p24:notes"/>
           <p:cNvSpPr txBox="1"/>
           <p:nvPr>
             <p:ph idx="1" type="body"/>
@@ -2949,7 +2951,7 @@
       </p:sp>
       <p:sp>
         <p:nvSpPr>
-          <p:cNvPr id="423" name="Google Shape;423;p25:notes"/>
+          <p:cNvPr id="447" name="Google Shape;447;p24:notes"/>
           <p:cNvSpPr/>
           <p:nvPr>
             <p:ph idx="2" type="sldImg"/>
@@ -2995,7 +2997,7 @@
   <p:cSld>
     <p:spTree>
       <p:nvGrpSpPr>
-        <p:cNvPr id="433" name="Shape 433"/>
+        <p:cNvPr id="455" name="Shape 455"/>
         <p:cNvGrpSpPr/>
         <p:nvPr/>
       </p:nvGrpSpPr>
@@ -3009,7 +3011,7 @@
       </p:grpSpPr>
       <p:sp>
         <p:nvSpPr>
-          <p:cNvPr id="434" name="Google Shape;434;p26:notes"/>
+          <p:cNvPr id="456" name="Google Shape;456;p25:notes"/>
           <p:cNvSpPr txBox="1"/>
           <p:nvPr>
             <p:ph idx="1" type="body"/>
@@ -3048,7 +3050,7 @@
       </p:sp>
       <p:sp>
         <p:nvSpPr>
-          <p:cNvPr id="435" name="Google Shape;435;p26:notes"/>
+          <p:cNvPr id="457" name="Google Shape;457;p25:notes"/>
           <p:cNvSpPr/>
           <p:nvPr>
             <p:ph idx="2" type="sldImg"/>
@@ -3094,7 +3096,7 @@
   <p:cSld>
     <p:spTree>
       <p:nvGrpSpPr>
-        <p:cNvPr id="226" name="Shape 226"/>
+        <p:cNvPr id="225" name="Shape 225"/>
         <p:cNvGrpSpPr/>
         <p:nvPr/>
       </p:nvGrpSpPr>
@@ -3108,7 +3110,7 @@
       </p:grpSpPr>
       <p:sp>
         <p:nvSpPr>
-          <p:cNvPr id="227" name="Google Shape;227;p3:notes"/>
+          <p:cNvPr id="226" name="Google Shape;226;p3:notes"/>
           <p:cNvSpPr txBox="1"/>
           <p:nvPr>
             <p:ph idx="1" type="body"/>
@@ -3147,7 +3149,7 @@
       </p:sp>
       <p:sp>
         <p:nvSpPr>
-          <p:cNvPr id="228" name="Google Shape;228;p3:notes"/>
+          <p:cNvPr id="227" name="Google Shape;227;p3:notes"/>
           <p:cNvSpPr/>
           <p:nvPr>
             <p:ph idx="2" type="sldImg"/>
@@ -3193,7 +3195,7 @@
   <p:cSld>
     <p:spTree>
       <p:nvGrpSpPr>
-        <p:cNvPr id="440" name="Shape 440"/>
+        <p:cNvPr id="470" name="Shape 470"/>
         <p:cNvGrpSpPr/>
         <p:nvPr/>
       </p:nvGrpSpPr>
@@ -3207,7 +3209,46 @@
       </p:grpSpPr>
       <p:sp>
         <p:nvSpPr>
-          <p:cNvPr id="441" name="Google Shape;441;g2bee99cf594_0_1:notes"/>
+          <p:cNvPr id="471" name="Google Shape;471;p26:notes"/>
+          <p:cNvSpPr txBox="1"/>
+          <p:nvPr>
+            <p:ph idx="1" type="body"/>
+          </p:nvPr>
+        </p:nvSpPr>
+        <p:spPr>
+          <a:xfrm>
+            <a:off x="914400" y="4343400"/>
+            <a:ext cx="5029200" cy="4114800"/>
+          </a:xfrm>
+          <a:prstGeom prst="rect">
+            <a:avLst/>
+          </a:prstGeom>
+        </p:spPr>
+        <p:txBody>
+          <a:bodyPr anchorCtr="0" anchor="t" bIns="45700" lIns="91425" spcFirstLastPara="1" rIns="91425" wrap="square" tIns="45700">
+            <a:noAutofit/>
+          </a:bodyPr>
+          <a:lstStyle/>
+          <a:p>
+            <a:pPr indent="0" lvl="0" marL="0" rtl="0" algn="l">
+              <a:spcBef>
+                <a:spcPts val="0"/>
+              </a:spcBef>
+              <a:spcAft>
+                <a:spcPts val="0"/>
+              </a:spcAft>
+              <a:buNone/>
+            </a:pPr>
+            <a:r>
+              <a:t/>
+            </a:r>
+            <a:endParaRPr/>
+          </a:p>
+        </p:txBody>
+      </p:sp>
+      <p:sp>
+        <p:nvSpPr>
+          <p:cNvPr id="472" name="Google Shape;472;p26:notes"/>
           <p:cNvSpPr/>
           <p:nvPr>
             <p:ph idx="2" type="sldImg"/>
@@ -3240,45 +3281,6 @@
           </a:custGeom>
         </p:spPr>
       </p:sp>
-      <p:sp>
-        <p:nvSpPr>
-          <p:cNvPr id="442" name="Google Shape;442;g2bee99cf594_0_1:notes"/>
-          <p:cNvSpPr txBox="1"/>
-          <p:nvPr>
-            <p:ph idx="1" type="body"/>
-          </p:nvPr>
-        </p:nvSpPr>
-        <p:spPr>
-          <a:xfrm>
-            <a:off x="914400" y="4343400"/>
-            <a:ext cx="5029200" cy="4114800"/>
-          </a:xfrm>
-          <a:prstGeom prst="rect">
-            <a:avLst/>
-          </a:prstGeom>
-        </p:spPr>
-        <p:txBody>
-          <a:bodyPr anchorCtr="0" anchor="t" bIns="45700" lIns="91425" spcFirstLastPara="1" rIns="91425" wrap="square" tIns="45700">
-            <a:noAutofit/>
-          </a:bodyPr>
-          <a:lstStyle/>
-          <a:p>
-            <a:pPr indent="0" lvl="0" marL="0" rtl="0" algn="l">
-              <a:spcBef>
-                <a:spcPts val="0"/>
-              </a:spcBef>
-              <a:spcAft>
-                <a:spcPts val="0"/>
-              </a:spcAft>
-              <a:buNone/>
-            </a:pPr>
-            <a:r>
-              <a:t/>
-            </a:r>
-            <a:endParaRPr/>
-          </a:p>
-        </p:txBody>
-      </p:sp>
     </p:spTree>
   </p:cSld>
   <p:clrMapOvr>
@@ -3292,7 +3294,7 @@
   <p:cSld>
     <p:spTree>
       <p:nvGrpSpPr>
-        <p:cNvPr id="446" name="Shape 446"/>
+        <p:cNvPr id="479" name="Shape 479"/>
         <p:cNvGrpSpPr/>
         <p:nvPr/>
       </p:nvGrpSpPr>
@@ -3306,7 +3308,7 @@
       </p:grpSpPr>
       <p:sp>
         <p:nvSpPr>
-          <p:cNvPr id="447" name="Google Shape;447;g2bee99cf594_0_7:notes"/>
+          <p:cNvPr id="480" name="Google Shape;480;g2bee99cf594_0_1:notes"/>
           <p:cNvSpPr/>
           <p:nvPr>
             <p:ph idx="2" type="sldImg"/>
@@ -3341,7 +3343,7 @@
       </p:sp>
       <p:sp>
         <p:nvSpPr>
-          <p:cNvPr id="448" name="Google Shape;448;g2bee99cf594_0_7:notes"/>
+          <p:cNvPr id="481" name="Google Shape;481;g2bee99cf594_0_1:notes"/>
           <p:cNvSpPr txBox="1"/>
           <p:nvPr>
             <p:ph idx="1" type="body"/>
@@ -3391,7 +3393,7 @@
   <p:cSld>
     <p:spTree>
       <p:nvGrpSpPr>
-        <p:cNvPr id="452" name="Shape 452"/>
+        <p:cNvPr id="485" name="Shape 485"/>
         <p:cNvGrpSpPr/>
         <p:nvPr/>
       </p:nvGrpSpPr>
@@ -3405,46 +3407,7 @@
       </p:grpSpPr>
       <p:sp>
         <p:nvSpPr>
-          <p:cNvPr id="453" name="Google Shape;453;p27:notes"/>
-          <p:cNvSpPr txBox="1"/>
-          <p:nvPr>
-            <p:ph idx="1" type="body"/>
-          </p:nvPr>
-        </p:nvSpPr>
-        <p:spPr>
-          <a:xfrm>
-            <a:off x="914400" y="4343400"/>
-            <a:ext cx="5029200" cy="4114800"/>
-          </a:xfrm>
-          <a:prstGeom prst="rect">
-            <a:avLst/>
-          </a:prstGeom>
-        </p:spPr>
-        <p:txBody>
-          <a:bodyPr anchorCtr="0" anchor="t" bIns="45700" lIns="91425" spcFirstLastPara="1" rIns="91425" wrap="square" tIns="45700">
-            <a:noAutofit/>
-          </a:bodyPr>
-          <a:lstStyle/>
-          <a:p>
-            <a:pPr indent="0" lvl="0" marL="0" rtl="0" algn="l">
-              <a:spcBef>
-                <a:spcPts val="0"/>
-              </a:spcBef>
-              <a:spcAft>
-                <a:spcPts val="0"/>
-              </a:spcAft>
-              <a:buNone/>
-            </a:pPr>
-            <a:r>
-              <a:t/>
-            </a:r>
-            <a:endParaRPr/>
-          </a:p>
-        </p:txBody>
-      </p:sp>
-      <p:sp>
-        <p:nvSpPr>
-          <p:cNvPr id="454" name="Google Shape;454;p27:notes"/>
+          <p:cNvPr id="486" name="Google Shape;486;g2bee99cf594_0_7:notes"/>
           <p:cNvSpPr/>
           <p:nvPr>
             <p:ph idx="2" type="sldImg"/>
@@ -3477,6 +3440,45 @@
           </a:custGeom>
         </p:spPr>
       </p:sp>
+      <p:sp>
+        <p:nvSpPr>
+          <p:cNvPr id="487" name="Google Shape;487;g2bee99cf594_0_7:notes"/>
+          <p:cNvSpPr txBox="1"/>
+          <p:nvPr>
+            <p:ph idx="1" type="body"/>
+          </p:nvPr>
+        </p:nvSpPr>
+        <p:spPr>
+          <a:xfrm>
+            <a:off x="914400" y="4343400"/>
+            <a:ext cx="5029200" cy="4114800"/>
+          </a:xfrm>
+          <a:prstGeom prst="rect">
+            <a:avLst/>
+          </a:prstGeom>
+        </p:spPr>
+        <p:txBody>
+          <a:bodyPr anchorCtr="0" anchor="t" bIns="45700" lIns="91425" spcFirstLastPara="1" rIns="91425" wrap="square" tIns="45700">
+            <a:noAutofit/>
+          </a:bodyPr>
+          <a:lstStyle/>
+          <a:p>
+            <a:pPr indent="0" lvl="0" marL="0" rtl="0" algn="l">
+              <a:spcBef>
+                <a:spcPts val="0"/>
+              </a:spcBef>
+              <a:spcAft>
+                <a:spcPts val="0"/>
+              </a:spcAft>
+              <a:buNone/>
+            </a:pPr>
+            <a:r>
+              <a:t/>
+            </a:r>
+            <a:endParaRPr/>
+          </a:p>
+        </p:txBody>
+      </p:sp>
     </p:spTree>
   </p:cSld>
   <p:clrMapOvr>
@@ -3490,7 +3492,7 @@
   <p:cSld>
     <p:spTree>
       <p:nvGrpSpPr>
-        <p:cNvPr id="458" name="Shape 458"/>
+        <p:cNvPr id="491" name="Shape 491"/>
         <p:cNvGrpSpPr/>
         <p:nvPr/>
       </p:nvGrpSpPr>
@@ -3504,7 +3506,46 @@
       </p:grpSpPr>
       <p:sp>
         <p:nvSpPr>
-          <p:cNvPr id="459" name="Google Shape;459;g2bee99cf594_0_14:notes"/>
+          <p:cNvPr id="492" name="Google Shape;492;p27:notes"/>
+          <p:cNvSpPr txBox="1"/>
+          <p:nvPr>
+            <p:ph idx="1" type="body"/>
+          </p:nvPr>
+        </p:nvSpPr>
+        <p:spPr>
+          <a:xfrm>
+            <a:off x="914400" y="4343400"/>
+            <a:ext cx="5029200" cy="4114800"/>
+          </a:xfrm>
+          <a:prstGeom prst="rect">
+            <a:avLst/>
+          </a:prstGeom>
+        </p:spPr>
+        <p:txBody>
+          <a:bodyPr anchorCtr="0" anchor="t" bIns="45700" lIns="91425" spcFirstLastPara="1" rIns="91425" wrap="square" tIns="45700">
+            <a:noAutofit/>
+          </a:bodyPr>
+          <a:lstStyle/>
+          <a:p>
+            <a:pPr indent="0" lvl="0" marL="0" rtl="0" algn="l">
+              <a:spcBef>
+                <a:spcPts val="0"/>
+              </a:spcBef>
+              <a:spcAft>
+                <a:spcPts val="0"/>
+              </a:spcAft>
+              <a:buNone/>
+            </a:pPr>
+            <a:r>
+              <a:t/>
+            </a:r>
+            <a:endParaRPr/>
+          </a:p>
+        </p:txBody>
+      </p:sp>
+      <p:sp>
+        <p:nvSpPr>
+          <p:cNvPr id="493" name="Google Shape;493;p27:notes"/>
           <p:cNvSpPr/>
           <p:nvPr>
             <p:ph idx="2" type="sldImg"/>
@@ -3537,45 +3578,6 @@
           </a:custGeom>
         </p:spPr>
       </p:sp>
-      <p:sp>
-        <p:nvSpPr>
-          <p:cNvPr id="460" name="Google Shape;460;g2bee99cf594_0_14:notes"/>
-          <p:cNvSpPr txBox="1"/>
-          <p:nvPr>
-            <p:ph idx="1" type="body"/>
-          </p:nvPr>
-        </p:nvSpPr>
-        <p:spPr>
-          <a:xfrm>
-            <a:off x="914400" y="4343400"/>
-            <a:ext cx="5029200" cy="4114800"/>
-          </a:xfrm>
-          <a:prstGeom prst="rect">
-            <a:avLst/>
-          </a:prstGeom>
-        </p:spPr>
-        <p:txBody>
-          <a:bodyPr anchorCtr="0" anchor="t" bIns="45700" lIns="91425" spcFirstLastPara="1" rIns="91425" wrap="square" tIns="45700">
-            <a:noAutofit/>
-          </a:bodyPr>
-          <a:lstStyle/>
-          <a:p>
-            <a:pPr indent="0" lvl="0" marL="0" rtl="0" algn="l">
-              <a:spcBef>
-                <a:spcPts val="0"/>
-              </a:spcBef>
-              <a:spcAft>
-                <a:spcPts val="0"/>
-              </a:spcAft>
-              <a:buNone/>
-            </a:pPr>
-            <a:r>
-              <a:t/>
-            </a:r>
-            <a:endParaRPr/>
-          </a:p>
-        </p:txBody>
-      </p:sp>
     </p:spTree>
   </p:cSld>
   <p:clrMapOvr>
@@ -3589,7 +3591,7 @@
   <p:cSld>
     <p:spTree>
       <p:nvGrpSpPr>
-        <p:cNvPr id="464" name="Shape 464"/>
+        <p:cNvPr id="497" name="Shape 497"/>
         <p:cNvGrpSpPr/>
         <p:nvPr/>
       </p:nvGrpSpPr>
@@ -3603,46 +3605,7 @@
       </p:grpSpPr>
       <p:sp>
         <p:nvSpPr>
-          <p:cNvPr id="465" name="Google Shape;465;p28:notes"/>
-          <p:cNvSpPr txBox="1"/>
-          <p:nvPr>
-            <p:ph idx="1" type="body"/>
-          </p:nvPr>
-        </p:nvSpPr>
-        <p:spPr>
-          <a:xfrm>
-            <a:off x="914400" y="4343400"/>
-            <a:ext cx="5029200" cy="4114800"/>
-          </a:xfrm>
-          <a:prstGeom prst="rect">
-            <a:avLst/>
-          </a:prstGeom>
-        </p:spPr>
-        <p:txBody>
-          <a:bodyPr anchorCtr="0" anchor="t" bIns="45700" lIns="91425" spcFirstLastPara="1" rIns="91425" wrap="square" tIns="45700">
-            <a:noAutofit/>
-          </a:bodyPr>
-          <a:lstStyle/>
-          <a:p>
-            <a:pPr indent="0" lvl="0" marL="0" rtl="0" algn="l">
-              <a:spcBef>
-                <a:spcPts val="0"/>
-              </a:spcBef>
-              <a:spcAft>
-                <a:spcPts val="0"/>
-              </a:spcAft>
-              <a:buNone/>
-            </a:pPr>
-            <a:r>
-              <a:t/>
-            </a:r>
-            <a:endParaRPr/>
-          </a:p>
-        </p:txBody>
-      </p:sp>
-      <p:sp>
-        <p:nvSpPr>
-          <p:cNvPr id="466" name="Google Shape;466;p28:notes"/>
+          <p:cNvPr id="498" name="Google Shape;498;g2bee99cf594_0_14:notes"/>
           <p:cNvSpPr/>
           <p:nvPr>
             <p:ph idx="2" type="sldImg"/>
@@ -3675,6 +3638,45 @@
           </a:custGeom>
         </p:spPr>
       </p:sp>
+      <p:sp>
+        <p:nvSpPr>
+          <p:cNvPr id="499" name="Google Shape;499;g2bee99cf594_0_14:notes"/>
+          <p:cNvSpPr txBox="1"/>
+          <p:nvPr>
+            <p:ph idx="1" type="body"/>
+          </p:nvPr>
+        </p:nvSpPr>
+        <p:spPr>
+          <a:xfrm>
+            <a:off x="914400" y="4343400"/>
+            <a:ext cx="5029200" cy="4114800"/>
+          </a:xfrm>
+          <a:prstGeom prst="rect">
+            <a:avLst/>
+          </a:prstGeom>
+        </p:spPr>
+        <p:txBody>
+          <a:bodyPr anchorCtr="0" anchor="t" bIns="45700" lIns="91425" spcFirstLastPara="1" rIns="91425" wrap="square" tIns="45700">
+            <a:noAutofit/>
+          </a:bodyPr>
+          <a:lstStyle/>
+          <a:p>
+            <a:pPr indent="0" lvl="0" marL="0" rtl="0" algn="l">
+              <a:spcBef>
+                <a:spcPts val="0"/>
+              </a:spcBef>
+              <a:spcAft>
+                <a:spcPts val="0"/>
+              </a:spcAft>
+              <a:buNone/>
+            </a:pPr>
+            <a:r>
+              <a:t/>
+            </a:r>
+            <a:endParaRPr/>
+          </a:p>
+        </p:txBody>
+      </p:sp>
     </p:spTree>
   </p:cSld>
   <p:clrMapOvr>
@@ -3688,7 +3690,7 @@
   <p:cSld>
     <p:spTree>
       <p:nvGrpSpPr>
-        <p:cNvPr id="470" name="Shape 470"/>
+        <p:cNvPr id="503" name="Shape 503"/>
         <p:cNvGrpSpPr/>
         <p:nvPr/>
       </p:nvGrpSpPr>
@@ -3702,7 +3704,7 @@
       </p:grpSpPr>
       <p:sp>
         <p:nvSpPr>
-          <p:cNvPr id="471" name="Google Shape;471;p29:notes"/>
+          <p:cNvPr id="504" name="Google Shape;504;p28:notes"/>
           <p:cNvSpPr txBox="1"/>
           <p:nvPr>
             <p:ph idx="1" type="body"/>
@@ -3741,7 +3743,7 @@
       </p:sp>
       <p:sp>
         <p:nvSpPr>
-          <p:cNvPr id="472" name="Google Shape;472;p29:notes"/>
+          <p:cNvPr id="505" name="Google Shape;505;p28:notes"/>
           <p:cNvSpPr/>
           <p:nvPr>
             <p:ph idx="2" type="sldImg"/>
@@ -3787,7 +3789,7 @@
   <p:cSld>
     <p:spTree>
       <p:nvGrpSpPr>
-        <p:cNvPr id="476" name="Shape 476"/>
+        <p:cNvPr id="509" name="Shape 509"/>
         <p:cNvGrpSpPr/>
         <p:nvPr/>
       </p:nvGrpSpPr>
@@ -3801,7 +3803,7 @@
       </p:grpSpPr>
       <p:sp>
         <p:nvSpPr>
-          <p:cNvPr id="477" name="Google Shape;477;p30:notes"/>
+          <p:cNvPr id="510" name="Google Shape;510;p29:notes"/>
           <p:cNvSpPr txBox="1"/>
           <p:nvPr>
             <p:ph idx="1" type="body"/>
@@ -3840,7 +3842,7 @@
       </p:sp>
       <p:sp>
         <p:nvSpPr>
-          <p:cNvPr id="478" name="Google Shape;478;p30:notes"/>
+          <p:cNvPr id="511" name="Google Shape;511;p29:notes"/>
           <p:cNvSpPr/>
           <p:nvPr>
             <p:ph idx="2" type="sldImg"/>
@@ -3886,7 +3888,7 @@
   <p:cSld>
     <p:spTree>
       <p:nvGrpSpPr>
-        <p:cNvPr id="482" name="Shape 482"/>
+        <p:cNvPr id="515" name="Shape 515"/>
         <p:cNvGrpSpPr/>
         <p:nvPr/>
       </p:nvGrpSpPr>
@@ -3900,7 +3902,46 @@
       </p:grpSpPr>
       <p:sp>
         <p:nvSpPr>
-          <p:cNvPr id="483" name="Google Shape;483;g26a0424328b_0_0:notes"/>
+          <p:cNvPr id="516" name="Google Shape;516;p30:notes"/>
+          <p:cNvSpPr txBox="1"/>
+          <p:nvPr>
+            <p:ph idx="1" type="body"/>
+          </p:nvPr>
+        </p:nvSpPr>
+        <p:spPr>
+          <a:xfrm>
+            <a:off x="914400" y="4343400"/>
+            <a:ext cx="5029200" cy="4114800"/>
+          </a:xfrm>
+          <a:prstGeom prst="rect">
+            <a:avLst/>
+          </a:prstGeom>
+        </p:spPr>
+        <p:txBody>
+          <a:bodyPr anchorCtr="0" anchor="t" bIns="45700" lIns="91425" spcFirstLastPara="1" rIns="91425" wrap="square" tIns="45700">
+            <a:noAutofit/>
+          </a:bodyPr>
+          <a:lstStyle/>
+          <a:p>
+            <a:pPr indent="0" lvl="0" marL="0" rtl="0" algn="l">
+              <a:spcBef>
+                <a:spcPts val="0"/>
+              </a:spcBef>
+              <a:spcAft>
+                <a:spcPts val="0"/>
+              </a:spcAft>
+              <a:buNone/>
+            </a:pPr>
+            <a:r>
+              <a:t/>
+            </a:r>
+            <a:endParaRPr/>
+          </a:p>
+        </p:txBody>
+      </p:sp>
+      <p:sp>
+        <p:nvSpPr>
+          <p:cNvPr id="517" name="Google Shape;517;p30:notes"/>
           <p:cNvSpPr/>
           <p:nvPr>
             <p:ph idx="2" type="sldImg"/>
@@ -3933,45 +3974,6 @@
           </a:custGeom>
         </p:spPr>
       </p:sp>
-      <p:sp>
-        <p:nvSpPr>
-          <p:cNvPr id="484" name="Google Shape;484;g26a0424328b_0_0:notes"/>
-          <p:cNvSpPr txBox="1"/>
-          <p:nvPr>
-            <p:ph idx="1" type="body"/>
-          </p:nvPr>
-        </p:nvSpPr>
-        <p:spPr>
-          <a:xfrm>
-            <a:off x="914400" y="4343400"/>
-            <a:ext cx="5029200" cy="4114800"/>
-          </a:xfrm>
-          <a:prstGeom prst="rect">
-            <a:avLst/>
-          </a:prstGeom>
-        </p:spPr>
-        <p:txBody>
-          <a:bodyPr anchorCtr="0" anchor="t" bIns="45700" lIns="91425" spcFirstLastPara="1" rIns="91425" wrap="square" tIns="45700">
-            <a:noAutofit/>
-          </a:bodyPr>
-          <a:lstStyle/>
-          <a:p>
-            <a:pPr indent="0" lvl="0" marL="0" rtl="0" algn="l">
-              <a:spcBef>
-                <a:spcPts val="0"/>
-              </a:spcBef>
-              <a:spcAft>
-                <a:spcPts val="0"/>
-              </a:spcAft>
-              <a:buNone/>
-            </a:pPr>
-            <a:r>
-              <a:t/>
-            </a:r>
-            <a:endParaRPr/>
-          </a:p>
-        </p:txBody>
-      </p:sp>
     </p:spTree>
   </p:cSld>
   <p:clrMapOvr>
@@ -3985,7 +3987,7 @@
   <p:cSld>
     <p:spTree>
       <p:nvGrpSpPr>
-        <p:cNvPr id="491" name="Shape 491"/>
+        <p:cNvPr id="521" name="Shape 521"/>
         <p:cNvGrpSpPr/>
         <p:nvPr/>
       </p:nvGrpSpPr>
@@ -3999,46 +4001,7 @@
       </p:grpSpPr>
       <p:sp>
         <p:nvSpPr>
-          <p:cNvPr id="492" name="Google Shape;492;p31:notes"/>
-          <p:cNvSpPr txBox="1"/>
-          <p:nvPr>
-            <p:ph idx="1" type="body"/>
-          </p:nvPr>
-        </p:nvSpPr>
-        <p:spPr>
-          <a:xfrm>
-            <a:off x="914400" y="4343400"/>
-            <a:ext cx="5029200" cy="4114800"/>
-          </a:xfrm>
-          <a:prstGeom prst="rect">
-            <a:avLst/>
-          </a:prstGeom>
-        </p:spPr>
-        <p:txBody>
-          <a:bodyPr anchorCtr="0" anchor="t" bIns="45700" lIns="91425" spcFirstLastPara="1" rIns="91425" wrap="square" tIns="45700">
-            <a:noAutofit/>
-          </a:bodyPr>
-          <a:lstStyle/>
-          <a:p>
-            <a:pPr indent="0" lvl="0" marL="0" rtl="0" algn="l">
-              <a:spcBef>
-                <a:spcPts val="0"/>
-              </a:spcBef>
-              <a:spcAft>
-                <a:spcPts val="0"/>
-              </a:spcAft>
-              <a:buNone/>
-            </a:pPr>
-            <a:r>
-              <a:t/>
-            </a:r>
-            <a:endParaRPr/>
-          </a:p>
-        </p:txBody>
-      </p:sp>
-      <p:sp>
-        <p:nvSpPr>
-          <p:cNvPr id="493" name="Google Shape;493;p31:notes"/>
+          <p:cNvPr id="522" name="Google Shape;522;g26a0424328b_0_0:notes"/>
           <p:cNvSpPr/>
           <p:nvPr>
             <p:ph idx="2" type="sldImg"/>
@@ -4071,6 +4034,45 @@
           </a:custGeom>
         </p:spPr>
       </p:sp>
+      <p:sp>
+        <p:nvSpPr>
+          <p:cNvPr id="523" name="Google Shape;523;g26a0424328b_0_0:notes"/>
+          <p:cNvSpPr txBox="1"/>
+          <p:nvPr>
+            <p:ph idx="1" type="body"/>
+          </p:nvPr>
+        </p:nvSpPr>
+        <p:spPr>
+          <a:xfrm>
+            <a:off x="914400" y="4343400"/>
+            <a:ext cx="5029200" cy="4114800"/>
+          </a:xfrm>
+          <a:prstGeom prst="rect">
+            <a:avLst/>
+          </a:prstGeom>
+        </p:spPr>
+        <p:txBody>
+          <a:bodyPr anchorCtr="0" anchor="t" bIns="45700" lIns="91425" spcFirstLastPara="1" rIns="91425" wrap="square" tIns="45700">
+            <a:noAutofit/>
+          </a:bodyPr>
+          <a:lstStyle/>
+          <a:p>
+            <a:pPr indent="0" lvl="0" marL="0" rtl="0" algn="l">
+              <a:spcBef>
+                <a:spcPts val="0"/>
+              </a:spcBef>
+              <a:spcAft>
+                <a:spcPts val="0"/>
+              </a:spcAft>
+              <a:buNone/>
+            </a:pPr>
+            <a:r>
+              <a:t/>
+            </a:r>
+            <a:endParaRPr/>
+          </a:p>
+        </p:txBody>
+      </p:sp>
     </p:spTree>
   </p:cSld>
   <p:clrMapOvr>
@@ -4079,12 +4081,12 @@
 </p:notes>
 </file>
 
-<file path=ppt/notesSlides/notesSlide4.xml><?xml version="1.0" encoding="utf-8"?>
+<file path=ppt/notesSlides/notesSlide39.xml><?xml version="1.0" encoding="utf-8"?>
 <p:notes xmlns:a="http://schemas.openxmlformats.org/drawingml/2006/main" xmlns:r="http://schemas.openxmlformats.org/officeDocument/2006/relationships" xmlns:mc="http://schemas.openxmlformats.org/markup-compatibility/2006" xmlns:mv="urn:schemas-microsoft-com:mac:vml" xmlns:p="http://schemas.openxmlformats.org/presentationml/2006/main" xmlns:c="http://schemas.openxmlformats.org/drawingml/2006/chart" xmlns:dgm="http://schemas.openxmlformats.org/drawingml/2006/diagram" xmlns:o="urn:schemas-microsoft-com:office:office" xmlns:v="urn:schemas-microsoft-com:vml" xmlns:pvml="urn:schemas-microsoft-com:office:powerpoint" xmlns:com="http://schemas.openxmlformats.org/drawingml/2006/compatibility" xmlns:p14="http://schemas.microsoft.com/office/powerpoint/2010/main" xmlns:p15="http://schemas.microsoft.com/office/powerpoint/2012/main" xmlns:ahyp="http://schemas.microsoft.com/office/drawing/2018/hyperlinkcolor" showMasterPhAnim="0" showMasterSp="0">
   <p:cSld>
     <p:spTree>
       <p:nvGrpSpPr>
-        <p:cNvPr id="232" name="Shape 232"/>
+        <p:cNvPr id="530" name="Shape 530"/>
         <p:cNvGrpSpPr/>
         <p:nvPr/>
       </p:nvGrpSpPr>
@@ -4098,46 +4100,7 @@
       </p:grpSpPr>
       <p:sp>
         <p:nvSpPr>
-          <p:cNvPr id="233" name="Google Shape;233;p4:notes"/>
-          <p:cNvSpPr txBox="1"/>
-          <p:nvPr>
-            <p:ph idx="1" type="body"/>
-          </p:nvPr>
-        </p:nvSpPr>
-        <p:spPr>
-          <a:xfrm>
-            <a:off x="914400" y="4343400"/>
-            <a:ext cx="5029200" cy="4114800"/>
-          </a:xfrm>
-          <a:prstGeom prst="rect">
-            <a:avLst/>
-          </a:prstGeom>
-        </p:spPr>
-        <p:txBody>
-          <a:bodyPr anchorCtr="0" anchor="t" bIns="45700" lIns="91425" spcFirstLastPara="1" rIns="91425" wrap="square" tIns="45700">
-            <a:noAutofit/>
-          </a:bodyPr>
-          <a:lstStyle/>
-          <a:p>
-            <a:pPr indent="0" lvl="0" marL="0" rtl="0" algn="l">
-              <a:spcBef>
-                <a:spcPts val="0"/>
-              </a:spcBef>
-              <a:spcAft>
-                <a:spcPts val="0"/>
-              </a:spcAft>
-              <a:buNone/>
-            </a:pPr>
-            <a:r>
-              <a:t/>
-            </a:r>
-            <a:endParaRPr/>
-          </a:p>
-        </p:txBody>
-      </p:sp>
-      <p:sp>
-        <p:nvSpPr>
-          <p:cNvPr id="234" name="Google Shape;234;p4:notes"/>
+          <p:cNvPr id="531" name="Google Shape;531;g32fbb870741_0_0:notes"/>
           <p:cNvSpPr/>
           <p:nvPr>
             <p:ph idx="2" type="sldImg"/>
@@ -4170,6 +4133,45 @@
           </a:custGeom>
         </p:spPr>
       </p:sp>
+      <p:sp>
+        <p:nvSpPr>
+          <p:cNvPr id="532" name="Google Shape;532;g32fbb870741_0_0:notes"/>
+          <p:cNvSpPr txBox="1"/>
+          <p:nvPr>
+            <p:ph idx="1" type="body"/>
+          </p:nvPr>
+        </p:nvSpPr>
+        <p:spPr>
+          <a:xfrm>
+            <a:off x="914400" y="4343400"/>
+            <a:ext cx="5029200" cy="4114800"/>
+          </a:xfrm>
+          <a:prstGeom prst="rect">
+            <a:avLst/>
+          </a:prstGeom>
+        </p:spPr>
+        <p:txBody>
+          <a:bodyPr anchorCtr="0" anchor="t" bIns="45700" lIns="91425" spcFirstLastPara="1" rIns="91425" wrap="square" tIns="45700">
+            <a:noAutofit/>
+          </a:bodyPr>
+          <a:lstStyle/>
+          <a:p>
+            <a:pPr indent="0" lvl="0" marL="0" rtl="0" algn="l">
+              <a:spcBef>
+                <a:spcPts val="0"/>
+              </a:spcBef>
+              <a:spcAft>
+                <a:spcPts val="0"/>
+              </a:spcAft>
+              <a:buNone/>
+            </a:pPr>
+            <a:r>
+              <a:t/>
+            </a:r>
+            <a:endParaRPr/>
+          </a:p>
+        </p:txBody>
+      </p:sp>
     </p:spTree>
   </p:cSld>
   <p:clrMapOvr>
@@ -4178,12 +4180,12 @@
 </p:notes>
 </file>
 
-<file path=ppt/notesSlides/notesSlide5.xml><?xml version="1.0" encoding="utf-8"?>
+<file path=ppt/notesSlides/notesSlide4.xml><?xml version="1.0" encoding="utf-8"?>
 <p:notes xmlns:a="http://schemas.openxmlformats.org/drawingml/2006/main" xmlns:r="http://schemas.openxmlformats.org/officeDocument/2006/relationships" xmlns:mc="http://schemas.openxmlformats.org/markup-compatibility/2006" xmlns:mv="urn:schemas-microsoft-com:mac:vml" xmlns:p="http://schemas.openxmlformats.org/presentationml/2006/main" xmlns:c="http://schemas.openxmlformats.org/drawingml/2006/chart" xmlns:dgm="http://schemas.openxmlformats.org/drawingml/2006/diagram" xmlns:o="urn:schemas-microsoft-com:office:office" xmlns:v="urn:schemas-microsoft-com:vml" xmlns:pvml="urn:schemas-microsoft-com:office:powerpoint" xmlns:com="http://schemas.openxmlformats.org/drawingml/2006/compatibility" xmlns:p14="http://schemas.microsoft.com/office/powerpoint/2010/main" xmlns:p15="http://schemas.microsoft.com/office/powerpoint/2012/main" xmlns:ahyp="http://schemas.microsoft.com/office/drawing/2018/hyperlinkcolor" showMasterPhAnim="0" showMasterSp="0">
   <p:cSld>
     <p:spTree>
       <p:nvGrpSpPr>
-        <p:cNvPr id="239" name="Shape 239"/>
+        <p:cNvPr id="231" name="Shape 231"/>
         <p:cNvGrpSpPr/>
         <p:nvPr/>
       </p:nvGrpSpPr>
@@ -4197,7 +4199,7 @@
       </p:grpSpPr>
       <p:sp>
         <p:nvSpPr>
-          <p:cNvPr id="240" name="Google Shape;240;p5:notes"/>
+          <p:cNvPr id="232" name="Google Shape;232;p4:notes"/>
           <p:cNvSpPr txBox="1"/>
           <p:nvPr>
             <p:ph idx="1" type="body"/>
@@ -4236,7 +4238,7 @@
       </p:sp>
       <p:sp>
         <p:nvSpPr>
-          <p:cNvPr id="241" name="Google Shape;241;p5:notes"/>
+          <p:cNvPr id="233" name="Google Shape;233;p4:notes"/>
           <p:cNvSpPr/>
           <p:nvPr>
             <p:ph idx="2" type="sldImg"/>
@@ -4277,12 +4279,12 @@
 </p:notes>
 </file>
 
-<file path=ppt/notesSlides/notesSlide6.xml><?xml version="1.0" encoding="utf-8"?>
+<file path=ppt/notesSlides/notesSlide40.xml><?xml version="1.0" encoding="utf-8"?>
 <p:notes xmlns:a="http://schemas.openxmlformats.org/drawingml/2006/main" xmlns:r="http://schemas.openxmlformats.org/officeDocument/2006/relationships" xmlns:mc="http://schemas.openxmlformats.org/markup-compatibility/2006" xmlns:mv="urn:schemas-microsoft-com:mac:vml" xmlns:p="http://schemas.openxmlformats.org/presentationml/2006/main" xmlns:c="http://schemas.openxmlformats.org/drawingml/2006/chart" xmlns:dgm="http://schemas.openxmlformats.org/drawingml/2006/diagram" xmlns:o="urn:schemas-microsoft-com:office:office" xmlns:v="urn:schemas-microsoft-com:vml" xmlns:pvml="urn:schemas-microsoft-com:office:powerpoint" xmlns:com="http://schemas.openxmlformats.org/drawingml/2006/compatibility" xmlns:p14="http://schemas.microsoft.com/office/powerpoint/2010/main" xmlns:p15="http://schemas.microsoft.com/office/powerpoint/2012/main" xmlns:ahyp="http://schemas.microsoft.com/office/drawing/2018/hyperlinkcolor" showMasterPhAnim="0" showMasterSp="0">
   <p:cSld>
     <p:spTree>
       <p:nvGrpSpPr>
-        <p:cNvPr id="246" name="Shape 246"/>
+        <p:cNvPr id="539" name="Shape 539"/>
         <p:cNvGrpSpPr/>
         <p:nvPr/>
       </p:nvGrpSpPr>
@@ -4296,7 +4298,7 @@
       </p:grpSpPr>
       <p:sp>
         <p:nvSpPr>
-          <p:cNvPr id="247" name="Google Shape;247;p6:notes"/>
+          <p:cNvPr id="540" name="Google Shape;540;p31:notes"/>
           <p:cNvSpPr txBox="1"/>
           <p:nvPr>
             <p:ph idx="1" type="body"/>
@@ -4335,7 +4337,7 @@
       </p:sp>
       <p:sp>
         <p:nvSpPr>
-          <p:cNvPr id="248" name="Google Shape;248;p6:notes"/>
+          <p:cNvPr id="541" name="Google Shape;541;p31:notes"/>
           <p:cNvSpPr/>
           <p:nvPr>
             <p:ph idx="2" type="sldImg"/>
@@ -4376,12 +4378,12 @@
 </p:notes>
 </file>
 
-<file path=ppt/notesSlides/notesSlide7.xml><?xml version="1.0" encoding="utf-8"?>
+<file path=ppt/notesSlides/notesSlide5.xml><?xml version="1.0" encoding="utf-8"?>
 <p:notes xmlns:a="http://schemas.openxmlformats.org/drawingml/2006/main" xmlns:r="http://schemas.openxmlformats.org/officeDocument/2006/relationships" xmlns:mc="http://schemas.openxmlformats.org/markup-compatibility/2006" xmlns:mv="urn:schemas-microsoft-com:mac:vml" xmlns:p="http://schemas.openxmlformats.org/presentationml/2006/main" xmlns:c="http://schemas.openxmlformats.org/drawingml/2006/chart" xmlns:dgm="http://schemas.openxmlformats.org/drawingml/2006/diagram" xmlns:o="urn:schemas-microsoft-com:office:office" xmlns:v="urn:schemas-microsoft-com:vml" xmlns:pvml="urn:schemas-microsoft-com:office:powerpoint" xmlns:com="http://schemas.openxmlformats.org/drawingml/2006/compatibility" xmlns:p14="http://schemas.microsoft.com/office/powerpoint/2010/main" xmlns:p15="http://schemas.microsoft.com/office/powerpoint/2012/main" xmlns:ahyp="http://schemas.microsoft.com/office/drawing/2018/hyperlinkcolor" showMasterPhAnim="0" showMasterSp="0">
   <p:cSld>
     <p:spTree>
       <p:nvGrpSpPr>
-        <p:cNvPr id="252" name="Shape 252"/>
+        <p:cNvPr id="238" name="Shape 238"/>
         <p:cNvGrpSpPr/>
         <p:nvPr/>
       </p:nvGrpSpPr>
@@ -4395,7 +4397,7 @@
       </p:grpSpPr>
       <p:sp>
         <p:nvSpPr>
-          <p:cNvPr id="253" name="Google Shape;253;p7:notes"/>
+          <p:cNvPr id="239" name="Google Shape;239;p5:notes"/>
           <p:cNvSpPr txBox="1"/>
           <p:nvPr>
             <p:ph idx="1" type="body"/>
@@ -4434,7 +4436,7 @@
       </p:sp>
       <p:sp>
         <p:nvSpPr>
-          <p:cNvPr id="254" name="Google Shape;254;p7:notes"/>
+          <p:cNvPr id="240" name="Google Shape;240;p5:notes"/>
           <p:cNvSpPr/>
           <p:nvPr>
             <p:ph idx="2" type="sldImg"/>
@@ -4475,12 +4477,12 @@
 </p:notes>
 </file>
 
-<file path=ppt/notesSlides/notesSlide8.xml><?xml version="1.0" encoding="utf-8"?>
+<file path=ppt/notesSlides/notesSlide6.xml><?xml version="1.0" encoding="utf-8"?>
 <p:notes xmlns:a="http://schemas.openxmlformats.org/drawingml/2006/main" xmlns:r="http://schemas.openxmlformats.org/officeDocument/2006/relationships" xmlns:mc="http://schemas.openxmlformats.org/markup-compatibility/2006" xmlns:mv="urn:schemas-microsoft-com:mac:vml" xmlns:p="http://schemas.openxmlformats.org/presentationml/2006/main" xmlns:c="http://schemas.openxmlformats.org/drawingml/2006/chart" xmlns:dgm="http://schemas.openxmlformats.org/drawingml/2006/diagram" xmlns:o="urn:schemas-microsoft-com:office:office" xmlns:v="urn:schemas-microsoft-com:vml" xmlns:pvml="urn:schemas-microsoft-com:office:powerpoint" xmlns:com="http://schemas.openxmlformats.org/drawingml/2006/compatibility" xmlns:p14="http://schemas.microsoft.com/office/powerpoint/2010/main" xmlns:p15="http://schemas.microsoft.com/office/powerpoint/2012/main" xmlns:ahyp="http://schemas.microsoft.com/office/drawing/2018/hyperlinkcolor" showMasterPhAnim="0" showMasterSp="0">
   <p:cSld>
     <p:spTree>
       <p:nvGrpSpPr>
-        <p:cNvPr id="259" name="Shape 259"/>
+        <p:cNvPr id="245" name="Shape 245"/>
         <p:cNvGrpSpPr/>
         <p:nvPr/>
       </p:nvGrpSpPr>
@@ -4494,7 +4496,7 @@
       </p:grpSpPr>
       <p:sp>
         <p:nvSpPr>
-          <p:cNvPr id="260" name="Google Shape;260;p8:notes"/>
+          <p:cNvPr id="246" name="Google Shape;246;p6:notes"/>
           <p:cNvSpPr txBox="1"/>
           <p:nvPr>
             <p:ph idx="1" type="body"/>
@@ -4533,7 +4535,7 @@
       </p:sp>
       <p:sp>
         <p:nvSpPr>
-          <p:cNvPr id="261" name="Google Shape;261;p8:notes"/>
+          <p:cNvPr id="247" name="Google Shape;247;p6:notes"/>
           <p:cNvSpPr/>
           <p:nvPr>
             <p:ph idx="2" type="sldImg"/>
@@ -4574,12 +4576,12 @@
 </p:notes>
 </file>
 
-<file path=ppt/notesSlides/notesSlide9.xml><?xml version="1.0" encoding="utf-8"?>
+<file path=ppt/notesSlides/notesSlide7.xml><?xml version="1.0" encoding="utf-8"?>
 <p:notes xmlns:a="http://schemas.openxmlformats.org/drawingml/2006/main" xmlns:r="http://schemas.openxmlformats.org/officeDocument/2006/relationships" xmlns:mc="http://schemas.openxmlformats.org/markup-compatibility/2006" xmlns:mv="urn:schemas-microsoft-com:mac:vml" xmlns:p="http://schemas.openxmlformats.org/presentationml/2006/main" xmlns:c="http://schemas.openxmlformats.org/drawingml/2006/chart" xmlns:dgm="http://schemas.openxmlformats.org/drawingml/2006/diagram" xmlns:o="urn:schemas-microsoft-com:office:office" xmlns:v="urn:schemas-microsoft-com:vml" xmlns:pvml="urn:schemas-microsoft-com:office:powerpoint" xmlns:com="http://schemas.openxmlformats.org/drawingml/2006/compatibility" xmlns:p14="http://schemas.microsoft.com/office/powerpoint/2010/main" xmlns:p15="http://schemas.microsoft.com/office/powerpoint/2012/main" xmlns:ahyp="http://schemas.microsoft.com/office/drawing/2018/hyperlinkcolor" showMasterPhAnim="0" showMasterSp="0">
   <p:cSld>
     <p:spTree>
       <p:nvGrpSpPr>
-        <p:cNvPr id="266" name="Shape 266"/>
+        <p:cNvPr id="251" name="Shape 251"/>
         <p:cNvGrpSpPr/>
         <p:nvPr/>
       </p:nvGrpSpPr>
@@ -4593,7 +4595,7 @@
       </p:grpSpPr>
       <p:sp>
         <p:nvSpPr>
-          <p:cNvPr id="267" name="Google Shape;267;p9:notes"/>
+          <p:cNvPr id="252" name="Google Shape;252;p7:notes"/>
           <p:cNvSpPr txBox="1"/>
           <p:nvPr>
             <p:ph idx="1" type="body"/>
@@ -4632,7 +4634,205 @@
       </p:sp>
       <p:sp>
         <p:nvSpPr>
-          <p:cNvPr id="268" name="Google Shape;268;p9:notes"/>
+          <p:cNvPr id="253" name="Google Shape;253;p7:notes"/>
+          <p:cNvSpPr/>
+          <p:nvPr>
+            <p:ph idx="2" type="sldImg"/>
+          </p:nvPr>
+        </p:nvSpPr>
+        <p:spPr>
+          <a:xfrm>
+            <a:off x="381000" y="685800"/>
+            <a:ext cx="6096000" cy="3429000"/>
+          </a:xfrm>
+          <a:custGeom>
+            <a:rect b="b" l="l" r="r" t="t"/>
+            <a:pathLst>
+              <a:path extrusionOk="0" h="120000" w="120000">
+                <a:moveTo>
+                  <a:pt x="0" y="0"/>
+                </a:moveTo>
+                <a:lnTo>
+                  <a:pt x="120000" y="0"/>
+                </a:lnTo>
+                <a:lnTo>
+                  <a:pt x="120000" y="120000"/>
+                </a:lnTo>
+                <a:lnTo>
+                  <a:pt x="0" y="120000"/>
+                </a:lnTo>
+                <a:close/>
+              </a:path>
+            </a:pathLst>
+          </a:custGeom>
+        </p:spPr>
+      </p:sp>
+    </p:spTree>
+  </p:cSld>
+  <p:clrMapOvr>
+    <a:masterClrMapping/>
+  </p:clrMapOvr>
+</p:notes>
+</file>
+
+<file path=ppt/notesSlides/notesSlide8.xml><?xml version="1.0" encoding="utf-8"?>
+<p:notes xmlns:a="http://schemas.openxmlformats.org/drawingml/2006/main" xmlns:r="http://schemas.openxmlformats.org/officeDocument/2006/relationships" xmlns:mc="http://schemas.openxmlformats.org/markup-compatibility/2006" xmlns:mv="urn:schemas-microsoft-com:mac:vml" xmlns:p="http://schemas.openxmlformats.org/presentationml/2006/main" xmlns:c="http://schemas.openxmlformats.org/drawingml/2006/chart" xmlns:dgm="http://schemas.openxmlformats.org/drawingml/2006/diagram" xmlns:o="urn:schemas-microsoft-com:office:office" xmlns:v="urn:schemas-microsoft-com:vml" xmlns:pvml="urn:schemas-microsoft-com:office:powerpoint" xmlns:com="http://schemas.openxmlformats.org/drawingml/2006/compatibility" xmlns:p14="http://schemas.microsoft.com/office/powerpoint/2010/main" xmlns:p15="http://schemas.microsoft.com/office/powerpoint/2012/main" xmlns:ahyp="http://schemas.microsoft.com/office/drawing/2018/hyperlinkcolor" showMasterPhAnim="0" showMasterSp="0">
+  <p:cSld>
+    <p:spTree>
+      <p:nvGrpSpPr>
+        <p:cNvPr id="258" name="Shape 258"/>
+        <p:cNvGrpSpPr/>
+        <p:nvPr/>
+      </p:nvGrpSpPr>
+      <p:grpSpPr>
+        <a:xfrm>
+          <a:off x="0" y="0"/>
+          <a:ext cx="0" cy="0"/>
+          <a:chOff x="0" y="0"/>
+          <a:chExt cx="0" cy="0"/>
+        </a:xfrm>
+      </p:grpSpPr>
+      <p:sp>
+        <p:nvSpPr>
+          <p:cNvPr id="259" name="Google Shape;259;p8:notes"/>
+          <p:cNvSpPr txBox="1"/>
+          <p:nvPr>
+            <p:ph idx="1" type="body"/>
+          </p:nvPr>
+        </p:nvSpPr>
+        <p:spPr>
+          <a:xfrm>
+            <a:off x="914400" y="4343400"/>
+            <a:ext cx="5029200" cy="4114800"/>
+          </a:xfrm>
+          <a:prstGeom prst="rect">
+            <a:avLst/>
+          </a:prstGeom>
+        </p:spPr>
+        <p:txBody>
+          <a:bodyPr anchorCtr="0" anchor="t" bIns="45700" lIns="91425" spcFirstLastPara="1" rIns="91425" wrap="square" tIns="45700">
+            <a:noAutofit/>
+          </a:bodyPr>
+          <a:lstStyle/>
+          <a:p>
+            <a:pPr indent="0" lvl="0" marL="0" rtl="0" algn="l">
+              <a:spcBef>
+                <a:spcPts val="0"/>
+              </a:spcBef>
+              <a:spcAft>
+                <a:spcPts val="0"/>
+              </a:spcAft>
+              <a:buNone/>
+            </a:pPr>
+            <a:r>
+              <a:t/>
+            </a:r>
+            <a:endParaRPr/>
+          </a:p>
+        </p:txBody>
+      </p:sp>
+      <p:sp>
+        <p:nvSpPr>
+          <p:cNvPr id="260" name="Google Shape;260;p8:notes"/>
+          <p:cNvSpPr/>
+          <p:nvPr>
+            <p:ph idx="2" type="sldImg"/>
+          </p:nvPr>
+        </p:nvSpPr>
+        <p:spPr>
+          <a:xfrm>
+            <a:off x="381000" y="685800"/>
+            <a:ext cx="6096000" cy="3429000"/>
+          </a:xfrm>
+          <a:custGeom>
+            <a:rect b="b" l="l" r="r" t="t"/>
+            <a:pathLst>
+              <a:path extrusionOk="0" h="120000" w="120000">
+                <a:moveTo>
+                  <a:pt x="0" y="0"/>
+                </a:moveTo>
+                <a:lnTo>
+                  <a:pt x="120000" y="0"/>
+                </a:lnTo>
+                <a:lnTo>
+                  <a:pt x="120000" y="120000"/>
+                </a:lnTo>
+                <a:lnTo>
+                  <a:pt x="0" y="120000"/>
+                </a:lnTo>
+                <a:close/>
+              </a:path>
+            </a:pathLst>
+          </a:custGeom>
+        </p:spPr>
+      </p:sp>
+    </p:spTree>
+  </p:cSld>
+  <p:clrMapOvr>
+    <a:masterClrMapping/>
+  </p:clrMapOvr>
+</p:notes>
+</file>
+
+<file path=ppt/notesSlides/notesSlide9.xml><?xml version="1.0" encoding="utf-8"?>
+<p:notes xmlns:a="http://schemas.openxmlformats.org/drawingml/2006/main" xmlns:r="http://schemas.openxmlformats.org/officeDocument/2006/relationships" xmlns:mc="http://schemas.openxmlformats.org/markup-compatibility/2006" xmlns:mv="urn:schemas-microsoft-com:mac:vml" xmlns:p="http://schemas.openxmlformats.org/presentationml/2006/main" xmlns:c="http://schemas.openxmlformats.org/drawingml/2006/chart" xmlns:dgm="http://schemas.openxmlformats.org/drawingml/2006/diagram" xmlns:o="urn:schemas-microsoft-com:office:office" xmlns:v="urn:schemas-microsoft-com:vml" xmlns:pvml="urn:schemas-microsoft-com:office:powerpoint" xmlns:com="http://schemas.openxmlformats.org/drawingml/2006/compatibility" xmlns:p14="http://schemas.microsoft.com/office/powerpoint/2010/main" xmlns:p15="http://schemas.microsoft.com/office/powerpoint/2012/main" xmlns:ahyp="http://schemas.microsoft.com/office/drawing/2018/hyperlinkcolor" showMasterPhAnim="0" showMasterSp="0">
+  <p:cSld>
+    <p:spTree>
+      <p:nvGrpSpPr>
+        <p:cNvPr id="265" name="Shape 265"/>
+        <p:cNvGrpSpPr/>
+        <p:nvPr/>
+      </p:nvGrpSpPr>
+      <p:grpSpPr>
+        <a:xfrm>
+          <a:off x="0" y="0"/>
+          <a:ext cx="0" cy="0"/>
+          <a:chOff x="0" y="0"/>
+          <a:chExt cx="0" cy="0"/>
+        </a:xfrm>
+      </p:grpSpPr>
+      <p:sp>
+        <p:nvSpPr>
+          <p:cNvPr id="266" name="Google Shape;266;p9:notes"/>
+          <p:cNvSpPr txBox="1"/>
+          <p:nvPr>
+            <p:ph idx="1" type="body"/>
+          </p:nvPr>
+        </p:nvSpPr>
+        <p:spPr>
+          <a:xfrm>
+            <a:off x="914400" y="4343400"/>
+            <a:ext cx="5029200" cy="4114800"/>
+          </a:xfrm>
+          <a:prstGeom prst="rect">
+            <a:avLst/>
+          </a:prstGeom>
+        </p:spPr>
+        <p:txBody>
+          <a:bodyPr anchorCtr="0" anchor="t" bIns="45700" lIns="91425" spcFirstLastPara="1" rIns="91425" wrap="square" tIns="45700">
+            <a:noAutofit/>
+          </a:bodyPr>
+          <a:lstStyle/>
+          <a:p>
+            <a:pPr indent="0" lvl="0" marL="0" rtl="0" algn="l">
+              <a:spcBef>
+                <a:spcPts val="0"/>
+              </a:spcBef>
+              <a:spcAft>
+                <a:spcPts val="0"/>
+              </a:spcAft>
+              <a:buNone/>
+            </a:pPr>
+            <a:r>
+              <a:t/>
+            </a:r>
+            <a:endParaRPr/>
+          </a:p>
+        </p:txBody>
+      </p:sp>
+      <p:sp>
+        <p:nvSpPr>
+          <p:cNvPr id="267" name="Google Shape;267;p9:notes"/>
           <p:cNvSpPr/>
           <p:nvPr>
             <p:ph idx="2" type="sldImg"/>
@@ -25406,56 +25606,6 @@
           </a:p>
         </p:txBody>
       </p:sp>
-      <p:sp>
-        <p:nvSpPr>
-          <p:cNvPr id="209" name="Google Shape;209;p1"/>
-          <p:cNvSpPr txBox="1"/>
-          <p:nvPr>
-            <p:ph idx="1" type="body"/>
-          </p:nvPr>
-        </p:nvSpPr>
-        <p:spPr>
-          <a:xfrm>
-            <a:off x="1895475" y="3182315"/>
-            <a:ext cx="10296524" cy="304800"/>
-          </a:xfrm>
-          <a:prstGeom prst="rect">
-            <a:avLst/>
-          </a:prstGeom>
-          <a:noFill/>
-          <a:ln>
-            <a:noFill/>
-          </a:ln>
-        </p:spPr>
-        <p:txBody>
-          <a:bodyPr anchorCtr="0" anchor="t" bIns="0" lIns="0" spcFirstLastPara="1" rIns="0" wrap="square" tIns="0">
-            <a:normAutofit/>
-          </a:bodyPr>
-          <a:lstStyle/>
-          <a:p>
-            <a:pPr indent="0" lvl="0" marL="0" rtl="0" algn="l">
-              <a:lnSpc>
-                <a:spcPct val="100000"/>
-              </a:lnSpc>
-              <a:spcBef>
-                <a:spcPts val="0"/>
-              </a:spcBef>
-              <a:spcAft>
-                <a:spcPts val="0"/>
-              </a:spcAft>
-              <a:buClr>
-                <a:srgbClr val="00C7FD"/>
-              </a:buClr>
-              <a:buSzPts val="1600"/>
-              <a:buNone/>
-            </a:pPr>
-            <a:r>
-              <a:t/>
-            </a:r>
-            <a:endParaRPr/>
-          </a:p>
-        </p:txBody>
-      </p:sp>
     </p:spTree>
   </p:cSld>
   <p:clrMapOvr>
@@ -25481,7 +25631,7 @@
   <p:cSld>
     <p:spTree>
       <p:nvGrpSpPr>
-        <p:cNvPr id="276" name="Shape 276"/>
+        <p:cNvPr id="275" name="Shape 275"/>
         <p:cNvGrpSpPr/>
         <p:nvPr/>
       </p:nvGrpSpPr>
@@ -25495,7 +25645,7 @@
       </p:grpSpPr>
       <p:sp>
         <p:nvSpPr>
-          <p:cNvPr id="277" name="Google Shape;277;p10"/>
+          <p:cNvPr id="276" name="Google Shape;276;p10"/>
           <p:cNvSpPr txBox="1"/>
           <p:nvPr>
             <p:ph type="title"/>
@@ -25547,7 +25697,7 @@
       </p:sp>
       <p:sp>
         <p:nvSpPr>
-          <p:cNvPr id="278" name="Google Shape;278;p10"/>
+          <p:cNvPr id="277" name="Google Shape;277;p10"/>
           <p:cNvSpPr txBox="1"/>
           <p:nvPr>
             <p:ph idx="1" type="body"/>
@@ -25621,7 +25771,7 @@
       </p:sp>
       <p:pic>
         <p:nvPicPr>
-          <p:cNvPr id="279" name="Google Shape;279;p10"/>
+          <p:cNvPr id="278" name="Google Shape;278;p10"/>
           <p:cNvPicPr preferRelativeResize="0"/>
           <p:nvPr/>
         </p:nvPicPr>
@@ -25648,7 +25798,7 @@
       </p:pic>
       <p:pic>
         <p:nvPicPr>
-          <p:cNvPr id="280" name="Google Shape;280;p10"/>
+          <p:cNvPr id="279" name="Google Shape;279;p10"/>
           <p:cNvPicPr preferRelativeResize="0"/>
           <p:nvPr/>
         </p:nvPicPr>
@@ -25675,7 +25825,7 @@
       </p:pic>
       <p:sp>
         <p:nvSpPr>
-          <p:cNvPr id="281" name="Google Shape;281;p10"/>
+          <p:cNvPr id="280" name="Google Shape;280;p10"/>
           <p:cNvSpPr txBox="1"/>
           <p:nvPr/>
         </p:nvSpPr>
@@ -25775,7 +25925,7 @@
   <p:cSld>
     <p:spTree>
       <p:nvGrpSpPr>
-        <p:cNvPr id="285" name="Shape 285"/>
+        <p:cNvPr id="284" name="Shape 284"/>
         <p:cNvGrpSpPr/>
         <p:nvPr/>
       </p:nvGrpSpPr>
@@ -25789,7 +25939,7 @@
       </p:grpSpPr>
       <p:sp>
         <p:nvSpPr>
-          <p:cNvPr id="286" name="Google Shape;286;p11"/>
+          <p:cNvPr id="285" name="Google Shape;285;p11"/>
           <p:cNvSpPr txBox="1"/>
           <p:nvPr>
             <p:ph type="title"/>
@@ -25841,7 +25991,7 @@
       </p:sp>
       <p:sp>
         <p:nvSpPr>
-          <p:cNvPr id="287" name="Google Shape;287;p11"/>
+          <p:cNvPr id="286" name="Google Shape;286;p11"/>
           <p:cNvSpPr txBox="1"/>
           <p:nvPr>
             <p:ph idx="1" type="body"/>
@@ -25896,7 +26046,7 @@
       </p:sp>
       <p:pic>
         <p:nvPicPr>
-          <p:cNvPr id="288" name="Google Shape;288;p11"/>
+          <p:cNvPr id="287" name="Google Shape;287;p11"/>
           <p:cNvPicPr preferRelativeResize="0"/>
           <p:nvPr>
             <p:ph idx="2" type="body"/>
@@ -25948,7 +26098,7 @@
   <p:cSld>
     <p:spTree>
       <p:nvGrpSpPr>
-        <p:cNvPr id="292" name="Shape 292"/>
+        <p:cNvPr id="291" name="Shape 291"/>
         <p:cNvGrpSpPr/>
         <p:nvPr/>
       </p:nvGrpSpPr>
@@ -25962,7 +26112,7 @@
       </p:grpSpPr>
       <p:sp>
         <p:nvSpPr>
-          <p:cNvPr id="293" name="Google Shape;293;p12"/>
+          <p:cNvPr id="292" name="Google Shape;292;p12"/>
           <p:cNvSpPr txBox="1"/>
           <p:nvPr>
             <p:ph type="title"/>
@@ -26014,7 +26164,7 @@
       </p:sp>
       <p:sp>
         <p:nvSpPr>
-          <p:cNvPr id="294" name="Google Shape;294;p12"/>
+          <p:cNvPr id="293" name="Google Shape;293;p12"/>
           <p:cNvSpPr txBox="1"/>
           <p:nvPr>
             <p:ph idx="1" type="body"/>
@@ -26111,7 +26261,7 @@
   <p:cSld>
     <p:spTree>
       <p:nvGrpSpPr>
-        <p:cNvPr id="298" name="Shape 298"/>
+        <p:cNvPr id="297" name="Shape 297"/>
         <p:cNvGrpSpPr/>
         <p:nvPr/>
       </p:nvGrpSpPr>
@@ -26125,7 +26275,7 @@
       </p:grpSpPr>
       <p:sp>
         <p:nvSpPr>
-          <p:cNvPr id="299" name="Google Shape;299;g26a0424328b_0_19"/>
+          <p:cNvPr id="298" name="Google Shape;298;g26a0424328b_0_19"/>
           <p:cNvSpPr txBox="1"/>
           <p:nvPr>
             <p:ph type="title"/>
@@ -26165,7 +26315,7 @@
       </p:sp>
       <p:sp>
         <p:nvSpPr>
-          <p:cNvPr id="300" name="Google Shape;300;g26a0424328b_0_19"/>
+          <p:cNvPr id="299" name="Google Shape;299;g26a0424328b_0_19"/>
           <p:cNvSpPr txBox="1"/>
           <p:nvPr>
             <p:ph idx="1" type="body"/>
@@ -26197,7 +26347,11 @@
             </a:pPr>
             <a:r>
               <a:rPr lang="en-US"/>
-              <a:t>Def-use analysis is a technique used in compilers to determine the points in the program where variables are defined (def) and used (use).</a:t>
+              <a:t>Def-use analysis is a technique used in compilers to determine the points in the program where variables are defined (def) and used (use)</a:t>
+            </a:r>
+            <a:r>
+              <a:rPr lang="en-US"/>
+              <a:t>.</a:t>
             </a:r>
             <a:endParaRPr/>
           </a:p>
@@ -26214,7 +26368,11 @@
             </a:pPr>
             <a:r>
               <a:rPr lang="en-US"/>
-              <a:t>Definition (Def): A point in the program where a variable is assigned a value.</a:t>
+              <a:t>Definition (Def): A point in the program where a variable is assigned a value</a:t>
+            </a:r>
+            <a:r>
+              <a:rPr lang="en-US"/>
+              <a:t>.</a:t>
             </a:r>
             <a:endParaRPr/>
           </a:p>
@@ -26231,7 +26389,11 @@
             </a:pPr>
             <a:r>
               <a:rPr lang="en-US"/>
-              <a:t>Use (Use): A point in the program where the value of a variable is read.</a:t>
+              <a:t>Use (Use): A point in the program where the value of a variable is read</a:t>
+            </a:r>
+            <a:r>
+              <a:rPr lang="en-US"/>
+              <a:t>.</a:t>
             </a:r>
             <a:endParaRPr/>
           </a:p>
@@ -26281,7 +26443,11 @@
             </a:pPr>
             <a:r>
               <a:rPr lang="en-US"/>
-              <a:t>Optimizing away redundant computations.</a:t>
+              <a:t>Optimizing away redundant computations</a:t>
+            </a:r>
+            <a:r>
+              <a:rPr lang="en-US"/>
+              <a:t>.</a:t>
             </a:r>
             <a:endParaRPr/>
           </a:p>
@@ -26298,7 +26464,11 @@
             </a:pPr>
             <a:r>
               <a:rPr lang="en-US"/>
-              <a:t>Facilitating more complex analyses like reaching definitions, live variable analysis, and more.</a:t>
+              <a:t>Facilitating more complex analyses like reaching definitions, live variable analysis, and more</a:t>
+            </a:r>
+            <a:r>
+              <a:rPr lang="en-US"/>
+              <a:t>.</a:t>
             </a:r>
             <a:endParaRPr/>
           </a:p>
@@ -26317,7 +26487,7 @@
   <p:cSld>
     <p:spTree>
       <p:nvGrpSpPr>
-        <p:cNvPr id="304" name="Shape 304"/>
+        <p:cNvPr id="303" name="Shape 303"/>
         <p:cNvGrpSpPr/>
         <p:nvPr/>
       </p:nvGrpSpPr>
@@ -26331,7 +26501,7 @@
       </p:grpSpPr>
       <p:sp>
         <p:nvSpPr>
-          <p:cNvPr id="305" name="Google Shape;305;g26a0424328b_0_5"/>
+          <p:cNvPr id="304" name="Google Shape;304;g26a0424328b_0_5"/>
           <p:cNvSpPr txBox="1"/>
           <p:nvPr>
             <p:ph type="title"/>
@@ -26371,7 +26541,7 @@
       </p:sp>
       <p:sp>
         <p:nvSpPr>
-          <p:cNvPr id="306" name="Google Shape;306;g26a0424328b_0_5"/>
+          <p:cNvPr id="305" name="Google Shape;305;g26a0424328b_0_5"/>
           <p:cNvSpPr txBox="1"/>
           <p:nvPr>
             <p:ph idx="1" type="body"/>
@@ -26540,7 +26710,7 @@
   <p:cSld>
     <p:spTree>
       <p:nvGrpSpPr>
-        <p:cNvPr id="310" name="Shape 310"/>
+        <p:cNvPr id="309" name="Shape 309"/>
         <p:cNvGrpSpPr/>
         <p:nvPr/>
       </p:nvGrpSpPr>
@@ -26554,7 +26724,7 @@
       </p:grpSpPr>
       <p:sp>
         <p:nvSpPr>
-          <p:cNvPr id="311" name="Google Shape;311;g26a0424328b_0_10"/>
+          <p:cNvPr id="310" name="Google Shape;310;g26a0424328b_0_10"/>
           <p:cNvSpPr txBox="1"/>
           <p:nvPr>
             <p:ph type="title"/>
@@ -26594,7 +26764,7 @@
       </p:sp>
       <p:sp>
         <p:nvSpPr>
-          <p:cNvPr id="312" name="Google Shape;312;g26a0424328b_0_10"/>
+          <p:cNvPr id="311" name="Google Shape;311;g26a0424328b_0_10"/>
           <p:cNvSpPr txBox="1"/>
           <p:nvPr>
             <p:ph idx="1" type="body"/>
@@ -26707,7 +26877,7 @@
             </a:pPr>
             <a:r>
               <a:rPr lang="en-US"/>
-              <a:t>Other IRs will be covered later in this course</a:t>
+              <a:t>Other IRs will be covered later as a part of this course as well</a:t>
             </a:r>
             <a:endParaRPr/>
           </a:p>
@@ -26726,7 +26896,7 @@
   <p:cSld>
     <p:spTree>
       <p:nvGrpSpPr>
-        <p:cNvPr id="316" name="Shape 316"/>
+        <p:cNvPr id="315" name="Shape 315"/>
         <p:cNvGrpSpPr/>
         <p:nvPr/>
       </p:nvGrpSpPr>
@@ -26740,7 +26910,7 @@
       </p:grpSpPr>
       <p:sp>
         <p:nvSpPr>
-          <p:cNvPr id="317" name="Google Shape;317;p13"/>
+          <p:cNvPr id="316" name="Google Shape;316;p13"/>
           <p:cNvSpPr txBox="1"/>
           <p:nvPr>
             <p:ph type="title"/>
@@ -26792,7 +26962,7 @@
       </p:sp>
       <p:sp>
         <p:nvSpPr>
-          <p:cNvPr id="318" name="Google Shape;318;p13"/>
+          <p:cNvPr id="317" name="Google Shape;317;p13"/>
           <p:cNvSpPr txBox="1"/>
           <p:nvPr>
             <p:ph idx="1" type="body"/>
@@ -26971,7 +27141,7 @@
   <p:cSld>
     <p:spTree>
       <p:nvGrpSpPr>
-        <p:cNvPr id="322" name="Shape 322"/>
+        <p:cNvPr id="321" name="Shape 321"/>
         <p:cNvGrpSpPr/>
         <p:nvPr/>
       </p:nvGrpSpPr>
@@ -26985,7 +27155,7 @@
       </p:grpSpPr>
       <p:sp>
         <p:nvSpPr>
-          <p:cNvPr id="323" name="Google Shape;323;p14"/>
+          <p:cNvPr id="322" name="Google Shape;322;p14"/>
           <p:cNvSpPr txBox="1"/>
           <p:nvPr>
             <p:ph type="title"/>
@@ -27036,7 +27206,7 @@
       </p:sp>
       <p:sp>
         <p:nvSpPr>
-          <p:cNvPr id="324" name="Google Shape;324;p14"/>
+          <p:cNvPr id="323" name="Google Shape;323;p14"/>
           <p:cNvSpPr txBox="1"/>
           <p:nvPr>
             <p:ph idx="1" type="body"/>
@@ -27086,7 +27256,7 @@
       </p:sp>
       <p:pic>
         <p:nvPicPr>
-          <p:cNvPr id="325" name="Google Shape;325;p14"/>
+          <p:cNvPr id="324" name="Google Shape;324;p14"/>
           <p:cNvPicPr preferRelativeResize="0"/>
           <p:nvPr/>
         </p:nvPicPr>
@@ -27113,7 +27283,7 @@
       </p:pic>
       <p:sp>
         <p:nvSpPr>
-          <p:cNvPr id="326" name="Google Shape;326;p14"/>
+          <p:cNvPr id="325" name="Google Shape;325;p14"/>
           <p:cNvSpPr txBox="1"/>
           <p:nvPr/>
         </p:nvSpPr>
@@ -27213,7 +27383,7 @@
   <p:cSld>
     <p:spTree>
       <p:nvGrpSpPr>
-        <p:cNvPr id="330" name="Shape 330"/>
+        <p:cNvPr id="329" name="Shape 329"/>
         <p:cNvGrpSpPr/>
         <p:nvPr/>
       </p:nvGrpSpPr>
@@ -27227,7 +27397,7 @@
       </p:grpSpPr>
       <p:sp>
         <p:nvSpPr>
-          <p:cNvPr id="331" name="Google Shape;331;p15"/>
+          <p:cNvPr id="330" name="Google Shape;330;p15"/>
           <p:cNvSpPr txBox="1"/>
           <p:nvPr>
             <p:ph type="title"/>
@@ -27279,7 +27449,7 @@
       </p:sp>
       <p:pic>
         <p:nvPicPr>
-          <p:cNvPr id="332" name="Google Shape;332;p15"/>
+          <p:cNvPr id="331" name="Google Shape;331;p15"/>
           <p:cNvPicPr preferRelativeResize="0"/>
           <p:nvPr/>
         </p:nvPicPr>
@@ -27306,14 +27476,14 @@
       </p:pic>
       <p:sp>
         <p:nvSpPr>
-          <p:cNvPr id="333" name="Google Shape;333;p15"/>
+          <p:cNvPr id="332" name="Google Shape;332;p15"/>
           <p:cNvSpPr txBox="1"/>
           <p:nvPr/>
         </p:nvSpPr>
         <p:spPr>
           <a:xfrm>
             <a:off x="138421" y="5925695"/>
-            <a:ext cx="4762800" cy="424800"/>
+            <a:ext cx="4762800" cy="286200"/>
           </a:xfrm>
           <a:prstGeom prst="rect">
             <a:avLst/>
@@ -27347,17 +27517,7 @@
               <a:buNone/>
             </a:pPr>
             <a:r>
-              <a:rPr lang="en-US" sz="2400" u="sng">
-                <a:solidFill>
-                  <a:schemeClr val="hlink"/>
-                </a:solidFill>
-                <a:hlinkClick r:id="rId4"/>
-              </a:rPr>
-              <a:t>https://godbolt.org/z/sqo4aG7Gd</a:t>
-            </a:r>
-            <a:r>
-              <a:rPr lang="en-US" sz="2400"/>
-              <a:t> </a:t>
+              <a:t/>
             </a:r>
             <a:endParaRPr/>
           </a:p>
@@ -27365,12 +27525,12 @@
       </p:sp>
       <p:pic>
         <p:nvPicPr>
-          <p:cNvPr id="334" name="Google Shape;334;p15"/>
+          <p:cNvPr id="333" name="Google Shape;333;p15"/>
           <p:cNvPicPr preferRelativeResize="0"/>
           <p:nvPr/>
         </p:nvPicPr>
         <p:blipFill rotWithShape="1">
-          <a:blip r:embed="rId5">
+          <a:blip r:embed="rId4">
             <a:alphaModFix/>
           </a:blip>
           <a:srcRect b="0" l="0" r="0" t="0"/>
@@ -27390,6 +27550,179 @@
           </a:ln>
         </p:spPr>
       </p:pic>
+      <p:grpSp>
+        <p:nvGrpSpPr>
+          <p:cNvPr id="334" name="Google Shape;334;p15"/>
+          <p:cNvGrpSpPr/>
+          <p:nvPr/>
+        </p:nvGrpSpPr>
+        <p:grpSpPr>
+          <a:xfrm>
+            <a:off x="67275" y="6313238"/>
+            <a:ext cx="5188500" cy="445275"/>
+            <a:chOff x="289925" y="5611838"/>
+            <a:chExt cx="5188500" cy="445275"/>
+          </a:xfrm>
+        </p:grpSpPr>
+        <p:sp>
+          <p:nvSpPr>
+            <p:cNvPr id="335" name="Google Shape;335;p15"/>
+            <p:cNvSpPr/>
+            <p:nvPr/>
+          </p:nvSpPr>
+          <p:spPr>
+            <a:xfrm>
+              <a:off x="289925" y="5611850"/>
+              <a:ext cx="5188500" cy="445200"/>
+            </a:xfrm>
+            <a:prstGeom prst="rect">
+              <a:avLst/>
+            </a:prstGeom>
+            <a:solidFill>
+              <a:srgbClr val="FFFFFF"/>
+            </a:solidFill>
+            <a:ln cap="flat" cmpd="sng" w="9525">
+              <a:solidFill>
+                <a:srgbClr val="000000"/>
+              </a:solidFill>
+              <a:prstDash val="solid"/>
+              <a:round/>
+              <a:headEnd len="sm" w="sm" type="none"/>
+              <a:tailEnd len="sm" w="sm" type="none"/>
+            </a:ln>
+          </p:spPr>
+          <p:txBody>
+            <a:bodyPr anchorCtr="0" anchor="ctr" bIns="91425" lIns="91425" spcFirstLastPara="1" rIns="91425" wrap="square" tIns="91425">
+              <a:noAutofit/>
+            </a:bodyPr>
+            <a:lstStyle/>
+            <a:p>
+              <a:pPr indent="0" lvl="0" marL="0" rtl="0" algn="l">
+                <a:spcBef>
+                  <a:spcPts val="0"/>
+                </a:spcBef>
+                <a:spcAft>
+                  <a:spcPts val="0"/>
+                </a:spcAft>
+                <a:buNone/>
+              </a:pPr>
+              <a:r>
+                <a:t/>
+              </a:r>
+              <a:endParaRPr sz="2400">
+                <a:solidFill>
+                  <a:srgbClr val="000000"/>
+                </a:solidFill>
+              </a:endParaRPr>
+            </a:p>
+          </p:txBody>
+        </p:sp>
+        <p:pic>
+          <p:nvPicPr>
+            <p:cNvPr id="336" name="Google Shape;336;p15"/>
+            <p:cNvPicPr preferRelativeResize="0"/>
+            <p:nvPr/>
+          </p:nvPicPr>
+          <p:blipFill>
+            <a:blip r:embed="rId5">
+              <a:alphaModFix/>
+            </a:blip>
+            <a:stretch>
+              <a:fillRect/>
+            </a:stretch>
+          </p:blipFill>
+          <p:spPr>
+            <a:xfrm>
+              <a:off x="289925" y="5611838"/>
+              <a:ext cx="445275" cy="445275"/>
+            </a:xfrm>
+            <a:prstGeom prst="rect">
+              <a:avLst/>
+            </a:prstGeom>
+            <a:noFill/>
+            <a:ln>
+              <a:noFill/>
+            </a:ln>
+          </p:spPr>
+        </p:pic>
+        <p:sp>
+          <p:nvSpPr>
+            <p:cNvPr id="337" name="Google Shape;337;p15"/>
+            <p:cNvSpPr/>
+            <p:nvPr/>
+          </p:nvSpPr>
+          <p:spPr>
+            <a:xfrm>
+              <a:off x="777375" y="5611850"/>
+              <a:ext cx="4701000" cy="445200"/>
+            </a:xfrm>
+            <a:prstGeom prst="rect">
+              <a:avLst/>
+            </a:prstGeom>
+            <a:solidFill>
+              <a:srgbClr val="FFFFFF"/>
+            </a:solidFill>
+            <a:ln cap="flat" cmpd="sng" w="9525">
+              <a:solidFill>
+                <a:srgbClr val="000000"/>
+              </a:solidFill>
+              <a:prstDash val="solid"/>
+              <a:round/>
+              <a:headEnd len="sm" w="sm" type="none"/>
+              <a:tailEnd len="sm" w="sm" type="none"/>
+            </a:ln>
+          </p:spPr>
+          <p:txBody>
+            <a:bodyPr anchorCtr="0" anchor="ctr" bIns="91425" lIns="91425" spcFirstLastPara="1" rIns="91425" wrap="square" tIns="91425">
+              <a:noAutofit/>
+            </a:bodyPr>
+            <a:lstStyle/>
+            <a:p>
+              <a:pPr indent="0" lvl="0" marL="0" rtl="0" algn="l">
+                <a:lnSpc>
+                  <a:spcPct val="90000"/>
+                </a:lnSpc>
+                <a:spcBef>
+                  <a:spcPts val="0"/>
+                </a:spcBef>
+                <a:spcAft>
+                  <a:spcPts val="0"/>
+                </a:spcAft>
+                <a:buClr>
+                  <a:schemeClr val="dk1"/>
+                </a:buClr>
+                <a:buSzPts val="2400"/>
+                <a:buFont typeface="Arial"/>
+                <a:buNone/>
+              </a:pPr>
+              <a:r>
+                <a:rPr lang="en-US" sz="2400" u="sng">
+                  <a:solidFill>
+                    <a:schemeClr val="accent1"/>
+                  </a:solidFill>
+                  <a:hlinkClick r:id="rId6">
+                    <a:extLst>
+                      <a:ext uri="{A12FA001-AC4F-418D-AE19-62706E023703}">
+                        <ahyp:hlinkClr val="tx"/>
+                      </a:ext>
+                    </a:extLst>
+                  </a:hlinkClick>
+                </a:rPr>
+                <a:t>https://godbolt.org/z/sqo4aG7Gd</a:t>
+              </a:r>
+              <a:r>
+                <a:rPr lang="en-US" sz="2400">
+                  <a:solidFill>
+                    <a:schemeClr val="dk1"/>
+                  </a:solidFill>
+                </a:rPr>
+                <a:t> </a:t>
+              </a:r>
+              <a:endParaRPr sz="2400"/>
+            </a:p>
+          </p:txBody>
+        </p:sp>
+      </p:grpSp>
     </p:spTree>
   </p:cSld>
   <p:clrMapOvr>
@@ -27415,7 +27748,7 @@
   <p:cSld>
     <p:spTree>
       <p:nvGrpSpPr>
-        <p:cNvPr id="338" name="Shape 338"/>
+        <p:cNvPr id="341" name="Shape 341"/>
         <p:cNvGrpSpPr/>
         <p:nvPr/>
       </p:nvGrpSpPr>
@@ -27429,7 +27762,7 @@
       </p:grpSpPr>
       <p:sp>
         <p:nvSpPr>
-          <p:cNvPr id="339" name="Google Shape;339;p16"/>
+          <p:cNvPr id="342" name="Google Shape;342;p16"/>
           <p:cNvSpPr txBox="1"/>
           <p:nvPr>
             <p:ph type="title"/>
@@ -27481,7 +27814,7 @@
       </p:sp>
       <p:pic>
         <p:nvPicPr>
-          <p:cNvPr id="340" name="Google Shape;340;p16"/>
+          <p:cNvPr id="343" name="Google Shape;343;p16"/>
           <p:cNvPicPr preferRelativeResize="0"/>
           <p:nvPr/>
         </p:nvPicPr>
@@ -27508,7 +27841,7 @@
       </p:pic>
       <p:pic>
         <p:nvPicPr>
-          <p:cNvPr id="341" name="Google Shape;341;p16"/>
+          <p:cNvPr id="344" name="Google Shape;344;p16"/>
           <p:cNvPicPr preferRelativeResize="0"/>
           <p:nvPr/>
         </p:nvPicPr>
@@ -27533,83 +27866,169 @@
           </a:ln>
         </p:spPr>
       </p:pic>
-      <p:sp>
-        <p:nvSpPr>
-          <p:cNvPr id="342" name="Google Shape;342;p16"/>
-          <p:cNvSpPr txBox="1"/>
+      <p:grpSp>
+        <p:nvGrpSpPr>
+          <p:cNvPr id="345" name="Google Shape;345;p16"/>
+          <p:cNvGrpSpPr/>
           <p:nvPr/>
-        </p:nvSpPr>
-        <p:spPr>
-          <a:xfrm>
-            <a:off x="3257026" y="6379490"/>
-            <a:ext cx="6094602" cy="426079"/>
-          </a:xfrm>
-          <a:prstGeom prst="rect">
-            <a:avLst/>
-          </a:prstGeom>
-          <a:noFill/>
-          <a:ln>
-            <a:noFill/>
-          </a:ln>
-        </p:spPr>
-        <p:txBody>
-          <a:bodyPr anchorCtr="0" anchor="t" bIns="45700" lIns="91425" spcFirstLastPara="1" rIns="91425" wrap="square" tIns="45700">
-            <a:spAutoFit/>
-          </a:bodyPr>
-          <a:lstStyle/>
-          <a:p>
-            <a:pPr indent="0" lvl="0" marL="0" marR="0" rtl="0" algn="l">
-              <a:lnSpc>
-                <a:spcPct val="90000"/>
-              </a:lnSpc>
-              <a:spcBef>
-                <a:spcPts val="0"/>
-              </a:spcBef>
-              <a:spcAft>
-                <a:spcPts val="0"/>
-              </a:spcAft>
-              <a:buClr>
+        </p:nvGrpSpPr>
+        <p:grpSpPr>
+          <a:xfrm>
+            <a:off x="0" y="6407713"/>
+            <a:ext cx="5188500" cy="445275"/>
+            <a:chOff x="289925" y="5611838"/>
+            <a:chExt cx="5188500" cy="445275"/>
+          </a:xfrm>
+        </p:grpSpPr>
+        <p:sp>
+          <p:nvSpPr>
+            <p:cNvPr id="346" name="Google Shape;346;p16"/>
+            <p:cNvSpPr/>
+            <p:nvPr/>
+          </p:nvSpPr>
+          <p:spPr>
+            <a:xfrm>
+              <a:off x="289925" y="5611850"/>
+              <a:ext cx="5188500" cy="445200"/>
+            </a:xfrm>
+            <a:prstGeom prst="rect">
+              <a:avLst/>
+            </a:prstGeom>
+            <a:solidFill>
+              <a:srgbClr val="FFFFFF"/>
+            </a:solidFill>
+            <a:ln cap="flat" cmpd="sng" w="9525">
+              <a:solidFill>
                 <a:srgbClr val="000000"/>
-              </a:buClr>
-              <a:buSzPts val="2400"/>
-              <a:buFont typeface="Arial"/>
-              <a:buNone/>
-            </a:pPr>
-            <a:r>
-              <a:rPr b="0" i="0" lang="en-US" sz="2400" u="sng" cap="none" strike="noStrike">
+              </a:solidFill>
+              <a:prstDash val="solid"/>
+              <a:round/>
+              <a:headEnd len="sm" w="sm" type="none"/>
+              <a:tailEnd len="sm" w="sm" type="none"/>
+            </a:ln>
+          </p:spPr>
+          <p:txBody>
+            <a:bodyPr anchorCtr="0" anchor="ctr" bIns="91425" lIns="91425" spcFirstLastPara="1" rIns="91425" wrap="square" tIns="91425">
+              <a:noAutofit/>
+            </a:bodyPr>
+            <a:lstStyle/>
+            <a:p>
+              <a:pPr indent="0" lvl="0" marL="0" rtl="0" algn="l">
+                <a:spcBef>
+                  <a:spcPts val="0"/>
+                </a:spcBef>
+                <a:spcAft>
+                  <a:spcPts val="0"/>
+                </a:spcAft>
+                <a:buNone/>
+              </a:pPr>
+              <a:r>
+                <a:t/>
+              </a:r>
+              <a:endParaRPr sz="2400">
                 <a:solidFill>
                   <a:srgbClr val="000000"/>
                 </a:solidFill>
-                <a:latin typeface="Arial"/>
-                <a:ea typeface="Arial"/>
-                <a:cs typeface="Arial"/>
-                <a:sym typeface="Arial"/>
-                <a:hlinkClick r:id="rId5">
-                  <a:extLst>
-                    <a:ext uri="{A12FA001-AC4F-418D-AE19-62706E023703}">
-                      <ahyp:hlinkClr val="tx"/>
-                    </a:ext>
-                  </a:extLst>
-                </a:hlinkClick>
-              </a:rPr>
-              <a:t>https://godbolt.org/z/4hebzfe6s</a:t>
-            </a:r>
-            <a:r>
-              <a:rPr b="0" i="0" lang="en-US" sz="2400" u="none" cap="none" strike="noStrike">
-                <a:solidFill>
-                  <a:srgbClr val="000000"/>
-                </a:solidFill>
-                <a:latin typeface="Arial"/>
-                <a:ea typeface="Arial"/>
-                <a:cs typeface="Arial"/>
-                <a:sym typeface="Arial"/>
-              </a:rPr>
-              <a:t> </a:t>
-            </a:r>
-            <a:endParaRPr/>
-          </a:p>
-        </p:txBody>
-      </p:sp>
+              </a:endParaRPr>
+            </a:p>
+          </p:txBody>
+        </p:sp>
+        <p:pic>
+          <p:nvPicPr>
+            <p:cNvPr id="347" name="Google Shape;347;p16"/>
+            <p:cNvPicPr preferRelativeResize="0"/>
+            <p:nvPr/>
+          </p:nvPicPr>
+          <p:blipFill>
+            <a:blip r:embed="rId5">
+              <a:alphaModFix/>
+            </a:blip>
+            <a:stretch>
+              <a:fillRect/>
+            </a:stretch>
+          </p:blipFill>
+          <p:spPr>
+            <a:xfrm>
+              <a:off x="289925" y="5611838"/>
+              <a:ext cx="445275" cy="445275"/>
+            </a:xfrm>
+            <a:prstGeom prst="rect">
+              <a:avLst/>
+            </a:prstGeom>
+            <a:noFill/>
+            <a:ln>
+              <a:noFill/>
+            </a:ln>
+          </p:spPr>
+        </p:pic>
+        <p:sp>
+          <p:nvSpPr>
+            <p:cNvPr id="348" name="Google Shape;348;p16"/>
+            <p:cNvSpPr/>
+            <p:nvPr/>
+          </p:nvSpPr>
+          <p:spPr>
+            <a:xfrm>
+              <a:off x="777375" y="5611850"/>
+              <a:ext cx="4701000" cy="445200"/>
+            </a:xfrm>
+            <a:prstGeom prst="rect">
+              <a:avLst/>
+            </a:prstGeom>
+            <a:solidFill>
+              <a:srgbClr val="FFFFFF"/>
+            </a:solidFill>
+            <a:ln cap="flat" cmpd="sng" w="9525">
+              <a:solidFill>
+                <a:srgbClr val="000000"/>
+              </a:solidFill>
+              <a:prstDash val="solid"/>
+              <a:round/>
+              <a:headEnd len="sm" w="sm" type="none"/>
+              <a:tailEnd len="sm" w="sm" type="none"/>
+            </a:ln>
+          </p:spPr>
+          <p:txBody>
+            <a:bodyPr anchorCtr="0" anchor="ctr" bIns="91425" lIns="91425" spcFirstLastPara="1" rIns="91425" wrap="square" tIns="91425">
+              <a:noAutofit/>
+            </a:bodyPr>
+            <a:lstStyle/>
+            <a:p>
+              <a:pPr indent="0" lvl="0" marL="0" rtl="0" algn="l">
+                <a:lnSpc>
+                  <a:spcPct val="90000"/>
+                </a:lnSpc>
+                <a:spcBef>
+                  <a:spcPts val="0"/>
+                </a:spcBef>
+                <a:spcAft>
+                  <a:spcPts val="0"/>
+                </a:spcAft>
+                <a:buClr>
+                  <a:schemeClr val="dk1"/>
+                </a:buClr>
+                <a:buSzPts val="2400"/>
+                <a:buFont typeface="Arial"/>
+                <a:buNone/>
+              </a:pPr>
+              <a:r>
+                <a:rPr lang="en-US" sz="2400" u="sng">
+                  <a:solidFill>
+                    <a:schemeClr val="hlink"/>
+                  </a:solidFill>
+                  <a:hlinkClick r:id="rId6"/>
+                </a:rPr>
+                <a:t>https://godbolt.org/z/4hebzfe6s</a:t>
+              </a:r>
+              <a:r>
+                <a:rPr lang="en-US" sz="2400"/>
+                <a:t> </a:t>
+              </a:r>
+              <a:endParaRPr sz="2400"/>
+            </a:p>
+          </p:txBody>
+        </p:sp>
+      </p:grpSp>
     </p:spTree>
   </p:cSld>
   <p:clrMapOvr>
@@ -27635,7 +28054,7 @@
   <p:cSld>
     <p:spTree>
       <p:nvGrpSpPr>
-        <p:cNvPr id="213" name="Shape 213"/>
+        <p:cNvPr id="212" name="Shape 212"/>
         <p:cNvGrpSpPr/>
         <p:nvPr/>
       </p:nvGrpSpPr>
@@ -27649,7 +28068,7 @@
       </p:grpSpPr>
       <p:sp>
         <p:nvSpPr>
-          <p:cNvPr id="214" name="Google Shape;214;p2"/>
+          <p:cNvPr id="213" name="Google Shape;213;p2"/>
           <p:cNvSpPr txBox="1"/>
           <p:nvPr>
             <p:ph type="title"/>
@@ -27701,7 +28120,7 @@
       </p:sp>
       <p:sp>
         <p:nvSpPr>
-          <p:cNvPr id="215" name="Google Shape;215;p2"/>
+          <p:cNvPr id="214" name="Google Shape;214;p2"/>
           <p:cNvSpPr/>
           <p:nvPr/>
         </p:nvSpPr>
@@ -27769,7 +28188,7 @@
       </p:sp>
       <p:sp>
         <p:nvSpPr>
-          <p:cNvPr id="216" name="Google Shape;216;p2"/>
+          <p:cNvPr id="215" name="Google Shape;215;p2"/>
           <p:cNvSpPr/>
           <p:nvPr/>
         </p:nvSpPr>
@@ -27837,7 +28256,7 @@
       </p:sp>
       <p:sp>
         <p:nvSpPr>
-          <p:cNvPr id="217" name="Google Shape;217;p2"/>
+          <p:cNvPr id="216" name="Google Shape;216;p2"/>
           <p:cNvSpPr/>
           <p:nvPr/>
         </p:nvSpPr>
@@ -27905,7 +28324,7 @@
       </p:sp>
       <p:sp>
         <p:nvSpPr>
-          <p:cNvPr id="218" name="Google Shape;218;p2"/>
+          <p:cNvPr id="217" name="Google Shape;217;p2"/>
           <p:cNvSpPr/>
           <p:nvPr/>
         </p:nvSpPr>
@@ -27973,7 +28392,7 @@
       </p:sp>
       <p:sp>
         <p:nvSpPr>
-          <p:cNvPr id="219" name="Google Shape;219;p2"/>
+          <p:cNvPr id="218" name="Google Shape;218;p2"/>
           <p:cNvSpPr/>
           <p:nvPr/>
         </p:nvSpPr>
@@ -28041,7 +28460,7 @@
       </p:sp>
       <p:sp>
         <p:nvSpPr>
-          <p:cNvPr id="220" name="Google Shape;220;p2"/>
+          <p:cNvPr id="219" name="Google Shape;219;p2"/>
           <p:cNvSpPr/>
           <p:nvPr/>
         </p:nvSpPr>
@@ -28115,14 +28534,14 @@
       </p:sp>
       <p:sp>
         <p:nvSpPr>
-          <p:cNvPr id="221" name="Google Shape;221;p2"/>
+          <p:cNvPr id="220" name="Google Shape;220;p2"/>
           <p:cNvSpPr/>
           <p:nvPr/>
         </p:nvSpPr>
         <p:spPr>
           <a:xfrm>
-            <a:off x="855400" y="4889622"/>
-            <a:ext cx="2861187" cy="471924"/>
+            <a:off x="855350" y="5458947"/>
+            <a:ext cx="2861100" cy="471900"/>
           </a:xfrm>
           <a:prstGeom prst="rect">
             <a:avLst/>
@@ -28189,14 +28608,14 @@
       </p:sp>
       <p:sp>
         <p:nvSpPr>
-          <p:cNvPr id="222" name="Google Shape;222;p2"/>
+          <p:cNvPr id="221" name="Google Shape;221;p2"/>
           <p:cNvSpPr/>
           <p:nvPr/>
         </p:nvSpPr>
         <p:spPr>
           <a:xfrm>
-            <a:off x="855399" y="5443178"/>
-            <a:ext cx="2861187" cy="471924"/>
+            <a:off x="855361" y="4897528"/>
+            <a:ext cx="2861100" cy="471900"/>
           </a:xfrm>
           <a:prstGeom prst="rect">
             <a:avLst/>
@@ -28263,7 +28682,7 @@
       </p:sp>
       <p:sp>
         <p:nvSpPr>
-          <p:cNvPr id="223" name="Google Shape;223;p2"/>
+          <p:cNvPr id="222" name="Google Shape;222;p2"/>
           <p:cNvSpPr/>
           <p:nvPr/>
         </p:nvSpPr>
@@ -28323,7 +28742,7 @@
       </p:sp>
       <p:sp>
         <p:nvSpPr>
-          <p:cNvPr id="224" name="Google Shape;224;p2"/>
+          <p:cNvPr id="223" name="Google Shape;223;p2"/>
           <p:cNvSpPr/>
           <p:nvPr/>
         </p:nvSpPr>
@@ -28389,7 +28808,7 @@
       </p:sp>
       <p:sp>
         <p:nvSpPr>
-          <p:cNvPr id="225" name="Google Shape;225;p2"/>
+          <p:cNvPr id="224" name="Google Shape;224;p2"/>
           <p:cNvSpPr/>
           <p:nvPr/>
         </p:nvSpPr>
@@ -28478,7 +28897,7 @@
   <p:cSld>
     <p:spTree>
       <p:nvGrpSpPr>
-        <p:cNvPr id="346" name="Shape 346"/>
+        <p:cNvPr id="352" name="Shape 352"/>
         <p:cNvGrpSpPr/>
         <p:nvPr/>
       </p:nvGrpSpPr>
@@ -28492,7 +28911,7 @@
       </p:grpSpPr>
       <p:sp>
         <p:nvSpPr>
-          <p:cNvPr id="347" name="Google Shape;347;p17"/>
+          <p:cNvPr id="353" name="Google Shape;353;p17"/>
           <p:cNvSpPr txBox="1"/>
           <p:nvPr>
             <p:ph type="title"/>
@@ -28544,7 +28963,7 @@
       </p:sp>
       <p:pic>
         <p:nvPicPr>
-          <p:cNvPr id="348" name="Google Shape;348;p17"/>
+          <p:cNvPr id="354" name="Google Shape;354;p17"/>
           <p:cNvPicPr preferRelativeResize="0"/>
           <p:nvPr/>
         </p:nvPicPr>
@@ -28571,7 +28990,7 @@
       </p:pic>
       <p:pic>
         <p:nvPicPr>
-          <p:cNvPr id="349" name="Google Shape;349;p17"/>
+          <p:cNvPr id="355" name="Google Shape;355;p17"/>
           <p:cNvPicPr preferRelativeResize="0"/>
           <p:nvPr/>
         </p:nvPicPr>
@@ -28598,84 +29017,7 @@
       </p:pic>
       <p:sp>
         <p:nvSpPr>
-          <p:cNvPr id="350" name="Google Shape;350;p17"/>
-          <p:cNvSpPr txBox="1"/>
-          <p:nvPr/>
-        </p:nvSpPr>
-        <p:spPr>
-          <a:xfrm>
-            <a:off x="3661797" y="5932777"/>
-            <a:ext cx="4829961" cy="426079"/>
-          </a:xfrm>
-          <a:prstGeom prst="rect">
-            <a:avLst/>
-          </a:prstGeom>
-          <a:noFill/>
-          <a:ln>
-            <a:noFill/>
-          </a:ln>
-        </p:spPr>
-        <p:txBody>
-          <a:bodyPr anchorCtr="0" anchor="t" bIns="45700" lIns="91425" spcFirstLastPara="1" rIns="91425" wrap="square" tIns="45700">
-            <a:spAutoFit/>
-          </a:bodyPr>
-          <a:lstStyle/>
-          <a:p>
-            <a:pPr indent="0" lvl="0" marL="0" marR="0" rtl="0" algn="l">
-              <a:lnSpc>
-                <a:spcPct val="90000"/>
-              </a:lnSpc>
-              <a:spcBef>
-                <a:spcPts val="0"/>
-              </a:spcBef>
-              <a:spcAft>
-                <a:spcPts val="0"/>
-              </a:spcAft>
-              <a:buClr>
-                <a:srgbClr val="000000"/>
-              </a:buClr>
-              <a:buSzPts val="2400"/>
-              <a:buFont typeface="Arial"/>
-              <a:buNone/>
-            </a:pPr>
-            <a:r>
-              <a:rPr b="0" i="0" lang="en-US" sz="2400" u="sng" cap="none" strike="noStrike">
-                <a:solidFill>
-                  <a:srgbClr val="000000"/>
-                </a:solidFill>
-                <a:latin typeface="Arial"/>
-                <a:ea typeface="Arial"/>
-                <a:cs typeface="Arial"/>
-                <a:sym typeface="Arial"/>
-                <a:hlinkClick r:id="rId5">
-                  <a:extLst>
-                    <a:ext uri="{A12FA001-AC4F-418D-AE19-62706E023703}">
-                      <ahyp:hlinkClr val="tx"/>
-                    </a:ext>
-                  </a:extLst>
-                </a:hlinkClick>
-              </a:rPr>
-              <a:t>https://godbolt.org/z/898E47xGf</a:t>
-            </a:r>
-            <a:r>
-              <a:rPr b="0" i="0" lang="en-US" sz="2400" u="none" cap="none" strike="noStrike">
-                <a:solidFill>
-                  <a:srgbClr val="000000"/>
-                </a:solidFill>
-                <a:latin typeface="Arial"/>
-                <a:ea typeface="Arial"/>
-                <a:cs typeface="Arial"/>
-                <a:sym typeface="Arial"/>
-              </a:rPr>
-              <a:t> </a:t>
-            </a:r>
-            <a:endParaRPr/>
-          </a:p>
-        </p:txBody>
-      </p:sp>
-      <p:sp>
-        <p:nvSpPr>
-          <p:cNvPr id="351" name="Google Shape;351;p17"/>
+          <p:cNvPr id="356" name="Google Shape;356;p17"/>
           <p:cNvSpPr/>
           <p:nvPr/>
         </p:nvSpPr>
@@ -28758,7 +29100,7 @@
       </p:sp>
       <p:sp>
         <p:nvSpPr>
-          <p:cNvPr id="352" name="Google Shape;352;p17"/>
+          <p:cNvPr id="357" name="Google Shape;357;p17"/>
           <p:cNvSpPr/>
           <p:nvPr/>
         </p:nvSpPr>
@@ -28841,7 +29183,7 @@
       </p:sp>
       <p:sp>
         <p:nvSpPr>
-          <p:cNvPr id="353" name="Google Shape;353;p17"/>
+          <p:cNvPr id="358" name="Google Shape;358;p17"/>
           <p:cNvSpPr/>
           <p:nvPr/>
         </p:nvSpPr>
@@ -28924,7 +29266,7 @@
       </p:sp>
       <p:cxnSp>
         <p:nvCxnSpPr>
-          <p:cNvPr id="354" name="Google Shape;354;p17"/>
+          <p:cNvPr id="359" name="Google Shape;359;p17"/>
           <p:cNvCxnSpPr/>
           <p:nvPr/>
         </p:nvCxnSpPr>
@@ -28948,6 +29290,169 @@
           </a:ln>
         </p:spPr>
       </p:cxnSp>
+      <p:grpSp>
+        <p:nvGrpSpPr>
+          <p:cNvPr id="360" name="Google Shape;360;p17"/>
+          <p:cNvGrpSpPr/>
+          <p:nvPr/>
+        </p:nvGrpSpPr>
+        <p:grpSpPr>
+          <a:xfrm>
+            <a:off x="67275" y="6313238"/>
+            <a:ext cx="5188500" cy="445275"/>
+            <a:chOff x="289925" y="5611838"/>
+            <a:chExt cx="5188500" cy="445275"/>
+          </a:xfrm>
+        </p:grpSpPr>
+        <p:sp>
+          <p:nvSpPr>
+            <p:cNvPr id="361" name="Google Shape;361;p17"/>
+            <p:cNvSpPr/>
+            <p:nvPr/>
+          </p:nvSpPr>
+          <p:spPr>
+            <a:xfrm>
+              <a:off x="289925" y="5611850"/>
+              <a:ext cx="5188500" cy="445200"/>
+            </a:xfrm>
+            <a:prstGeom prst="rect">
+              <a:avLst/>
+            </a:prstGeom>
+            <a:solidFill>
+              <a:srgbClr val="FFFFFF"/>
+            </a:solidFill>
+            <a:ln cap="flat" cmpd="sng" w="9525">
+              <a:solidFill>
+                <a:srgbClr val="000000"/>
+              </a:solidFill>
+              <a:prstDash val="solid"/>
+              <a:round/>
+              <a:headEnd len="sm" w="sm" type="none"/>
+              <a:tailEnd len="sm" w="sm" type="none"/>
+            </a:ln>
+          </p:spPr>
+          <p:txBody>
+            <a:bodyPr anchorCtr="0" anchor="ctr" bIns="91425" lIns="91425" spcFirstLastPara="1" rIns="91425" wrap="square" tIns="91425">
+              <a:noAutofit/>
+            </a:bodyPr>
+            <a:lstStyle/>
+            <a:p>
+              <a:pPr indent="0" lvl="0" marL="0" rtl="0" algn="l">
+                <a:spcBef>
+                  <a:spcPts val="0"/>
+                </a:spcBef>
+                <a:spcAft>
+                  <a:spcPts val="0"/>
+                </a:spcAft>
+                <a:buNone/>
+              </a:pPr>
+              <a:r>
+                <a:t/>
+              </a:r>
+              <a:endParaRPr sz="2400">
+                <a:solidFill>
+                  <a:srgbClr val="000000"/>
+                </a:solidFill>
+              </a:endParaRPr>
+            </a:p>
+          </p:txBody>
+        </p:sp>
+        <p:pic>
+          <p:nvPicPr>
+            <p:cNvPr id="362" name="Google Shape;362;p17"/>
+            <p:cNvPicPr preferRelativeResize="0"/>
+            <p:nvPr/>
+          </p:nvPicPr>
+          <p:blipFill>
+            <a:blip r:embed="rId5">
+              <a:alphaModFix/>
+            </a:blip>
+            <a:stretch>
+              <a:fillRect/>
+            </a:stretch>
+          </p:blipFill>
+          <p:spPr>
+            <a:xfrm>
+              <a:off x="289925" y="5611838"/>
+              <a:ext cx="445275" cy="445275"/>
+            </a:xfrm>
+            <a:prstGeom prst="rect">
+              <a:avLst/>
+            </a:prstGeom>
+            <a:noFill/>
+            <a:ln>
+              <a:noFill/>
+            </a:ln>
+          </p:spPr>
+        </p:pic>
+        <p:sp>
+          <p:nvSpPr>
+            <p:cNvPr id="363" name="Google Shape;363;p17"/>
+            <p:cNvSpPr/>
+            <p:nvPr/>
+          </p:nvSpPr>
+          <p:spPr>
+            <a:xfrm>
+              <a:off x="777375" y="5611850"/>
+              <a:ext cx="4701000" cy="445200"/>
+            </a:xfrm>
+            <a:prstGeom prst="rect">
+              <a:avLst/>
+            </a:prstGeom>
+            <a:solidFill>
+              <a:srgbClr val="FFFFFF"/>
+            </a:solidFill>
+            <a:ln cap="flat" cmpd="sng" w="9525">
+              <a:solidFill>
+                <a:srgbClr val="000000"/>
+              </a:solidFill>
+              <a:prstDash val="solid"/>
+              <a:round/>
+              <a:headEnd len="sm" w="sm" type="none"/>
+              <a:tailEnd len="sm" w="sm" type="none"/>
+            </a:ln>
+          </p:spPr>
+          <p:txBody>
+            <a:bodyPr anchorCtr="0" anchor="ctr" bIns="91425" lIns="91425" spcFirstLastPara="1" rIns="91425" wrap="square" tIns="91425">
+              <a:noAutofit/>
+            </a:bodyPr>
+            <a:lstStyle/>
+            <a:p>
+              <a:pPr indent="0" lvl="0" marL="0" rtl="0" algn="l">
+                <a:lnSpc>
+                  <a:spcPct val="90000"/>
+                </a:lnSpc>
+                <a:spcBef>
+                  <a:spcPts val="0"/>
+                </a:spcBef>
+                <a:spcAft>
+                  <a:spcPts val="0"/>
+                </a:spcAft>
+                <a:buClr>
+                  <a:schemeClr val="dk1"/>
+                </a:buClr>
+                <a:buSzPts val="2400"/>
+                <a:buFont typeface="Arial"/>
+                <a:buNone/>
+              </a:pPr>
+              <a:r>
+                <a:rPr lang="en-US" sz="2400" u="sng">
+                  <a:solidFill>
+                    <a:schemeClr val="hlink"/>
+                  </a:solidFill>
+                  <a:hlinkClick r:id="rId6"/>
+                </a:rPr>
+                <a:t>https://godbolt.org/z/898E47xGf</a:t>
+              </a:r>
+              <a:r>
+                <a:rPr lang="en-US" sz="2400"/>
+                <a:t> </a:t>
+              </a:r>
+              <a:endParaRPr sz="2400"/>
+            </a:p>
+          </p:txBody>
+        </p:sp>
+      </p:grpSp>
     </p:spTree>
   </p:cSld>
   <p:clrMapOvr>
@@ -28973,7 +29478,7 @@
   <p:cSld>
     <p:spTree>
       <p:nvGrpSpPr>
-        <p:cNvPr id="358" name="Shape 358"/>
+        <p:cNvPr id="367" name="Shape 367"/>
         <p:cNvGrpSpPr/>
         <p:nvPr/>
       </p:nvGrpSpPr>
@@ -28987,7 +29492,7 @@
       </p:grpSpPr>
       <p:sp>
         <p:nvSpPr>
-          <p:cNvPr id="359" name="Google Shape;359;p18"/>
+          <p:cNvPr id="368" name="Google Shape;368;p18"/>
           <p:cNvSpPr txBox="1"/>
           <p:nvPr>
             <p:ph type="title"/>
@@ -29039,7 +29544,7 @@
       </p:sp>
       <p:pic>
         <p:nvPicPr>
-          <p:cNvPr id="360" name="Google Shape;360;p18"/>
+          <p:cNvPr id="369" name="Google Shape;369;p18"/>
           <p:cNvPicPr preferRelativeResize="0"/>
           <p:nvPr>
             <p:ph idx="1" type="body"/>
@@ -29068,7 +29573,7 @@
       </p:pic>
       <p:pic>
         <p:nvPicPr>
-          <p:cNvPr id="361" name="Google Shape;361;p18"/>
+          <p:cNvPr id="370" name="Google Shape;370;p18"/>
           <p:cNvPicPr preferRelativeResize="0"/>
           <p:nvPr/>
         </p:nvPicPr>
@@ -29093,86 +29598,9 @@
           </a:ln>
         </p:spPr>
       </p:pic>
-      <p:sp>
-        <p:nvSpPr>
-          <p:cNvPr id="362" name="Google Shape;362;p18"/>
-          <p:cNvSpPr txBox="1"/>
-          <p:nvPr/>
-        </p:nvSpPr>
-        <p:spPr>
-          <a:xfrm>
-            <a:off x="3745813" y="5860421"/>
-            <a:ext cx="4700373" cy="426079"/>
-          </a:xfrm>
-          <a:prstGeom prst="rect">
-            <a:avLst/>
-          </a:prstGeom>
-          <a:noFill/>
-          <a:ln>
-            <a:noFill/>
-          </a:ln>
-        </p:spPr>
-        <p:txBody>
-          <a:bodyPr anchorCtr="0" anchor="t" bIns="45700" lIns="91425" spcFirstLastPara="1" rIns="91425" wrap="square" tIns="45700">
-            <a:spAutoFit/>
-          </a:bodyPr>
-          <a:lstStyle/>
-          <a:p>
-            <a:pPr indent="0" lvl="0" marL="0" marR="0" rtl="0" algn="l">
-              <a:lnSpc>
-                <a:spcPct val="90000"/>
-              </a:lnSpc>
-              <a:spcBef>
-                <a:spcPts val="0"/>
-              </a:spcBef>
-              <a:spcAft>
-                <a:spcPts val="0"/>
-              </a:spcAft>
-              <a:buClr>
-                <a:srgbClr val="000000"/>
-              </a:buClr>
-              <a:buSzPts val="2400"/>
-              <a:buFont typeface="Arial"/>
-              <a:buNone/>
-            </a:pPr>
-            <a:r>
-              <a:rPr b="0" i="0" lang="en-US" sz="2400" u="sng" cap="none" strike="noStrike">
-                <a:solidFill>
-                  <a:srgbClr val="000000"/>
-                </a:solidFill>
-                <a:latin typeface="Arial"/>
-                <a:ea typeface="Arial"/>
-                <a:cs typeface="Arial"/>
-                <a:sym typeface="Arial"/>
-                <a:hlinkClick r:id="rId5">
-                  <a:extLst>
-                    <a:ext uri="{A12FA001-AC4F-418D-AE19-62706E023703}">
-                      <ahyp:hlinkClr val="tx"/>
-                    </a:ext>
-                  </a:extLst>
-                </a:hlinkClick>
-              </a:rPr>
-              <a:t>https://godbolt.org/z/jxcvxM57f</a:t>
-            </a:r>
-            <a:r>
-              <a:rPr b="0" i="0" lang="en-US" sz="2400" u="none" cap="none" strike="noStrike">
-                <a:solidFill>
-                  <a:srgbClr val="000000"/>
-                </a:solidFill>
-                <a:latin typeface="Arial"/>
-                <a:ea typeface="Arial"/>
-                <a:cs typeface="Arial"/>
-                <a:sym typeface="Arial"/>
-              </a:rPr>
-              <a:t> </a:t>
-            </a:r>
-            <a:endParaRPr/>
-          </a:p>
-        </p:txBody>
-      </p:sp>
       <p:cxnSp>
         <p:nvCxnSpPr>
-          <p:cNvPr id="363" name="Google Shape;363;p18"/>
+          <p:cNvPr id="371" name="Google Shape;371;p18"/>
           <p:cNvCxnSpPr/>
           <p:nvPr/>
         </p:nvCxnSpPr>
@@ -29196,6 +29624,169 @@
           </a:ln>
         </p:spPr>
       </p:cxnSp>
+      <p:grpSp>
+        <p:nvGrpSpPr>
+          <p:cNvPr id="372" name="Google Shape;372;p18"/>
+          <p:cNvGrpSpPr/>
+          <p:nvPr/>
+        </p:nvGrpSpPr>
+        <p:grpSpPr>
+          <a:xfrm>
+            <a:off x="67275" y="6313238"/>
+            <a:ext cx="5188500" cy="445275"/>
+            <a:chOff x="289925" y="5611838"/>
+            <a:chExt cx="5188500" cy="445275"/>
+          </a:xfrm>
+        </p:grpSpPr>
+        <p:sp>
+          <p:nvSpPr>
+            <p:cNvPr id="373" name="Google Shape;373;p18"/>
+            <p:cNvSpPr/>
+            <p:nvPr/>
+          </p:nvSpPr>
+          <p:spPr>
+            <a:xfrm>
+              <a:off x="289925" y="5611850"/>
+              <a:ext cx="5188500" cy="445200"/>
+            </a:xfrm>
+            <a:prstGeom prst="rect">
+              <a:avLst/>
+            </a:prstGeom>
+            <a:solidFill>
+              <a:srgbClr val="FFFFFF"/>
+            </a:solidFill>
+            <a:ln cap="flat" cmpd="sng" w="9525">
+              <a:solidFill>
+                <a:srgbClr val="000000"/>
+              </a:solidFill>
+              <a:prstDash val="solid"/>
+              <a:round/>
+              <a:headEnd len="sm" w="sm" type="none"/>
+              <a:tailEnd len="sm" w="sm" type="none"/>
+            </a:ln>
+          </p:spPr>
+          <p:txBody>
+            <a:bodyPr anchorCtr="0" anchor="ctr" bIns="91425" lIns="91425" spcFirstLastPara="1" rIns="91425" wrap="square" tIns="91425">
+              <a:noAutofit/>
+            </a:bodyPr>
+            <a:lstStyle/>
+            <a:p>
+              <a:pPr indent="0" lvl="0" marL="0" rtl="0" algn="l">
+                <a:spcBef>
+                  <a:spcPts val="0"/>
+                </a:spcBef>
+                <a:spcAft>
+                  <a:spcPts val="0"/>
+                </a:spcAft>
+                <a:buNone/>
+              </a:pPr>
+              <a:r>
+                <a:t/>
+              </a:r>
+              <a:endParaRPr sz="2400">
+                <a:solidFill>
+                  <a:srgbClr val="000000"/>
+                </a:solidFill>
+              </a:endParaRPr>
+            </a:p>
+          </p:txBody>
+        </p:sp>
+        <p:pic>
+          <p:nvPicPr>
+            <p:cNvPr id="374" name="Google Shape;374;p18"/>
+            <p:cNvPicPr preferRelativeResize="0"/>
+            <p:nvPr/>
+          </p:nvPicPr>
+          <p:blipFill>
+            <a:blip r:embed="rId5">
+              <a:alphaModFix/>
+            </a:blip>
+            <a:stretch>
+              <a:fillRect/>
+            </a:stretch>
+          </p:blipFill>
+          <p:spPr>
+            <a:xfrm>
+              <a:off x="289925" y="5611838"/>
+              <a:ext cx="445275" cy="445275"/>
+            </a:xfrm>
+            <a:prstGeom prst="rect">
+              <a:avLst/>
+            </a:prstGeom>
+            <a:noFill/>
+            <a:ln>
+              <a:noFill/>
+            </a:ln>
+          </p:spPr>
+        </p:pic>
+        <p:sp>
+          <p:nvSpPr>
+            <p:cNvPr id="375" name="Google Shape;375;p18"/>
+            <p:cNvSpPr/>
+            <p:nvPr/>
+          </p:nvSpPr>
+          <p:spPr>
+            <a:xfrm>
+              <a:off x="777375" y="5611850"/>
+              <a:ext cx="4701000" cy="445200"/>
+            </a:xfrm>
+            <a:prstGeom prst="rect">
+              <a:avLst/>
+            </a:prstGeom>
+            <a:solidFill>
+              <a:srgbClr val="FFFFFF"/>
+            </a:solidFill>
+            <a:ln cap="flat" cmpd="sng" w="9525">
+              <a:solidFill>
+                <a:srgbClr val="000000"/>
+              </a:solidFill>
+              <a:prstDash val="solid"/>
+              <a:round/>
+              <a:headEnd len="sm" w="sm" type="none"/>
+              <a:tailEnd len="sm" w="sm" type="none"/>
+            </a:ln>
+          </p:spPr>
+          <p:txBody>
+            <a:bodyPr anchorCtr="0" anchor="ctr" bIns="91425" lIns="91425" spcFirstLastPara="1" rIns="91425" wrap="square" tIns="91425">
+              <a:noAutofit/>
+            </a:bodyPr>
+            <a:lstStyle/>
+            <a:p>
+              <a:pPr indent="0" lvl="0" marL="0" rtl="0" algn="l">
+                <a:lnSpc>
+                  <a:spcPct val="90000"/>
+                </a:lnSpc>
+                <a:spcBef>
+                  <a:spcPts val="0"/>
+                </a:spcBef>
+                <a:spcAft>
+                  <a:spcPts val="0"/>
+                </a:spcAft>
+                <a:buClr>
+                  <a:schemeClr val="dk1"/>
+                </a:buClr>
+                <a:buSzPts val="2400"/>
+                <a:buFont typeface="Arial"/>
+                <a:buNone/>
+              </a:pPr>
+              <a:r>
+                <a:rPr lang="en-US" sz="2400" u="sng">
+                  <a:solidFill>
+                    <a:schemeClr val="hlink"/>
+                  </a:solidFill>
+                  <a:hlinkClick r:id="rId6"/>
+                </a:rPr>
+                <a:t>https://godbolt.org/z/jxcvxM57f</a:t>
+              </a:r>
+              <a:r>
+                <a:rPr lang="en-US" sz="2400"/>
+                <a:t> </a:t>
+              </a:r>
+              <a:endParaRPr sz="2400"/>
+            </a:p>
+          </p:txBody>
+        </p:sp>
+      </p:grpSp>
     </p:spTree>
   </p:cSld>
   <p:clrMapOvr>
@@ -29221,7 +29812,7 @@
   <p:cSld>
     <p:spTree>
       <p:nvGrpSpPr>
-        <p:cNvPr id="367" name="Shape 367"/>
+        <p:cNvPr id="379" name="Shape 379"/>
         <p:cNvGrpSpPr/>
         <p:nvPr/>
       </p:nvGrpSpPr>
@@ -29235,7 +29826,7 @@
       </p:grpSpPr>
       <p:sp>
         <p:nvSpPr>
-          <p:cNvPr id="368" name="Google Shape;368;p19"/>
+          <p:cNvPr id="380" name="Google Shape;380;p19"/>
           <p:cNvSpPr txBox="1"/>
           <p:nvPr>
             <p:ph type="title"/>
@@ -29287,7 +29878,7 @@
       </p:sp>
       <p:pic>
         <p:nvPicPr>
-          <p:cNvPr id="369" name="Google Shape;369;p19"/>
+          <p:cNvPr id="381" name="Google Shape;381;p19"/>
           <p:cNvPicPr preferRelativeResize="0"/>
           <p:nvPr>
             <p:ph idx="1" type="body"/>
@@ -29316,7 +29907,7 @@
       </p:pic>
       <p:pic>
         <p:nvPicPr>
-          <p:cNvPr id="370" name="Google Shape;370;p19"/>
+          <p:cNvPr id="382" name="Google Shape;382;p19"/>
           <p:cNvPicPr preferRelativeResize="0"/>
           <p:nvPr/>
         </p:nvPicPr>
@@ -29341,83 +29932,169 @@
           </a:ln>
         </p:spPr>
       </p:pic>
-      <p:sp>
-        <p:nvSpPr>
-          <p:cNvPr id="371" name="Google Shape;371;p19"/>
-          <p:cNvSpPr txBox="1"/>
+      <p:grpSp>
+        <p:nvGrpSpPr>
+          <p:cNvPr id="383" name="Google Shape;383;p19"/>
+          <p:cNvGrpSpPr/>
           <p:nvPr/>
-        </p:nvSpPr>
-        <p:spPr>
-          <a:xfrm>
-            <a:off x="3760714" y="5792198"/>
-            <a:ext cx="4670571" cy="426079"/>
-          </a:xfrm>
-          <a:prstGeom prst="rect">
-            <a:avLst/>
-          </a:prstGeom>
-          <a:noFill/>
-          <a:ln>
-            <a:noFill/>
-          </a:ln>
-        </p:spPr>
-        <p:txBody>
-          <a:bodyPr anchorCtr="0" anchor="t" bIns="45700" lIns="91425" spcFirstLastPara="1" rIns="91425" wrap="square" tIns="45700">
-            <a:spAutoFit/>
-          </a:bodyPr>
-          <a:lstStyle/>
-          <a:p>
-            <a:pPr indent="0" lvl="0" marL="0" marR="0" rtl="0" algn="l">
-              <a:lnSpc>
-                <a:spcPct val="90000"/>
-              </a:lnSpc>
-              <a:spcBef>
-                <a:spcPts val="0"/>
-              </a:spcBef>
-              <a:spcAft>
-                <a:spcPts val="0"/>
-              </a:spcAft>
-              <a:buClr>
+        </p:nvGrpSpPr>
+        <p:grpSpPr>
+          <a:xfrm>
+            <a:off x="67275" y="6313238"/>
+            <a:ext cx="5188500" cy="445275"/>
+            <a:chOff x="289925" y="5611838"/>
+            <a:chExt cx="5188500" cy="445275"/>
+          </a:xfrm>
+        </p:grpSpPr>
+        <p:sp>
+          <p:nvSpPr>
+            <p:cNvPr id="384" name="Google Shape;384;p19"/>
+            <p:cNvSpPr/>
+            <p:nvPr/>
+          </p:nvSpPr>
+          <p:spPr>
+            <a:xfrm>
+              <a:off x="289925" y="5611850"/>
+              <a:ext cx="5188500" cy="445200"/>
+            </a:xfrm>
+            <a:prstGeom prst="rect">
+              <a:avLst/>
+            </a:prstGeom>
+            <a:solidFill>
+              <a:srgbClr val="FFFFFF"/>
+            </a:solidFill>
+            <a:ln cap="flat" cmpd="sng" w="9525">
+              <a:solidFill>
                 <a:srgbClr val="000000"/>
-              </a:buClr>
-              <a:buSzPts val="2400"/>
-              <a:buFont typeface="Arial"/>
-              <a:buNone/>
-            </a:pPr>
-            <a:r>
-              <a:rPr b="0" i="0" lang="en-US" sz="2400" u="sng" cap="none" strike="noStrike">
+              </a:solidFill>
+              <a:prstDash val="solid"/>
+              <a:round/>
+              <a:headEnd len="sm" w="sm" type="none"/>
+              <a:tailEnd len="sm" w="sm" type="none"/>
+            </a:ln>
+          </p:spPr>
+          <p:txBody>
+            <a:bodyPr anchorCtr="0" anchor="ctr" bIns="91425" lIns="91425" spcFirstLastPara="1" rIns="91425" wrap="square" tIns="91425">
+              <a:noAutofit/>
+            </a:bodyPr>
+            <a:lstStyle/>
+            <a:p>
+              <a:pPr indent="0" lvl="0" marL="0" rtl="0" algn="l">
+                <a:spcBef>
+                  <a:spcPts val="0"/>
+                </a:spcBef>
+                <a:spcAft>
+                  <a:spcPts val="0"/>
+                </a:spcAft>
+                <a:buNone/>
+              </a:pPr>
+              <a:r>
+                <a:t/>
+              </a:r>
+              <a:endParaRPr sz="2400">
                 <a:solidFill>
                   <a:srgbClr val="000000"/>
                 </a:solidFill>
-                <a:latin typeface="Arial"/>
-                <a:ea typeface="Arial"/>
-                <a:cs typeface="Arial"/>
-                <a:sym typeface="Arial"/>
-                <a:hlinkClick r:id="rId5">
-                  <a:extLst>
-                    <a:ext uri="{A12FA001-AC4F-418D-AE19-62706E023703}">
-                      <ahyp:hlinkClr val="tx"/>
-                    </a:ext>
-                  </a:extLst>
-                </a:hlinkClick>
-              </a:rPr>
-              <a:t>https://godbolt.org/z/jxcvxM57f</a:t>
-            </a:r>
-            <a:r>
-              <a:rPr b="0" i="0" lang="en-US" sz="2400" u="none" cap="none" strike="noStrike">
-                <a:solidFill>
-                  <a:srgbClr val="000000"/>
-                </a:solidFill>
-                <a:latin typeface="Arial"/>
-                <a:ea typeface="Arial"/>
-                <a:cs typeface="Arial"/>
-                <a:sym typeface="Arial"/>
-              </a:rPr>
-              <a:t> </a:t>
-            </a:r>
-            <a:endParaRPr/>
-          </a:p>
-        </p:txBody>
-      </p:sp>
+              </a:endParaRPr>
+            </a:p>
+          </p:txBody>
+        </p:sp>
+        <p:pic>
+          <p:nvPicPr>
+            <p:cNvPr id="385" name="Google Shape;385;p19"/>
+            <p:cNvPicPr preferRelativeResize="0"/>
+            <p:nvPr/>
+          </p:nvPicPr>
+          <p:blipFill>
+            <a:blip r:embed="rId5">
+              <a:alphaModFix/>
+            </a:blip>
+            <a:stretch>
+              <a:fillRect/>
+            </a:stretch>
+          </p:blipFill>
+          <p:spPr>
+            <a:xfrm>
+              <a:off x="289925" y="5611838"/>
+              <a:ext cx="445275" cy="445275"/>
+            </a:xfrm>
+            <a:prstGeom prst="rect">
+              <a:avLst/>
+            </a:prstGeom>
+            <a:noFill/>
+            <a:ln>
+              <a:noFill/>
+            </a:ln>
+          </p:spPr>
+        </p:pic>
+        <p:sp>
+          <p:nvSpPr>
+            <p:cNvPr id="386" name="Google Shape;386;p19"/>
+            <p:cNvSpPr/>
+            <p:nvPr/>
+          </p:nvSpPr>
+          <p:spPr>
+            <a:xfrm>
+              <a:off x="777375" y="5611850"/>
+              <a:ext cx="4701000" cy="445200"/>
+            </a:xfrm>
+            <a:prstGeom prst="rect">
+              <a:avLst/>
+            </a:prstGeom>
+            <a:solidFill>
+              <a:srgbClr val="FFFFFF"/>
+            </a:solidFill>
+            <a:ln cap="flat" cmpd="sng" w="9525">
+              <a:solidFill>
+                <a:srgbClr val="000000"/>
+              </a:solidFill>
+              <a:prstDash val="solid"/>
+              <a:round/>
+              <a:headEnd len="sm" w="sm" type="none"/>
+              <a:tailEnd len="sm" w="sm" type="none"/>
+            </a:ln>
+          </p:spPr>
+          <p:txBody>
+            <a:bodyPr anchorCtr="0" anchor="ctr" bIns="91425" lIns="91425" spcFirstLastPara="1" rIns="91425" wrap="square" tIns="91425">
+              <a:noAutofit/>
+            </a:bodyPr>
+            <a:lstStyle/>
+            <a:p>
+              <a:pPr indent="0" lvl="0" marL="0" rtl="0" algn="l">
+                <a:lnSpc>
+                  <a:spcPct val="90000"/>
+                </a:lnSpc>
+                <a:spcBef>
+                  <a:spcPts val="0"/>
+                </a:spcBef>
+                <a:spcAft>
+                  <a:spcPts val="0"/>
+                </a:spcAft>
+                <a:buClr>
+                  <a:schemeClr val="dk1"/>
+                </a:buClr>
+                <a:buSzPts val="2400"/>
+                <a:buFont typeface="Arial"/>
+                <a:buNone/>
+              </a:pPr>
+              <a:r>
+                <a:rPr lang="en-US" sz="2400" u="sng">
+                  <a:solidFill>
+                    <a:schemeClr val="hlink"/>
+                  </a:solidFill>
+                  <a:hlinkClick r:id="rId6"/>
+                </a:rPr>
+                <a:t>https://godbolt.org/z/jxcvxM57f</a:t>
+              </a:r>
+              <a:r>
+                <a:rPr lang="en-US" sz="2400"/>
+                <a:t> </a:t>
+              </a:r>
+              <a:endParaRPr sz="2400"/>
+            </a:p>
+          </p:txBody>
+        </p:sp>
+      </p:grpSp>
     </p:spTree>
   </p:cSld>
   <p:clrMapOvr>
@@ -29443,7 +30120,7 @@
   <p:cSld>
     <p:spTree>
       <p:nvGrpSpPr>
-        <p:cNvPr id="375" name="Shape 375"/>
+        <p:cNvPr id="390" name="Shape 390"/>
         <p:cNvGrpSpPr/>
         <p:nvPr/>
       </p:nvGrpSpPr>
@@ -29457,7 +30134,7 @@
       </p:grpSpPr>
       <p:sp>
         <p:nvSpPr>
-          <p:cNvPr id="376" name="Google Shape;376;p20"/>
+          <p:cNvPr id="391" name="Google Shape;391;p20"/>
           <p:cNvSpPr txBox="1"/>
           <p:nvPr>
             <p:ph type="title"/>
@@ -29509,7 +30186,7 @@
       </p:sp>
       <p:pic>
         <p:nvPicPr>
-          <p:cNvPr id="377" name="Google Shape;377;p20"/>
+          <p:cNvPr id="392" name="Google Shape;392;p20"/>
           <p:cNvPicPr preferRelativeResize="0"/>
           <p:nvPr>
             <p:ph idx="1" type="body"/>
@@ -29538,7 +30215,7 @@
       </p:pic>
       <p:pic>
         <p:nvPicPr>
-          <p:cNvPr id="378" name="Google Shape;378;p20"/>
+          <p:cNvPr id="393" name="Google Shape;393;p20"/>
           <p:cNvPicPr preferRelativeResize="0"/>
           <p:nvPr/>
         </p:nvPicPr>
@@ -29563,86 +30240,9 @@
           </a:ln>
         </p:spPr>
       </p:pic>
-      <p:sp>
-        <p:nvSpPr>
-          <p:cNvPr id="379" name="Google Shape;379;p20"/>
-          <p:cNvSpPr txBox="1"/>
-          <p:nvPr/>
-        </p:nvSpPr>
-        <p:spPr>
-          <a:xfrm>
-            <a:off x="571370" y="4991812"/>
-            <a:ext cx="4922240" cy="426079"/>
-          </a:xfrm>
-          <a:prstGeom prst="rect">
-            <a:avLst/>
-          </a:prstGeom>
-          <a:noFill/>
-          <a:ln>
-            <a:noFill/>
-          </a:ln>
-        </p:spPr>
-        <p:txBody>
-          <a:bodyPr anchorCtr="0" anchor="t" bIns="45700" lIns="91425" spcFirstLastPara="1" rIns="91425" wrap="square" tIns="45700">
-            <a:spAutoFit/>
-          </a:bodyPr>
-          <a:lstStyle/>
-          <a:p>
-            <a:pPr indent="0" lvl="0" marL="0" marR="0" rtl="0" algn="l">
-              <a:lnSpc>
-                <a:spcPct val="90000"/>
-              </a:lnSpc>
-              <a:spcBef>
-                <a:spcPts val="0"/>
-              </a:spcBef>
-              <a:spcAft>
-                <a:spcPts val="0"/>
-              </a:spcAft>
-              <a:buClr>
-                <a:srgbClr val="000000"/>
-              </a:buClr>
-              <a:buSzPts val="2400"/>
-              <a:buFont typeface="Arial"/>
-              <a:buNone/>
-            </a:pPr>
-            <a:r>
-              <a:rPr b="0" i="0" lang="en-US" sz="2400" u="sng" cap="none" strike="noStrike">
-                <a:solidFill>
-                  <a:srgbClr val="000000"/>
-                </a:solidFill>
-                <a:latin typeface="Arial"/>
-                <a:ea typeface="Arial"/>
-                <a:cs typeface="Arial"/>
-                <a:sym typeface="Arial"/>
-                <a:hlinkClick r:id="rId5">
-                  <a:extLst>
-                    <a:ext uri="{A12FA001-AC4F-418D-AE19-62706E023703}">
-                      <ahyp:hlinkClr val="tx"/>
-                    </a:ext>
-                  </a:extLst>
-                </a:hlinkClick>
-              </a:rPr>
-              <a:t>https://godbolt.org/z/GbqhabvM8</a:t>
-            </a:r>
-            <a:r>
-              <a:rPr b="0" i="0" lang="en-US" sz="2400" u="none" cap="none" strike="noStrike">
-                <a:solidFill>
-                  <a:srgbClr val="000000"/>
-                </a:solidFill>
-                <a:latin typeface="Arial"/>
-                <a:ea typeface="Arial"/>
-                <a:cs typeface="Arial"/>
-                <a:sym typeface="Arial"/>
-              </a:rPr>
-              <a:t> </a:t>
-            </a:r>
-            <a:endParaRPr/>
-          </a:p>
-        </p:txBody>
-      </p:sp>
       <p:cxnSp>
         <p:nvCxnSpPr>
-          <p:cNvPr id="380" name="Google Shape;380;p20"/>
+          <p:cNvPr id="394" name="Google Shape;394;p20"/>
           <p:cNvCxnSpPr/>
           <p:nvPr/>
         </p:nvCxnSpPr>
@@ -29666,6 +30266,169 @@
           </a:ln>
         </p:spPr>
       </p:cxnSp>
+      <p:grpSp>
+        <p:nvGrpSpPr>
+          <p:cNvPr id="395" name="Google Shape;395;p20"/>
+          <p:cNvGrpSpPr/>
+          <p:nvPr/>
+        </p:nvGrpSpPr>
+        <p:grpSpPr>
+          <a:xfrm>
+            <a:off x="67275" y="6313238"/>
+            <a:ext cx="5188500" cy="445275"/>
+            <a:chOff x="289925" y="5611838"/>
+            <a:chExt cx="5188500" cy="445275"/>
+          </a:xfrm>
+        </p:grpSpPr>
+        <p:sp>
+          <p:nvSpPr>
+            <p:cNvPr id="396" name="Google Shape;396;p20"/>
+            <p:cNvSpPr/>
+            <p:nvPr/>
+          </p:nvSpPr>
+          <p:spPr>
+            <a:xfrm>
+              <a:off x="289925" y="5611850"/>
+              <a:ext cx="5188500" cy="445200"/>
+            </a:xfrm>
+            <a:prstGeom prst="rect">
+              <a:avLst/>
+            </a:prstGeom>
+            <a:solidFill>
+              <a:srgbClr val="FFFFFF"/>
+            </a:solidFill>
+            <a:ln cap="flat" cmpd="sng" w="9525">
+              <a:solidFill>
+                <a:srgbClr val="000000"/>
+              </a:solidFill>
+              <a:prstDash val="solid"/>
+              <a:round/>
+              <a:headEnd len="sm" w="sm" type="none"/>
+              <a:tailEnd len="sm" w="sm" type="none"/>
+            </a:ln>
+          </p:spPr>
+          <p:txBody>
+            <a:bodyPr anchorCtr="0" anchor="ctr" bIns="91425" lIns="91425" spcFirstLastPara="1" rIns="91425" wrap="square" tIns="91425">
+              <a:noAutofit/>
+            </a:bodyPr>
+            <a:lstStyle/>
+            <a:p>
+              <a:pPr indent="0" lvl="0" marL="0" rtl="0" algn="l">
+                <a:spcBef>
+                  <a:spcPts val="0"/>
+                </a:spcBef>
+                <a:spcAft>
+                  <a:spcPts val="0"/>
+                </a:spcAft>
+                <a:buNone/>
+              </a:pPr>
+              <a:r>
+                <a:t/>
+              </a:r>
+              <a:endParaRPr sz="2400">
+                <a:solidFill>
+                  <a:srgbClr val="000000"/>
+                </a:solidFill>
+              </a:endParaRPr>
+            </a:p>
+          </p:txBody>
+        </p:sp>
+        <p:pic>
+          <p:nvPicPr>
+            <p:cNvPr id="397" name="Google Shape;397;p20"/>
+            <p:cNvPicPr preferRelativeResize="0"/>
+            <p:nvPr/>
+          </p:nvPicPr>
+          <p:blipFill>
+            <a:blip r:embed="rId5">
+              <a:alphaModFix/>
+            </a:blip>
+            <a:stretch>
+              <a:fillRect/>
+            </a:stretch>
+          </p:blipFill>
+          <p:spPr>
+            <a:xfrm>
+              <a:off x="289925" y="5611838"/>
+              <a:ext cx="445275" cy="445275"/>
+            </a:xfrm>
+            <a:prstGeom prst="rect">
+              <a:avLst/>
+            </a:prstGeom>
+            <a:noFill/>
+            <a:ln>
+              <a:noFill/>
+            </a:ln>
+          </p:spPr>
+        </p:pic>
+        <p:sp>
+          <p:nvSpPr>
+            <p:cNvPr id="398" name="Google Shape;398;p20"/>
+            <p:cNvSpPr/>
+            <p:nvPr/>
+          </p:nvSpPr>
+          <p:spPr>
+            <a:xfrm>
+              <a:off x="777375" y="5611850"/>
+              <a:ext cx="4701000" cy="445200"/>
+            </a:xfrm>
+            <a:prstGeom prst="rect">
+              <a:avLst/>
+            </a:prstGeom>
+            <a:solidFill>
+              <a:srgbClr val="FFFFFF"/>
+            </a:solidFill>
+            <a:ln cap="flat" cmpd="sng" w="9525">
+              <a:solidFill>
+                <a:srgbClr val="000000"/>
+              </a:solidFill>
+              <a:prstDash val="solid"/>
+              <a:round/>
+              <a:headEnd len="sm" w="sm" type="none"/>
+              <a:tailEnd len="sm" w="sm" type="none"/>
+            </a:ln>
+          </p:spPr>
+          <p:txBody>
+            <a:bodyPr anchorCtr="0" anchor="ctr" bIns="91425" lIns="91425" spcFirstLastPara="1" rIns="91425" wrap="square" tIns="91425">
+              <a:noAutofit/>
+            </a:bodyPr>
+            <a:lstStyle/>
+            <a:p>
+              <a:pPr indent="0" lvl="0" marL="0" rtl="0" algn="l">
+                <a:lnSpc>
+                  <a:spcPct val="90000"/>
+                </a:lnSpc>
+                <a:spcBef>
+                  <a:spcPts val="0"/>
+                </a:spcBef>
+                <a:spcAft>
+                  <a:spcPts val="0"/>
+                </a:spcAft>
+                <a:buClr>
+                  <a:schemeClr val="dk1"/>
+                </a:buClr>
+                <a:buSzPts val="2400"/>
+                <a:buFont typeface="Arial"/>
+                <a:buNone/>
+              </a:pPr>
+              <a:r>
+                <a:rPr lang="en-US" sz="2400" u="sng">
+                  <a:solidFill>
+                    <a:schemeClr val="hlink"/>
+                  </a:solidFill>
+                  <a:hlinkClick r:id="rId6"/>
+                </a:rPr>
+                <a:t>https://godbolt.org/z/GbqhabvM8</a:t>
+              </a:r>
+              <a:r>
+                <a:rPr lang="en-US" sz="2400"/>
+                <a:t> </a:t>
+              </a:r>
+              <a:endParaRPr sz="2400"/>
+            </a:p>
+          </p:txBody>
+        </p:sp>
+      </p:grpSp>
     </p:spTree>
   </p:cSld>
   <p:clrMapOvr>
@@ -29691,7 +30454,7 @@
   <p:cSld>
     <p:spTree>
       <p:nvGrpSpPr>
-        <p:cNvPr id="384" name="Shape 384"/>
+        <p:cNvPr id="402" name="Shape 402"/>
         <p:cNvGrpSpPr/>
         <p:nvPr/>
       </p:nvGrpSpPr>
@@ -29705,7 +30468,155 @@
       </p:grpSpPr>
       <p:sp>
         <p:nvSpPr>
-          <p:cNvPr id="385" name="Google Shape;385;p21"/>
+          <p:cNvPr id="403" name="Google Shape;403;g33ce395d76b_0_19"/>
+          <p:cNvSpPr txBox="1"/>
+          <p:nvPr>
+            <p:ph type="title"/>
+          </p:nvPr>
+        </p:nvSpPr>
+        <p:spPr>
+          <a:xfrm>
+            <a:off x="571370" y="571500"/>
+            <a:ext cx="11010900" cy="952500"/>
+          </a:xfrm>
+          <a:prstGeom prst="rect">
+            <a:avLst/>
+          </a:prstGeom>
+        </p:spPr>
+        <p:txBody>
+          <a:bodyPr anchorCtr="0" anchor="t" bIns="0" lIns="0" spcFirstLastPara="1" rIns="0" wrap="square" tIns="0">
+            <a:noAutofit/>
+          </a:bodyPr>
+          <a:lstStyle/>
+          <a:p>
+            <a:pPr indent="0" lvl="0" marL="0" rtl="0" algn="l">
+              <a:spcBef>
+                <a:spcPts val="0"/>
+              </a:spcBef>
+              <a:spcAft>
+                <a:spcPts val="0"/>
+              </a:spcAft>
+              <a:buNone/>
+            </a:pPr>
+            <a:r>
+              <a:rPr lang="en-US"/>
+              <a:t>Basic blocks</a:t>
+            </a:r>
+            <a:endParaRPr/>
+          </a:p>
+        </p:txBody>
+      </p:sp>
+      <p:sp>
+        <p:nvSpPr>
+          <p:cNvPr id="404" name="Google Shape;404;g33ce395d76b_0_19"/>
+          <p:cNvSpPr txBox="1"/>
+          <p:nvPr>
+            <p:ph idx="1" type="body"/>
+          </p:nvPr>
+        </p:nvSpPr>
+        <p:spPr>
+          <a:xfrm>
+            <a:off x="571370" y="1673454"/>
+            <a:ext cx="11010900" cy="4575000"/>
+          </a:xfrm>
+          <a:prstGeom prst="rect">
+            <a:avLst/>
+          </a:prstGeom>
+        </p:spPr>
+        <p:txBody>
+          <a:bodyPr anchorCtr="0" anchor="t" bIns="0" lIns="0" spcFirstLastPara="1" rIns="0" wrap="square" tIns="0">
+            <a:normAutofit/>
+          </a:bodyPr>
+          <a:lstStyle/>
+          <a:p>
+            <a:pPr indent="-342900" lvl="0" marL="457200" rtl="0" algn="l">
+              <a:spcBef>
+                <a:spcPts val="1200"/>
+              </a:spcBef>
+              <a:spcAft>
+                <a:spcPts val="0"/>
+              </a:spcAft>
+              <a:buSzPts val="1800"/>
+              <a:buChar char="▪"/>
+            </a:pPr>
+            <a:r>
+              <a:rPr lang="en-US"/>
+              <a:t>A basic block is a sequence of consecutive statements in a program.</a:t>
+            </a:r>
+            <a:endParaRPr/>
+          </a:p>
+          <a:p>
+            <a:pPr indent="-342900" lvl="0" marL="457200" rtl="0" algn="l">
+              <a:spcBef>
+                <a:spcPts val="0"/>
+              </a:spcBef>
+              <a:spcAft>
+                <a:spcPts val="0"/>
+              </a:spcAft>
+              <a:buSzPts val="1800"/>
+              <a:buChar char="▪"/>
+            </a:pPr>
+            <a:r>
+              <a:rPr lang="en-US"/>
+              <a:t>Execution in a basic block flows linearly (no jumps, branches, or labels except at the start and the end).</a:t>
+            </a:r>
+            <a:endParaRPr/>
+          </a:p>
+          <a:p>
+            <a:pPr indent="-342900" lvl="0" marL="457200" rtl="0" algn="l">
+              <a:spcBef>
+                <a:spcPts val="0"/>
+              </a:spcBef>
+              <a:spcAft>
+                <a:spcPts val="0"/>
+              </a:spcAft>
+              <a:buSzPts val="1800"/>
+              <a:buChar char="▪"/>
+            </a:pPr>
+            <a:r>
+              <a:rPr lang="en-US"/>
+              <a:t>B</a:t>
+            </a:r>
+            <a:r>
+              <a:rPr lang="en-US"/>
+              <a:t>asic block h</a:t>
+            </a:r>
+            <a:r>
+              <a:rPr lang="en-US"/>
+              <a:t>as a single entry and a single exit.</a:t>
+            </a:r>
+            <a:endParaRPr/>
+          </a:p>
+        </p:txBody>
+      </p:sp>
+    </p:spTree>
+  </p:cSld>
+  <p:clrMapOvr>
+    <a:masterClrMapping/>
+  </p:clrMapOvr>
+</p:sld>
+</file>
+
+<file path=ppt/slides/slide25.xml><?xml version="1.0" encoding="utf-8"?>
+<p:sld xmlns:a="http://schemas.openxmlformats.org/drawingml/2006/main" xmlns:r="http://schemas.openxmlformats.org/officeDocument/2006/relationships" xmlns:mc="http://schemas.openxmlformats.org/markup-compatibility/2006" xmlns:mv="urn:schemas-microsoft-com:mac:vml" xmlns:p="http://schemas.openxmlformats.org/presentationml/2006/main" xmlns:c="http://schemas.openxmlformats.org/drawingml/2006/chart" xmlns:dgm="http://schemas.openxmlformats.org/drawingml/2006/diagram" xmlns:o="urn:schemas-microsoft-com:office:office" xmlns:v="urn:schemas-microsoft-com:vml" xmlns:pvml="urn:schemas-microsoft-com:office:powerpoint" xmlns:com="http://schemas.openxmlformats.org/drawingml/2006/compatibility" xmlns:p14="http://schemas.microsoft.com/office/powerpoint/2010/main" xmlns:p15="http://schemas.microsoft.com/office/powerpoint/2012/main" xmlns:ahyp="http://schemas.microsoft.com/office/drawing/2018/hyperlinkcolor">
+  <p:cSld>
+    <p:spTree>
+      <p:nvGrpSpPr>
+        <p:cNvPr id="408" name="Shape 408"/>
+        <p:cNvGrpSpPr/>
+        <p:nvPr/>
+      </p:nvGrpSpPr>
+      <p:grpSpPr>
+        <a:xfrm>
+          <a:off x="0" y="0"/>
+          <a:ext cx="0" cy="0"/>
+          <a:chOff x="0" y="0"/>
+          <a:chExt cx="0" cy="0"/>
+        </a:xfrm>
+      </p:grpSpPr>
+      <p:sp>
+        <p:nvSpPr>
+          <p:cNvPr id="409" name="Google Shape;409;p21"/>
           <p:cNvSpPr txBox="1"/>
           <p:nvPr>
             <p:ph type="title"/>
@@ -29757,7 +30668,7 @@
       </p:sp>
       <p:pic>
         <p:nvPicPr>
-          <p:cNvPr id="386" name="Google Shape;386;p21"/>
+          <p:cNvPr id="410" name="Google Shape;410;p21"/>
           <p:cNvPicPr preferRelativeResize="0"/>
           <p:nvPr>
             <p:ph idx="1" type="body"/>
@@ -29786,7 +30697,7 @@
       </p:pic>
       <p:sp>
         <p:nvSpPr>
-          <p:cNvPr id="387" name="Google Shape;387;p21"/>
+          <p:cNvPr id="411" name="Google Shape;411;p21"/>
           <p:cNvSpPr/>
           <p:nvPr/>
         </p:nvSpPr>
@@ -29852,7 +30763,7 @@
       </p:sp>
       <p:sp>
         <p:nvSpPr>
-          <p:cNvPr id="388" name="Google Shape;388;p21"/>
+          <p:cNvPr id="412" name="Google Shape;412;p21"/>
           <p:cNvSpPr/>
           <p:nvPr/>
         </p:nvSpPr>
@@ -29918,7 +30829,7 @@
       </p:sp>
       <p:sp>
         <p:nvSpPr>
-          <p:cNvPr id="389" name="Google Shape;389;p21"/>
+          <p:cNvPr id="413" name="Google Shape;413;p21"/>
           <p:cNvSpPr/>
           <p:nvPr/>
         </p:nvSpPr>
@@ -29984,7 +30895,7 @@
       </p:sp>
       <p:sp>
         <p:nvSpPr>
-          <p:cNvPr id="390" name="Google Shape;390;p21"/>
+          <p:cNvPr id="414" name="Google Shape;414;p21"/>
           <p:cNvSpPr/>
           <p:nvPr/>
         </p:nvSpPr>
@@ -30050,7 +30961,7 @@
       </p:sp>
       <p:sp>
         <p:nvSpPr>
-          <p:cNvPr id="391" name="Google Shape;391;p21"/>
+          <p:cNvPr id="415" name="Google Shape;415;p21"/>
           <p:cNvSpPr txBox="1"/>
           <p:nvPr/>
         </p:nvSpPr>
@@ -30108,7 +31019,7 @@
       </p:sp>
       <p:sp>
         <p:nvSpPr>
-          <p:cNvPr id="392" name="Google Shape;392;p21"/>
+          <p:cNvPr id="416" name="Google Shape;416;p21"/>
           <p:cNvSpPr txBox="1"/>
           <p:nvPr/>
         </p:nvSpPr>
@@ -30166,10 +31077,10 @@
       </p:sp>
       <p:cxnSp>
         <p:nvCxnSpPr>
-          <p:cNvPr id="393" name="Google Shape;393;p21"/>
+          <p:cNvPr id="417" name="Google Shape;417;p21"/>
           <p:cNvCxnSpPr>
-            <a:stCxn id="391" idx="3"/>
-            <a:endCxn id="387" idx="1"/>
+            <a:stCxn id="415" idx="3"/>
+            <a:endCxn id="411" idx="1"/>
           </p:cNvCxnSpPr>
           <p:nvPr/>
         </p:nvCxnSpPr>
@@ -30195,10 +31106,10 @@
       </p:cxnSp>
       <p:cxnSp>
         <p:nvCxnSpPr>
-          <p:cNvPr id="394" name="Google Shape;394;p21"/>
+          <p:cNvPr id="418" name="Google Shape;418;p21"/>
           <p:cNvCxnSpPr>
-            <a:stCxn id="391" idx="3"/>
-            <a:endCxn id="388" idx="1"/>
+            <a:stCxn id="415" idx="3"/>
+            <a:endCxn id="412" idx="1"/>
           </p:cNvCxnSpPr>
           <p:nvPr/>
         </p:nvCxnSpPr>
@@ -30224,10 +31135,10 @@
       </p:cxnSp>
       <p:cxnSp>
         <p:nvCxnSpPr>
-          <p:cNvPr id="395" name="Google Shape;395;p21"/>
+          <p:cNvPr id="419" name="Google Shape;419;p21"/>
           <p:cNvCxnSpPr>
-            <a:stCxn id="391" idx="3"/>
-            <a:endCxn id="389" idx="1"/>
+            <a:stCxn id="415" idx="3"/>
+            <a:endCxn id="413" idx="1"/>
           </p:cNvCxnSpPr>
           <p:nvPr/>
         </p:nvCxnSpPr>
@@ -30253,10 +31164,10 @@
       </p:cxnSp>
       <p:cxnSp>
         <p:nvCxnSpPr>
-          <p:cNvPr id="396" name="Google Shape;396;p21"/>
+          <p:cNvPr id="420" name="Google Shape;420;p21"/>
           <p:cNvCxnSpPr>
-            <a:stCxn id="391" idx="3"/>
-            <a:endCxn id="390" idx="1"/>
+            <a:stCxn id="415" idx="3"/>
+            <a:endCxn id="414" idx="1"/>
           </p:cNvCxnSpPr>
           <p:nvPr/>
         </p:nvCxnSpPr>
@@ -30282,9 +31193,9 @@
       </p:cxnSp>
       <p:cxnSp>
         <p:nvCxnSpPr>
-          <p:cNvPr id="397" name="Google Shape;397;p21"/>
+          <p:cNvPr id="421" name="Google Shape;421;p21"/>
           <p:cNvCxnSpPr>
-            <a:stCxn id="392" idx="3"/>
+            <a:stCxn id="416" idx="3"/>
           </p:cNvCxnSpPr>
           <p:nvPr/>
         </p:nvCxnSpPr>
@@ -30310,9 +31221,9 @@
       </p:cxnSp>
       <p:cxnSp>
         <p:nvCxnSpPr>
-          <p:cNvPr id="398" name="Google Shape;398;p21"/>
+          <p:cNvPr id="422" name="Google Shape;422;p21"/>
           <p:cNvCxnSpPr>
-            <a:stCxn id="392" idx="3"/>
+            <a:stCxn id="416" idx="3"/>
           </p:cNvCxnSpPr>
           <p:nvPr/>
         </p:nvCxnSpPr>
@@ -30338,9 +31249,9 @@
       </p:cxnSp>
       <p:cxnSp>
         <p:nvCxnSpPr>
-          <p:cNvPr id="399" name="Google Shape;399;p21"/>
+          <p:cNvPr id="423" name="Google Shape;423;p21"/>
           <p:cNvCxnSpPr>
-            <a:stCxn id="392" idx="3"/>
+            <a:stCxn id="416" idx="3"/>
           </p:cNvCxnSpPr>
           <p:nvPr/>
         </p:nvCxnSpPr>
@@ -30366,9 +31277,9 @@
       </p:cxnSp>
       <p:cxnSp>
         <p:nvCxnSpPr>
-          <p:cNvPr id="400" name="Google Shape;400;p21"/>
+          <p:cNvPr id="424" name="Google Shape;424;p21"/>
           <p:cNvCxnSpPr>
-            <a:stCxn id="392" idx="3"/>
+            <a:stCxn id="416" idx="3"/>
           </p:cNvCxnSpPr>
           <p:nvPr/>
         </p:nvCxnSpPr>
@@ -30392,151 +31303,6 @@
           </a:ln>
         </p:spPr>
       </p:cxnSp>
-    </p:spTree>
-  </p:cSld>
-  <p:clrMapOvr>
-    <a:masterClrMapping/>
-  </p:clrMapOvr>
-  <mc:AlternateContent>
-    <mc:Choice Requires="p14">
-      <p:transition spd="slow" p14:dur="700">
-        <p:fade/>
-      </p:transition>
-    </mc:Choice>
-    <mc:Fallback>
-      <p:transition spd="slow">
-        <p:fade/>
-      </p:transition>
-    </mc:Fallback>
-  </mc:AlternateContent>
-</p:sld>
-</file>
-
-<file path=ppt/slides/slide25.xml><?xml version="1.0" encoding="utf-8"?>
-<p:sld xmlns:a="http://schemas.openxmlformats.org/drawingml/2006/main" xmlns:r="http://schemas.openxmlformats.org/officeDocument/2006/relationships" xmlns:mc="http://schemas.openxmlformats.org/markup-compatibility/2006" xmlns:mv="urn:schemas-microsoft-com:mac:vml" xmlns:p="http://schemas.openxmlformats.org/presentationml/2006/main" xmlns:c="http://schemas.openxmlformats.org/drawingml/2006/chart" xmlns:dgm="http://schemas.openxmlformats.org/drawingml/2006/diagram" xmlns:o="urn:schemas-microsoft-com:office:office" xmlns:v="urn:schemas-microsoft-com:vml" xmlns:pvml="urn:schemas-microsoft-com:office:powerpoint" xmlns:com="http://schemas.openxmlformats.org/drawingml/2006/compatibility" xmlns:p14="http://schemas.microsoft.com/office/powerpoint/2010/main" xmlns:p15="http://schemas.microsoft.com/office/powerpoint/2012/main" xmlns:ahyp="http://schemas.microsoft.com/office/drawing/2018/hyperlinkcolor">
-  <p:cSld>
-    <p:spTree>
-      <p:nvGrpSpPr>
-        <p:cNvPr id="404" name="Shape 404"/>
-        <p:cNvGrpSpPr/>
-        <p:nvPr/>
-      </p:nvGrpSpPr>
-      <p:grpSpPr>
-        <a:xfrm>
-          <a:off x="0" y="0"/>
-          <a:ext cx="0" cy="0"/>
-          <a:chOff x="0" y="0"/>
-          <a:chExt cx="0" cy="0"/>
-        </a:xfrm>
-      </p:grpSpPr>
-      <p:sp>
-        <p:nvSpPr>
-          <p:cNvPr id="405" name="Google Shape;405;p22"/>
-          <p:cNvSpPr txBox="1"/>
-          <p:nvPr>
-            <p:ph type="title"/>
-          </p:nvPr>
-        </p:nvSpPr>
-        <p:spPr>
-          <a:xfrm>
-            <a:off x="571370" y="571500"/>
-            <a:ext cx="11010816" cy="952499"/>
-          </a:xfrm>
-          <a:prstGeom prst="rect">
-            <a:avLst/>
-          </a:prstGeom>
-          <a:noFill/>
-          <a:ln>
-            <a:noFill/>
-          </a:ln>
-        </p:spPr>
-        <p:txBody>
-          <a:bodyPr anchorCtr="0" anchor="t" bIns="0" lIns="0" spcFirstLastPara="1" rIns="0" wrap="square" tIns="0">
-            <a:noAutofit/>
-          </a:bodyPr>
-          <a:lstStyle/>
-          <a:p>
-            <a:pPr indent="0" lvl="0" marL="0" rtl="0" algn="l">
-              <a:lnSpc>
-                <a:spcPct val="90000"/>
-              </a:lnSpc>
-              <a:spcBef>
-                <a:spcPts val="0"/>
-              </a:spcBef>
-              <a:spcAft>
-                <a:spcPts val="0"/>
-              </a:spcAft>
-              <a:buClr>
-                <a:srgbClr val="525252"/>
-              </a:buClr>
-              <a:buSzPts val="4000"/>
-              <a:buFont typeface="Arial"/>
-              <a:buNone/>
-            </a:pPr>
-            <a:r>
-              <a:rPr lang="en-US"/>
-              <a:t>Loops</a:t>
-            </a:r>
-            <a:endParaRPr/>
-          </a:p>
-        </p:txBody>
-      </p:sp>
-      <p:pic>
-        <p:nvPicPr>
-          <p:cNvPr id="406" name="Google Shape;406;p22"/>
-          <p:cNvPicPr preferRelativeResize="0"/>
-          <p:nvPr>
-            <p:ph idx="1" type="body"/>
-          </p:nvPr>
-        </p:nvPicPr>
-        <p:blipFill rotWithShape="1">
-          <a:blip r:embed="rId3">
-            <a:alphaModFix/>
-          </a:blip>
-          <a:srcRect b="0" l="0" r="0" t="0"/>
-          <a:stretch/>
-        </p:blipFill>
-        <p:spPr>
-          <a:xfrm>
-            <a:off x="6010634" y="6641"/>
-            <a:ext cx="3838042" cy="6844718"/>
-          </a:xfrm>
-          <a:prstGeom prst="rect">
-            <a:avLst/>
-          </a:prstGeom>
-          <a:noFill/>
-          <a:ln>
-            <a:noFill/>
-          </a:ln>
-        </p:spPr>
-      </p:pic>
-      <p:pic>
-        <p:nvPicPr>
-          <p:cNvPr id="407" name="Google Shape;407;p22"/>
-          <p:cNvPicPr preferRelativeResize="0"/>
-          <p:nvPr/>
-        </p:nvPicPr>
-        <p:blipFill rotWithShape="1">
-          <a:blip r:embed="rId4">
-            <a:alphaModFix/>
-          </a:blip>
-          <a:srcRect b="0" l="0" r="0" t="0"/>
-          <a:stretch/>
-        </p:blipFill>
-        <p:spPr>
-          <a:xfrm>
-            <a:off x="671119" y="2420118"/>
-            <a:ext cx="4535647" cy="1658504"/>
-          </a:xfrm>
-          <a:prstGeom prst="rect">
-            <a:avLst/>
-          </a:prstGeom>
-          <a:noFill/>
-          <a:ln>
-            <a:noFill/>
-          </a:ln>
-        </p:spPr>
-      </p:pic>
     </p:spTree>
   </p:cSld>
   <p:clrMapOvr>
@@ -30562,7 +31328,7 @@
   <p:cSld>
     <p:spTree>
       <p:nvGrpSpPr>
-        <p:cNvPr id="411" name="Shape 411"/>
+        <p:cNvPr id="428" name="Shape 428"/>
         <p:cNvGrpSpPr/>
         <p:nvPr/>
       </p:nvGrpSpPr>
@@ -30576,7 +31342,7 @@
       </p:grpSpPr>
       <p:sp>
         <p:nvSpPr>
-          <p:cNvPr id="412" name="Google Shape;412;p23"/>
+          <p:cNvPr id="429" name="Google Shape;429;p22"/>
           <p:cNvSpPr txBox="1"/>
           <p:nvPr>
             <p:ph type="title"/>
@@ -30620,7 +31386,7 @@
             </a:pPr>
             <a:r>
               <a:rPr lang="en-US"/>
-              <a:t>Loops. Control flow graph</a:t>
+              <a:t>Loops</a:t>
             </a:r>
             <a:endParaRPr/>
           </a:p>
@@ -30628,7 +31394,7 @@
       </p:sp>
       <p:pic>
         <p:nvPicPr>
-          <p:cNvPr id="413" name="Google Shape;413;p23"/>
+          <p:cNvPr id="430" name="Google Shape;430;p22"/>
           <p:cNvPicPr preferRelativeResize="0"/>
           <p:nvPr>
             <p:ph idx="1" type="body"/>
@@ -30643,8 +31409,35 @@
         </p:blipFill>
         <p:spPr>
           <a:xfrm>
-            <a:off x="3968588" y="1192650"/>
-            <a:ext cx="4254900" cy="5665500"/>
+            <a:off x="6010634" y="6641"/>
+            <a:ext cx="3838042" cy="6844718"/>
+          </a:xfrm>
+          <a:prstGeom prst="rect">
+            <a:avLst/>
+          </a:prstGeom>
+          <a:noFill/>
+          <a:ln>
+            <a:noFill/>
+          </a:ln>
+        </p:spPr>
+      </p:pic>
+      <p:pic>
+        <p:nvPicPr>
+          <p:cNvPr id="431" name="Google Shape;431;p22"/>
+          <p:cNvPicPr preferRelativeResize="0"/>
+          <p:nvPr/>
+        </p:nvPicPr>
+        <p:blipFill rotWithShape="1">
+          <a:blip r:embed="rId4">
+            <a:alphaModFix/>
+          </a:blip>
+          <a:srcRect b="0" l="0" r="0" t="0"/>
+          <a:stretch/>
+        </p:blipFill>
+        <p:spPr>
+          <a:xfrm>
+            <a:off x="671119" y="2420118"/>
+            <a:ext cx="4535647" cy="1658504"/>
           </a:xfrm>
           <a:prstGeom prst="rect">
             <a:avLst/>
@@ -30680,7 +31473,7 @@
   <p:cSld>
     <p:spTree>
       <p:nvGrpSpPr>
-        <p:cNvPr id="417" name="Shape 417"/>
+        <p:cNvPr id="435" name="Shape 435"/>
         <p:cNvGrpSpPr/>
         <p:nvPr/>
       </p:nvGrpSpPr>
@@ -30694,7 +31487,7 @@
       </p:grpSpPr>
       <p:sp>
         <p:nvSpPr>
-          <p:cNvPr id="418" name="Google Shape;418;p24"/>
+          <p:cNvPr id="436" name="Google Shape;436;p23"/>
           <p:cNvSpPr txBox="1"/>
           <p:nvPr>
             <p:ph type="title"/>
@@ -30738,7 +31531,7 @@
             </a:pPr>
             <a:r>
               <a:rPr lang="en-US"/>
-              <a:t>Single assignment</a:t>
+              <a:t>Loops. Control flow graph</a:t>
             </a:r>
             <a:endParaRPr/>
           </a:p>
@@ -30746,7 +31539,7 @@
       </p:sp>
       <p:pic>
         <p:nvPicPr>
-          <p:cNvPr id="419" name="Google Shape;419;p24"/>
+          <p:cNvPr id="437" name="Google Shape;437;p23"/>
           <p:cNvPicPr preferRelativeResize="0"/>
           <p:nvPr>
             <p:ph idx="1" type="body"/>
@@ -30761,8 +31554,8 @@
         </p:blipFill>
         <p:spPr>
           <a:xfrm>
-            <a:off x="4243129" y="1566602"/>
-            <a:ext cx="3705742" cy="3724795"/>
+            <a:off x="4881738" y="1181150"/>
+            <a:ext cx="4254900" cy="5665500"/>
           </a:xfrm>
           <a:prstGeom prst="rect">
             <a:avLst/>
@@ -30773,16 +31566,23 @@
           </a:ln>
         </p:spPr>
       </p:pic>
-      <p:sp>
-        <p:nvSpPr>
-          <p:cNvPr id="420" name="Google Shape;420;p24"/>
-          <p:cNvSpPr txBox="1"/>
+      <p:pic>
+        <p:nvPicPr>
+          <p:cNvPr id="438" name="Google Shape;438;p23"/>
+          <p:cNvPicPr preferRelativeResize="0"/>
           <p:nvPr/>
-        </p:nvSpPr>
-        <p:spPr>
-          <a:xfrm>
-            <a:off x="4015962" y="6413746"/>
-            <a:ext cx="4641628" cy="426079"/>
+        </p:nvPicPr>
+        <p:blipFill rotWithShape="1">
+          <a:blip r:embed="rId4">
+            <a:alphaModFix/>
+          </a:blip>
+          <a:srcRect b="0" l="0" r="0" t="0"/>
+          <a:stretch/>
+        </p:blipFill>
+        <p:spPr>
+          <a:xfrm>
+            <a:off x="155569" y="2599743"/>
+            <a:ext cx="4535647" cy="1658504"/>
           </a:xfrm>
           <a:prstGeom prst="rect">
             <a:avLst/>
@@ -30792,64 +31592,166 @@
             <a:noFill/>
           </a:ln>
         </p:spPr>
-        <p:txBody>
-          <a:bodyPr anchorCtr="0" anchor="t" bIns="45700" lIns="91425" spcFirstLastPara="1" rIns="91425" wrap="square" tIns="45700">
-            <a:spAutoFit/>
-          </a:bodyPr>
-          <a:lstStyle/>
-          <a:p>
-            <a:pPr indent="0" lvl="0" marL="0" marR="0" rtl="0" algn="l">
-              <a:lnSpc>
-                <a:spcPct val="90000"/>
-              </a:lnSpc>
-              <a:spcBef>
-                <a:spcPts val="0"/>
-              </a:spcBef>
-              <a:spcAft>
-                <a:spcPts val="0"/>
-              </a:spcAft>
-              <a:buClr>
-                <a:srgbClr val="000000"/>
-              </a:buClr>
-              <a:buSzPts val="2400"/>
-              <a:buFont typeface="Arial"/>
-              <a:buNone/>
-            </a:pPr>
-            <a:r>
-              <a:rPr b="0" i="0" lang="en-US" sz="2400" u="sng" cap="none" strike="noStrike">
-                <a:solidFill>
-                  <a:srgbClr val="000000"/>
-                </a:solidFill>
-                <a:latin typeface="Arial"/>
-                <a:ea typeface="Arial"/>
-                <a:cs typeface="Arial"/>
-                <a:sym typeface="Arial"/>
-                <a:hlinkClick r:id="rId4">
-                  <a:extLst>
-                    <a:ext uri="{A12FA001-AC4F-418D-AE19-62706E023703}">
-                      <ahyp:hlinkClr val="tx"/>
-                    </a:ext>
-                  </a:extLst>
-                </a:hlinkClick>
-              </a:rPr>
-              <a:t>https://godbolt.org/z/x6bf1fxxv</a:t>
-            </a:r>
-            <a:r>
-              <a:rPr b="0" i="0" lang="en-US" sz="2400" u="none" cap="none" strike="noStrike">
-                <a:solidFill>
-                  <a:srgbClr val="000000"/>
-                </a:solidFill>
-                <a:latin typeface="Arial"/>
-                <a:ea typeface="Arial"/>
-                <a:cs typeface="Arial"/>
-                <a:sym typeface="Arial"/>
-              </a:rPr>
-              <a:t> </a:t>
-            </a:r>
-            <a:endParaRPr/>
-          </a:p>
-        </p:txBody>
-      </p:sp>
+      </p:pic>
+      <p:pic>
+        <p:nvPicPr>
+          <p:cNvPr id="439" name="Google Shape;439;p23"/>
+          <p:cNvPicPr preferRelativeResize="0"/>
+          <p:nvPr>
+            <p:ph idx="1" type="body"/>
+          </p:nvPr>
+        </p:nvPicPr>
+        <p:blipFill rotWithShape="1">
+          <a:blip r:embed="rId5">
+            <a:alphaModFix/>
+          </a:blip>
+          <a:srcRect b="0" l="0" r="0" t="0"/>
+          <a:stretch/>
+        </p:blipFill>
+        <p:spPr>
+          <a:xfrm>
+            <a:off x="9327177" y="917698"/>
+            <a:ext cx="2816100" cy="5022600"/>
+          </a:xfrm>
+          <a:prstGeom prst="rect">
+            <a:avLst/>
+          </a:prstGeom>
+          <a:noFill/>
+          <a:ln>
+            <a:noFill/>
+          </a:ln>
+        </p:spPr>
+      </p:pic>
+      <p:cxnSp>
+        <p:nvCxnSpPr>
+          <p:cNvPr id="440" name="Google Shape;440;p23"/>
+          <p:cNvCxnSpPr/>
+          <p:nvPr/>
+        </p:nvCxnSpPr>
+        <p:spPr>
+          <a:xfrm>
+            <a:off x="9182900" y="1099225"/>
+            <a:ext cx="194700" cy="0"/>
+          </a:xfrm>
+          <a:prstGeom prst="straightConnector1">
+            <a:avLst/>
+          </a:prstGeom>
+          <a:noFill/>
+          <a:ln cap="flat" cmpd="sng" w="9525">
+            <a:solidFill>
+              <a:srgbClr val="FF0000"/>
+            </a:solidFill>
+            <a:prstDash val="solid"/>
+            <a:round/>
+            <a:headEnd len="med" w="med" type="none"/>
+            <a:tailEnd len="med" w="med" type="triangle"/>
+          </a:ln>
+        </p:spPr>
+      </p:cxnSp>
+      <p:cxnSp>
+        <p:nvCxnSpPr>
+          <p:cNvPr id="441" name="Google Shape;441;p23"/>
+          <p:cNvCxnSpPr/>
+          <p:nvPr/>
+        </p:nvCxnSpPr>
+        <p:spPr>
+          <a:xfrm>
+            <a:off x="9182900" y="2545400"/>
+            <a:ext cx="194700" cy="0"/>
+          </a:xfrm>
+          <a:prstGeom prst="straightConnector1">
+            <a:avLst/>
+          </a:prstGeom>
+          <a:noFill/>
+          <a:ln cap="flat" cmpd="sng" w="9525">
+            <a:solidFill>
+              <a:srgbClr val="FF0000"/>
+            </a:solidFill>
+            <a:prstDash val="solid"/>
+            <a:round/>
+            <a:headEnd len="med" w="med" type="none"/>
+            <a:tailEnd len="med" w="med" type="triangle"/>
+          </a:ln>
+        </p:spPr>
+      </p:cxnSp>
+      <p:cxnSp>
+        <p:nvCxnSpPr>
+          <p:cNvPr id="442" name="Google Shape;442;p23"/>
+          <p:cNvCxnSpPr/>
+          <p:nvPr/>
+        </p:nvCxnSpPr>
+        <p:spPr>
+          <a:xfrm>
+            <a:off x="9182900" y="3339825"/>
+            <a:ext cx="194700" cy="0"/>
+          </a:xfrm>
+          <a:prstGeom prst="straightConnector1">
+            <a:avLst/>
+          </a:prstGeom>
+          <a:noFill/>
+          <a:ln cap="flat" cmpd="sng" w="9525">
+            <a:solidFill>
+              <a:srgbClr val="FF0000"/>
+            </a:solidFill>
+            <a:prstDash val="solid"/>
+            <a:round/>
+            <a:headEnd len="med" w="med" type="none"/>
+            <a:tailEnd len="med" w="med" type="triangle"/>
+          </a:ln>
+        </p:spPr>
+      </p:cxnSp>
+      <p:cxnSp>
+        <p:nvCxnSpPr>
+          <p:cNvPr id="443" name="Google Shape;443;p23"/>
+          <p:cNvCxnSpPr/>
+          <p:nvPr/>
+        </p:nvCxnSpPr>
+        <p:spPr>
+          <a:xfrm>
+            <a:off x="9182900" y="4786000"/>
+            <a:ext cx="194700" cy="0"/>
+          </a:xfrm>
+          <a:prstGeom prst="straightConnector1">
+            <a:avLst/>
+          </a:prstGeom>
+          <a:noFill/>
+          <a:ln cap="flat" cmpd="sng" w="9525">
+            <a:solidFill>
+              <a:srgbClr val="FF0000"/>
+            </a:solidFill>
+            <a:prstDash val="solid"/>
+            <a:round/>
+            <a:headEnd len="med" w="med" type="none"/>
+            <a:tailEnd len="med" w="med" type="triangle"/>
+          </a:ln>
+        </p:spPr>
+      </p:cxnSp>
+      <p:cxnSp>
+        <p:nvCxnSpPr>
+          <p:cNvPr id="444" name="Google Shape;444;p23"/>
+          <p:cNvCxnSpPr/>
+          <p:nvPr/>
+        </p:nvCxnSpPr>
+        <p:spPr>
+          <a:xfrm>
+            <a:off x="9182900" y="5580425"/>
+            <a:ext cx="194700" cy="0"/>
+          </a:xfrm>
+          <a:prstGeom prst="straightConnector1">
+            <a:avLst/>
+          </a:prstGeom>
+          <a:noFill/>
+          <a:ln cap="flat" cmpd="sng" w="9525">
+            <a:solidFill>
+              <a:srgbClr val="FF0000"/>
+            </a:solidFill>
+            <a:prstDash val="solid"/>
+            <a:round/>
+            <a:headEnd len="med" w="med" type="none"/>
+            <a:tailEnd len="med" w="med" type="triangle"/>
+          </a:ln>
+        </p:spPr>
+      </p:cxnSp>
     </p:spTree>
   </p:cSld>
   <p:clrMapOvr>
@@ -30875,7 +31777,7 @@
   <p:cSld>
     <p:spTree>
       <p:nvGrpSpPr>
-        <p:cNvPr id="424" name="Shape 424"/>
+        <p:cNvPr id="448" name="Shape 448"/>
         <p:cNvGrpSpPr/>
         <p:nvPr/>
       </p:nvGrpSpPr>
@@ -30889,7 +31791,7 @@
       </p:grpSpPr>
       <p:sp>
         <p:nvSpPr>
-          <p:cNvPr id="425" name="Google Shape;425;p25"/>
+          <p:cNvPr id="449" name="Google Shape;449;p24"/>
           <p:cNvSpPr txBox="1"/>
           <p:nvPr>
             <p:ph type="title"/>
@@ -30933,7 +31835,7 @@
             </a:pPr>
             <a:r>
               <a:rPr lang="en-US"/>
-              <a:t>Memory SSA</a:t>
+              <a:t>Single assignment</a:t>
             </a:r>
             <a:endParaRPr/>
           </a:p>
@@ -30941,7 +31843,7 @@
       </p:sp>
       <p:pic>
         <p:nvPicPr>
-          <p:cNvPr id="426" name="Google Shape;426;p25"/>
+          <p:cNvPr id="450" name="Google Shape;450;p24"/>
           <p:cNvPicPr preferRelativeResize="0"/>
           <p:nvPr>
             <p:ph idx="1" type="body"/>
@@ -30956,7 +31858,7 @@
         </p:blipFill>
         <p:spPr>
           <a:xfrm>
-            <a:off x="1164650" y="1566602"/>
+            <a:off x="4243129" y="1566602"/>
             <a:ext cx="3705742" cy="3724795"/>
           </a:xfrm>
           <a:prstGeom prst="rect">
@@ -30968,214 +31870,169 @@
           </a:ln>
         </p:spPr>
       </p:pic>
-      <p:pic>
-        <p:nvPicPr>
-          <p:cNvPr id="427" name="Google Shape;427;p25"/>
-          <p:cNvPicPr preferRelativeResize="0"/>
+      <p:grpSp>
+        <p:nvGrpSpPr>
+          <p:cNvPr id="451" name="Google Shape;451;p24"/>
+          <p:cNvGrpSpPr/>
           <p:nvPr/>
-        </p:nvPicPr>
-        <p:blipFill rotWithShape="1">
-          <a:blip r:embed="rId4">
-            <a:alphaModFix/>
-          </a:blip>
-          <a:srcRect b="0" l="0" r="0" t="0"/>
-          <a:stretch/>
-        </p:blipFill>
-        <p:spPr>
-          <a:xfrm>
-            <a:off x="5463671" y="18175"/>
-            <a:ext cx="5744377" cy="6268325"/>
-          </a:xfrm>
-          <a:prstGeom prst="rect">
-            <a:avLst/>
-          </a:prstGeom>
-          <a:noFill/>
-          <a:ln>
-            <a:noFill/>
-          </a:ln>
-        </p:spPr>
-      </p:pic>
-      <p:sp>
-        <p:nvSpPr>
-          <p:cNvPr id="428" name="Google Shape;428;p25"/>
-          <p:cNvSpPr txBox="1"/>
-          <p:nvPr/>
-        </p:nvSpPr>
-        <p:spPr>
-          <a:xfrm>
-            <a:off x="3142857" y="6413746"/>
-            <a:ext cx="4641628" cy="426079"/>
-          </a:xfrm>
-          <a:prstGeom prst="rect">
-            <a:avLst/>
-          </a:prstGeom>
-          <a:noFill/>
-          <a:ln>
-            <a:noFill/>
-          </a:ln>
-        </p:spPr>
-        <p:txBody>
-          <a:bodyPr anchorCtr="0" anchor="t" bIns="45700" lIns="91425" spcFirstLastPara="1" rIns="91425" wrap="square" tIns="45700">
-            <a:spAutoFit/>
-          </a:bodyPr>
-          <a:lstStyle/>
-          <a:p>
-            <a:pPr indent="0" lvl="0" marL="0" marR="0" rtl="0" algn="l">
-              <a:lnSpc>
-                <a:spcPct val="90000"/>
-              </a:lnSpc>
-              <a:spcBef>
-                <a:spcPts val="0"/>
-              </a:spcBef>
-              <a:spcAft>
-                <a:spcPts val="0"/>
-              </a:spcAft>
-              <a:buClr>
+        </p:nvGrpSpPr>
+        <p:grpSpPr>
+          <a:xfrm>
+            <a:off x="67275" y="6313238"/>
+            <a:ext cx="5188500" cy="445275"/>
+            <a:chOff x="289925" y="5611838"/>
+            <a:chExt cx="5188500" cy="445275"/>
+          </a:xfrm>
+        </p:grpSpPr>
+        <p:sp>
+          <p:nvSpPr>
+            <p:cNvPr id="452" name="Google Shape;452;p24"/>
+            <p:cNvSpPr/>
+            <p:nvPr/>
+          </p:nvSpPr>
+          <p:spPr>
+            <a:xfrm>
+              <a:off x="289925" y="5611850"/>
+              <a:ext cx="5188500" cy="445200"/>
+            </a:xfrm>
+            <a:prstGeom prst="rect">
+              <a:avLst/>
+            </a:prstGeom>
+            <a:solidFill>
+              <a:srgbClr val="FFFFFF"/>
+            </a:solidFill>
+            <a:ln cap="flat" cmpd="sng" w="9525">
+              <a:solidFill>
                 <a:srgbClr val="000000"/>
-              </a:buClr>
-              <a:buSzPts val="2400"/>
-              <a:buFont typeface="Arial"/>
-              <a:buNone/>
-            </a:pPr>
-            <a:r>
-              <a:rPr b="0" i="0" lang="en-US" sz="2400" u="sng" cap="none" strike="noStrike">
+              </a:solidFill>
+              <a:prstDash val="solid"/>
+              <a:round/>
+              <a:headEnd len="sm" w="sm" type="none"/>
+              <a:tailEnd len="sm" w="sm" type="none"/>
+            </a:ln>
+          </p:spPr>
+          <p:txBody>
+            <a:bodyPr anchorCtr="0" anchor="ctr" bIns="91425" lIns="91425" spcFirstLastPara="1" rIns="91425" wrap="square" tIns="91425">
+              <a:noAutofit/>
+            </a:bodyPr>
+            <a:lstStyle/>
+            <a:p>
+              <a:pPr indent="0" lvl="0" marL="0" rtl="0" algn="l">
+                <a:spcBef>
+                  <a:spcPts val="0"/>
+                </a:spcBef>
+                <a:spcAft>
+                  <a:spcPts val="0"/>
+                </a:spcAft>
+                <a:buNone/>
+              </a:pPr>
+              <a:r>
+                <a:t/>
+              </a:r>
+              <a:endParaRPr sz="2400">
                 <a:solidFill>
                   <a:srgbClr val="000000"/>
                 </a:solidFill>
-                <a:latin typeface="Arial"/>
-                <a:ea typeface="Arial"/>
-                <a:cs typeface="Arial"/>
-                <a:sym typeface="Arial"/>
-                <a:hlinkClick r:id="rId5">
-                  <a:extLst>
-                    <a:ext uri="{A12FA001-AC4F-418D-AE19-62706E023703}">
-                      <ahyp:hlinkClr val="tx"/>
-                    </a:ext>
-                  </a:extLst>
-                </a:hlinkClick>
-              </a:rPr>
-              <a:t>https://godbolt.org/z/x6bf1fxxv</a:t>
-            </a:r>
-            <a:r>
-              <a:rPr b="0" i="0" lang="en-US" sz="2400" u="none" cap="none" strike="noStrike">
-                <a:solidFill>
-                  <a:srgbClr val="000000"/>
-                </a:solidFill>
-                <a:latin typeface="Arial"/>
-                <a:ea typeface="Arial"/>
-                <a:cs typeface="Arial"/>
-                <a:sym typeface="Arial"/>
-              </a:rPr>
-              <a:t> </a:t>
-            </a:r>
-            <a:endParaRPr/>
-          </a:p>
-        </p:txBody>
-      </p:sp>
-      <p:cxnSp>
-        <p:nvCxnSpPr>
-          <p:cNvPr id="429" name="Google Shape;429;p25"/>
-          <p:cNvCxnSpPr/>
-          <p:nvPr/>
-        </p:nvCxnSpPr>
-        <p:spPr>
-          <a:xfrm flipH="1" rot="10800000">
-            <a:off x="3674378" y="461394"/>
-            <a:ext cx="1946246" cy="2189527"/>
-          </a:xfrm>
-          <a:prstGeom prst="straightConnector1">
-            <a:avLst/>
-          </a:prstGeom>
-          <a:noFill/>
-          <a:ln cap="flat" cmpd="sng" w="57150">
+              </a:endParaRPr>
+            </a:p>
+          </p:txBody>
+        </p:sp>
+        <p:pic>
+          <p:nvPicPr>
+            <p:cNvPr id="453" name="Google Shape;453;p24"/>
+            <p:cNvPicPr preferRelativeResize="0"/>
+            <p:nvPr/>
+          </p:nvPicPr>
+          <p:blipFill>
+            <a:blip r:embed="rId4">
+              <a:alphaModFix/>
+            </a:blip>
+            <a:stretch>
+              <a:fillRect/>
+            </a:stretch>
+          </p:blipFill>
+          <p:spPr>
+            <a:xfrm>
+              <a:off x="289925" y="5611838"/>
+              <a:ext cx="445275" cy="445275"/>
+            </a:xfrm>
+            <a:prstGeom prst="rect">
+              <a:avLst/>
+            </a:prstGeom>
+            <a:noFill/>
+            <a:ln>
+              <a:noFill/>
+            </a:ln>
+          </p:spPr>
+        </p:pic>
+        <p:sp>
+          <p:nvSpPr>
+            <p:cNvPr id="454" name="Google Shape;454;p24"/>
+            <p:cNvSpPr/>
+            <p:nvPr/>
+          </p:nvSpPr>
+          <p:spPr>
+            <a:xfrm>
+              <a:off x="777375" y="5611850"/>
+              <a:ext cx="4701000" cy="445200"/>
+            </a:xfrm>
+            <a:prstGeom prst="rect">
+              <a:avLst/>
+            </a:prstGeom>
             <a:solidFill>
-              <a:srgbClr val="FF0000"/>
+              <a:srgbClr val="FFFFFF"/>
             </a:solidFill>
-            <a:prstDash val="solid"/>
-            <a:miter lim="400000"/>
-            <a:headEnd len="sm" w="sm" type="none"/>
-            <a:tailEnd len="med" w="med" type="triangle"/>
-          </a:ln>
-        </p:spPr>
-      </p:cxnSp>
-      <p:cxnSp>
-        <p:nvCxnSpPr>
-          <p:cNvPr id="430" name="Google Shape;430;p25"/>
-          <p:cNvCxnSpPr/>
-          <p:nvPr/>
-        </p:nvCxnSpPr>
-        <p:spPr>
-          <a:xfrm flipH="1" rot="10800000">
-            <a:off x="4490548" y="2876395"/>
-            <a:ext cx="1130076" cy="497553"/>
-          </a:xfrm>
-          <a:prstGeom prst="straightConnector1">
-            <a:avLst/>
-          </a:prstGeom>
-          <a:noFill/>
-          <a:ln cap="flat" cmpd="sng" w="57150">
-            <a:solidFill>
-              <a:srgbClr val="FF0000"/>
-            </a:solidFill>
-            <a:prstDash val="solid"/>
-            <a:miter lim="400000"/>
-            <a:headEnd len="sm" w="sm" type="none"/>
-            <a:tailEnd len="med" w="med" type="triangle"/>
-          </a:ln>
-        </p:spPr>
-      </p:cxnSp>
-      <p:cxnSp>
-        <p:nvCxnSpPr>
-          <p:cNvPr id="431" name="Google Shape;431;p25"/>
-          <p:cNvCxnSpPr/>
-          <p:nvPr/>
-        </p:nvCxnSpPr>
-        <p:spPr>
-          <a:xfrm>
-            <a:off x="4870392" y="4041604"/>
-            <a:ext cx="825733" cy="454693"/>
-          </a:xfrm>
-          <a:prstGeom prst="straightConnector1">
-            <a:avLst/>
-          </a:prstGeom>
-          <a:noFill/>
-          <a:ln cap="flat" cmpd="sng" w="57150">
-            <a:solidFill>
-              <a:srgbClr val="FF0000"/>
-            </a:solidFill>
-            <a:prstDash val="solid"/>
-            <a:miter lim="400000"/>
-            <a:headEnd len="sm" w="sm" type="none"/>
-            <a:tailEnd len="med" w="med" type="triangle"/>
-          </a:ln>
-        </p:spPr>
-      </p:cxnSp>
-      <p:cxnSp>
-        <p:nvCxnSpPr>
-          <p:cNvPr id="432" name="Google Shape;432;p25"/>
-          <p:cNvCxnSpPr/>
-          <p:nvPr/>
-        </p:nvCxnSpPr>
-        <p:spPr>
-          <a:xfrm>
-            <a:off x="3818862" y="4734892"/>
-            <a:ext cx="1801762" cy="890333"/>
-          </a:xfrm>
-          <a:prstGeom prst="straightConnector1">
-            <a:avLst/>
-          </a:prstGeom>
-          <a:noFill/>
-          <a:ln cap="flat" cmpd="sng" w="57150">
-            <a:solidFill>
-              <a:srgbClr val="FF0000"/>
-            </a:solidFill>
-            <a:prstDash val="solid"/>
-            <a:miter lim="400000"/>
-            <a:headEnd len="sm" w="sm" type="none"/>
-            <a:tailEnd len="med" w="med" type="triangle"/>
-          </a:ln>
-        </p:spPr>
-      </p:cxnSp>
+            <a:ln cap="flat" cmpd="sng" w="9525">
+              <a:solidFill>
+                <a:srgbClr val="000000"/>
+              </a:solidFill>
+              <a:prstDash val="solid"/>
+              <a:round/>
+              <a:headEnd len="sm" w="sm" type="none"/>
+              <a:tailEnd len="sm" w="sm" type="none"/>
+            </a:ln>
+          </p:spPr>
+          <p:txBody>
+            <a:bodyPr anchorCtr="0" anchor="ctr" bIns="91425" lIns="91425" spcFirstLastPara="1" rIns="91425" wrap="square" tIns="91425">
+              <a:noAutofit/>
+            </a:bodyPr>
+            <a:lstStyle/>
+            <a:p>
+              <a:pPr indent="0" lvl="0" marL="0" rtl="0" algn="l">
+                <a:lnSpc>
+                  <a:spcPct val="90000"/>
+                </a:lnSpc>
+                <a:spcBef>
+                  <a:spcPts val="0"/>
+                </a:spcBef>
+                <a:spcAft>
+                  <a:spcPts val="0"/>
+                </a:spcAft>
+                <a:buClr>
+                  <a:schemeClr val="dk1"/>
+                </a:buClr>
+                <a:buSzPts val="2400"/>
+                <a:buFont typeface="Arial"/>
+                <a:buNone/>
+              </a:pPr>
+              <a:r>
+                <a:rPr lang="en-US" sz="2400" u="sng">
+                  <a:solidFill>
+                    <a:schemeClr val="hlink"/>
+                  </a:solidFill>
+                  <a:hlinkClick r:id="rId5"/>
+                </a:rPr>
+                <a:t>https://godbolt.org/z/x6bf1fxxv</a:t>
+              </a:r>
+              <a:r>
+                <a:rPr lang="en-US" sz="2400"/>
+                <a:t> </a:t>
+              </a:r>
+              <a:endParaRPr sz="2400"/>
+            </a:p>
+          </p:txBody>
+        </p:sp>
+      </p:grpSp>
     </p:spTree>
   </p:cSld>
   <p:clrMapOvr>
@@ -31201,7 +32058,7 @@
   <p:cSld>
     <p:spTree>
       <p:nvGrpSpPr>
-        <p:cNvPr id="436" name="Shape 436"/>
+        <p:cNvPr id="458" name="Shape 458"/>
         <p:cNvGrpSpPr/>
         <p:nvPr/>
       </p:nvGrpSpPr>
@@ -31215,7 +32072,7 @@
       </p:grpSpPr>
       <p:sp>
         <p:nvSpPr>
-          <p:cNvPr id="437" name="Google Shape;437;p26"/>
+          <p:cNvPr id="459" name="Google Shape;459;p25"/>
           <p:cNvSpPr txBox="1"/>
           <p:nvPr>
             <p:ph type="title"/>
@@ -31258,57 +32115,8 @@
               <a:buNone/>
             </a:pPr>
             <a:r>
-              <a:t/>
-            </a:r>
-            <a:endParaRPr/>
-          </a:p>
-        </p:txBody>
-      </p:sp>
-      <p:sp>
-        <p:nvSpPr>
-          <p:cNvPr id="438" name="Google Shape;438;p26"/>
-          <p:cNvSpPr txBox="1"/>
-          <p:nvPr>
-            <p:ph idx="1" type="body"/>
-          </p:nvPr>
-        </p:nvSpPr>
-        <p:spPr>
-          <a:xfrm>
-            <a:off x="571370" y="1673454"/>
-            <a:ext cx="11010900" cy="4574947"/>
-          </a:xfrm>
-          <a:prstGeom prst="rect">
-            <a:avLst/>
-          </a:prstGeom>
-          <a:noFill/>
-          <a:ln>
-            <a:noFill/>
-          </a:ln>
-        </p:spPr>
-        <p:txBody>
-          <a:bodyPr anchorCtr="0" anchor="t" bIns="0" lIns="0" spcFirstLastPara="1" rIns="0" wrap="square" tIns="0">
-            <a:normAutofit/>
-          </a:bodyPr>
-          <a:lstStyle/>
-          <a:p>
-            <a:pPr indent="-50800" lvl="0" marL="228600" rtl="0" algn="l">
-              <a:lnSpc>
-                <a:spcPct val="100000"/>
-              </a:lnSpc>
-              <a:spcBef>
-                <a:spcPts val="0"/>
-              </a:spcBef>
-              <a:spcAft>
-                <a:spcPts val="0"/>
-              </a:spcAft>
-              <a:buClr>
-                <a:schemeClr val="lt2"/>
-              </a:buClr>
-              <a:buSzPts val="2800"/>
-              <a:buNone/>
-            </a:pPr>
-            <a:r>
-              <a:t/>
+              <a:rPr lang="en-US"/>
+              <a:t>Memory SSA</a:t>
             </a:r>
             <a:endParaRPr/>
           </a:p>
@@ -31316,9 +32124,11 @@
       </p:sp>
       <p:pic>
         <p:nvPicPr>
-          <p:cNvPr id="439" name="Google Shape;439;p26"/>
+          <p:cNvPr id="460" name="Google Shape;460;p25"/>
           <p:cNvPicPr preferRelativeResize="0"/>
-          <p:nvPr/>
+          <p:nvPr>
+            <p:ph idx="1" type="body"/>
+          </p:nvPr>
         </p:nvPicPr>
         <p:blipFill rotWithShape="1">
           <a:blip r:embed="rId3">
@@ -31329,8 +32139,8 @@
         </p:blipFill>
         <p:spPr>
           <a:xfrm>
-            <a:off x="0" y="2677"/>
-            <a:ext cx="12192000" cy="6852646"/>
+            <a:off x="1164650" y="1566602"/>
+            <a:ext cx="3705742" cy="3724795"/>
           </a:xfrm>
           <a:prstGeom prst="rect">
             <a:avLst/>
@@ -31341,6 +32151,300 @@
           </a:ln>
         </p:spPr>
       </p:pic>
+      <p:pic>
+        <p:nvPicPr>
+          <p:cNvPr id="461" name="Google Shape;461;p25"/>
+          <p:cNvPicPr preferRelativeResize="0"/>
+          <p:nvPr/>
+        </p:nvPicPr>
+        <p:blipFill rotWithShape="1">
+          <a:blip r:embed="rId4">
+            <a:alphaModFix/>
+          </a:blip>
+          <a:srcRect b="0" l="0" r="0" t="0"/>
+          <a:stretch/>
+        </p:blipFill>
+        <p:spPr>
+          <a:xfrm>
+            <a:off x="5463671" y="18175"/>
+            <a:ext cx="5744377" cy="6268325"/>
+          </a:xfrm>
+          <a:prstGeom prst="rect">
+            <a:avLst/>
+          </a:prstGeom>
+          <a:noFill/>
+          <a:ln>
+            <a:noFill/>
+          </a:ln>
+        </p:spPr>
+      </p:pic>
+      <p:cxnSp>
+        <p:nvCxnSpPr>
+          <p:cNvPr id="462" name="Google Shape;462;p25"/>
+          <p:cNvCxnSpPr/>
+          <p:nvPr/>
+        </p:nvCxnSpPr>
+        <p:spPr>
+          <a:xfrm flipH="1" rot="10800000">
+            <a:off x="3674378" y="461394"/>
+            <a:ext cx="1946246" cy="2189527"/>
+          </a:xfrm>
+          <a:prstGeom prst="straightConnector1">
+            <a:avLst/>
+          </a:prstGeom>
+          <a:noFill/>
+          <a:ln cap="flat" cmpd="sng" w="57150">
+            <a:solidFill>
+              <a:srgbClr val="FF0000"/>
+            </a:solidFill>
+            <a:prstDash val="solid"/>
+            <a:miter lim="400000"/>
+            <a:headEnd len="sm" w="sm" type="none"/>
+            <a:tailEnd len="med" w="med" type="triangle"/>
+          </a:ln>
+        </p:spPr>
+      </p:cxnSp>
+      <p:cxnSp>
+        <p:nvCxnSpPr>
+          <p:cNvPr id="463" name="Google Shape;463;p25"/>
+          <p:cNvCxnSpPr/>
+          <p:nvPr/>
+        </p:nvCxnSpPr>
+        <p:spPr>
+          <a:xfrm flipH="1" rot="10800000">
+            <a:off x="4490548" y="2876395"/>
+            <a:ext cx="1130076" cy="497553"/>
+          </a:xfrm>
+          <a:prstGeom prst="straightConnector1">
+            <a:avLst/>
+          </a:prstGeom>
+          <a:noFill/>
+          <a:ln cap="flat" cmpd="sng" w="57150">
+            <a:solidFill>
+              <a:srgbClr val="FF0000"/>
+            </a:solidFill>
+            <a:prstDash val="solid"/>
+            <a:miter lim="400000"/>
+            <a:headEnd len="sm" w="sm" type="none"/>
+            <a:tailEnd len="med" w="med" type="triangle"/>
+          </a:ln>
+        </p:spPr>
+      </p:cxnSp>
+      <p:cxnSp>
+        <p:nvCxnSpPr>
+          <p:cNvPr id="464" name="Google Shape;464;p25"/>
+          <p:cNvCxnSpPr/>
+          <p:nvPr/>
+        </p:nvCxnSpPr>
+        <p:spPr>
+          <a:xfrm>
+            <a:off x="4870392" y="4041604"/>
+            <a:ext cx="825733" cy="454693"/>
+          </a:xfrm>
+          <a:prstGeom prst="straightConnector1">
+            <a:avLst/>
+          </a:prstGeom>
+          <a:noFill/>
+          <a:ln cap="flat" cmpd="sng" w="57150">
+            <a:solidFill>
+              <a:srgbClr val="FF0000"/>
+            </a:solidFill>
+            <a:prstDash val="solid"/>
+            <a:miter lim="400000"/>
+            <a:headEnd len="sm" w="sm" type="none"/>
+            <a:tailEnd len="med" w="med" type="triangle"/>
+          </a:ln>
+        </p:spPr>
+      </p:cxnSp>
+      <p:cxnSp>
+        <p:nvCxnSpPr>
+          <p:cNvPr id="465" name="Google Shape;465;p25"/>
+          <p:cNvCxnSpPr/>
+          <p:nvPr/>
+        </p:nvCxnSpPr>
+        <p:spPr>
+          <a:xfrm>
+            <a:off x="3818862" y="4734892"/>
+            <a:ext cx="1801762" cy="890333"/>
+          </a:xfrm>
+          <a:prstGeom prst="straightConnector1">
+            <a:avLst/>
+          </a:prstGeom>
+          <a:noFill/>
+          <a:ln cap="flat" cmpd="sng" w="57150">
+            <a:solidFill>
+              <a:srgbClr val="FF0000"/>
+            </a:solidFill>
+            <a:prstDash val="solid"/>
+            <a:miter lim="400000"/>
+            <a:headEnd len="sm" w="sm" type="none"/>
+            <a:tailEnd len="med" w="med" type="triangle"/>
+          </a:ln>
+        </p:spPr>
+      </p:cxnSp>
+      <p:grpSp>
+        <p:nvGrpSpPr>
+          <p:cNvPr id="466" name="Google Shape;466;p25"/>
+          <p:cNvGrpSpPr/>
+          <p:nvPr/>
+        </p:nvGrpSpPr>
+        <p:grpSpPr>
+          <a:xfrm>
+            <a:off x="67275" y="6313238"/>
+            <a:ext cx="5188500" cy="445275"/>
+            <a:chOff x="289925" y="5611838"/>
+            <a:chExt cx="5188500" cy="445275"/>
+          </a:xfrm>
+        </p:grpSpPr>
+        <p:sp>
+          <p:nvSpPr>
+            <p:cNvPr id="467" name="Google Shape;467;p25"/>
+            <p:cNvSpPr/>
+            <p:nvPr/>
+          </p:nvSpPr>
+          <p:spPr>
+            <a:xfrm>
+              <a:off x="289925" y="5611850"/>
+              <a:ext cx="5188500" cy="445200"/>
+            </a:xfrm>
+            <a:prstGeom prst="rect">
+              <a:avLst/>
+            </a:prstGeom>
+            <a:solidFill>
+              <a:srgbClr val="FFFFFF"/>
+            </a:solidFill>
+            <a:ln cap="flat" cmpd="sng" w="9525">
+              <a:solidFill>
+                <a:srgbClr val="000000"/>
+              </a:solidFill>
+              <a:prstDash val="solid"/>
+              <a:round/>
+              <a:headEnd len="sm" w="sm" type="none"/>
+              <a:tailEnd len="sm" w="sm" type="none"/>
+            </a:ln>
+          </p:spPr>
+          <p:txBody>
+            <a:bodyPr anchorCtr="0" anchor="ctr" bIns="91425" lIns="91425" spcFirstLastPara="1" rIns="91425" wrap="square" tIns="91425">
+              <a:noAutofit/>
+            </a:bodyPr>
+            <a:lstStyle/>
+            <a:p>
+              <a:pPr indent="0" lvl="0" marL="0" rtl="0" algn="l">
+                <a:spcBef>
+                  <a:spcPts val="0"/>
+                </a:spcBef>
+                <a:spcAft>
+                  <a:spcPts val="0"/>
+                </a:spcAft>
+                <a:buNone/>
+              </a:pPr>
+              <a:r>
+                <a:t/>
+              </a:r>
+              <a:endParaRPr sz="2400">
+                <a:solidFill>
+                  <a:srgbClr val="000000"/>
+                </a:solidFill>
+              </a:endParaRPr>
+            </a:p>
+          </p:txBody>
+        </p:sp>
+        <p:pic>
+          <p:nvPicPr>
+            <p:cNvPr id="468" name="Google Shape;468;p25"/>
+            <p:cNvPicPr preferRelativeResize="0"/>
+            <p:nvPr/>
+          </p:nvPicPr>
+          <p:blipFill>
+            <a:blip r:embed="rId5">
+              <a:alphaModFix/>
+            </a:blip>
+            <a:stretch>
+              <a:fillRect/>
+            </a:stretch>
+          </p:blipFill>
+          <p:spPr>
+            <a:xfrm>
+              <a:off x="289925" y="5611838"/>
+              <a:ext cx="445275" cy="445275"/>
+            </a:xfrm>
+            <a:prstGeom prst="rect">
+              <a:avLst/>
+            </a:prstGeom>
+            <a:noFill/>
+            <a:ln>
+              <a:noFill/>
+            </a:ln>
+          </p:spPr>
+        </p:pic>
+        <p:sp>
+          <p:nvSpPr>
+            <p:cNvPr id="469" name="Google Shape;469;p25"/>
+            <p:cNvSpPr/>
+            <p:nvPr/>
+          </p:nvSpPr>
+          <p:spPr>
+            <a:xfrm>
+              <a:off x="777375" y="5611850"/>
+              <a:ext cx="4701000" cy="445200"/>
+            </a:xfrm>
+            <a:prstGeom prst="rect">
+              <a:avLst/>
+            </a:prstGeom>
+            <a:solidFill>
+              <a:srgbClr val="FFFFFF"/>
+            </a:solidFill>
+            <a:ln cap="flat" cmpd="sng" w="9525">
+              <a:solidFill>
+                <a:srgbClr val="000000"/>
+              </a:solidFill>
+              <a:prstDash val="solid"/>
+              <a:round/>
+              <a:headEnd len="sm" w="sm" type="none"/>
+              <a:tailEnd len="sm" w="sm" type="none"/>
+            </a:ln>
+          </p:spPr>
+          <p:txBody>
+            <a:bodyPr anchorCtr="0" anchor="ctr" bIns="91425" lIns="91425" spcFirstLastPara="1" rIns="91425" wrap="square" tIns="91425">
+              <a:noAutofit/>
+            </a:bodyPr>
+            <a:lstStyle/>
+            <a:p>
+              <a:pPr indent="0" lvl="0" marL="0" rtl="0" algn="l">
+                <a:lnSpc>
+                  <a:spcPct val="90000"/>
+                </a:lnSpc>
+                <a:spcBef>
+                  <a:spcPts val="0"/>
+                </a:spcBef>
+                <a:spcAft>
+                  <a:spcPts val="0"/>
+                </a:spcAft>
+                <a:buClr>
+                  <a:schemeClr val="dk1"/>
+                </a:buClr>
+                <a:buSzPts val="2400"/>
+                <a:buFont typeface="Arial"/>
+                <a:buNone/>
+              </a:pPr>
+              <a:r>
+                <a:rPr lang="en-US" sz="2400" u="sng">
+                  <a:solidFill>
+                    <a:schemeClr val="hlink"/>
+                  </a:solidFill>
+                  <a:hlinkClick r:id="rId6"/>
+                </a:rPr>
+                <a:t>https://godbolt.org/z/x6bf1fxxv</a:t>
+              </a:r>
+              <a:r>
+                <a:rPr lang="en-US" sz="2400"/>
+                <a:t> </a:t>
+              </a:r>
+              <a:endParaRPr sz="2400"/>
+            </a:p>
+          </p:txBody>
+        </p:sp>
+      </p:grpSp>
     </p:spTree>
   </p:cSld>
   <p:clrMapOvr>
@@ -31366,7 +32470,7 @@
   <p:cSld>
     <p:spTree>
       <p:nvGrpSpPr>
-        <p:cNvPr id="229" name="Shape 229"/>
+        <p:cNvPr id="228" name="Shape 228"/>
         <p:cNvGrpSpPr/>
         <p:nvPr/>
       </p:nvGrpSpPr>
@@ -31380,7 +32484,7 @@
       </p:grpSpPr>
       <p:sp>
         <p:nvSpPr>
-          <p:cNvPr id="230" name="Google Shape;230;p3"/>
+          <p:cNvPr id="229" name="Google Shape;229;p3"/>
           <p:cNvSpPr txBox="1"/>
           <p:nvPr>
             <p:ph type="title"/>
@@ -31432,7 +32536,7 @@
       </p:sp>
       <p:sp>
         <p:nvSpPr>
-          <p:cNvPr id="231" name="Google Shape;231;p3"/>
+          <p:cNvPr id="230" name="Google Shape;230;p3"/>
           <p:cNvSpPr txBox="1"/>
           <p:nvPr>
             <p:ph idx="1" type="body"/>
@@ -31552,7 +32656,7 @@
   <p:cSld>
     <p:spTree>
       <p:nvGrpSpPr>
-        <p:cNvPr id="443" name="Shape 443"/>
+        <p:cNvPr id="473" name="Shape 473"/>
         <p:cNvGrpSpPr/>
         <p:nvPr/>
       </p:nvGrpSpPr>
@@ -31566,7 +32670,258 @@
       </p:grpSpPr>
       <p:sp>
         <p:nvSpPr>
-          <p:cNvPr id="444" name="Google Shape;444;g2bee99cf594_0_1"/>
+          <p:cNvPr id="474" name="Google Shape;474;p26"/>
+          <p:cNvSpPr txBox="1"/>
+          <p:nvPr>
+            <p:ph type="title"/>
+          </p:nvPr>
+        </p:nvSpPr>
+        <p:spPr>
+          <a:xfrm>
+            <a:off x="571370" y="571500"/>
+            <a:ext cx="11010816" cy="952499"/>
+          </a:xfrm>
+          <a:prstGeom prst="rect">
+            <a:avLst/>
+          </a:prstGeom>
+          <a:noFill/>
+          <a:ln>
+            <a:noFill/>
+          </a:ln>
+        </p:spPr>
+        <p:txBody>
+          <a:bodyPr anchorCtr="0" anchor="t" bIns="0" lIns="0" spcFirstLastPara="1" rIns="0" wrap="square" tIns="0">
+            <a:noAutofit/>
+          </a:bodyPr>
+          <a:lstStyle/>
+          <a:p>
+            <a:pPr indent="0" lvl="0" marL="0" rtl="0" algn="l">
+              <a:lnSpc>
+                <a:spcPct val="90000"/>
+              </a:lnSpc>
+              <a:spcBef>
+                <a:spcPts val="0"/>
+              </a:spcBef>
+              <a:spcAft>
+                <a:spcPts val="0"/>
+              </a:spcAft>
+              <a:buClr>
+                <a:srgbClr val="525252"/>
+              </a:buClr>
+              <a:buSzPts val="4000"/>
+              <a:buFont typeface="Arial"/>
+              <a:buNone/>
+            </a:pPr>
+            <a:r>
+              <a:t/>
+            </a:r>
+            <a:endParaRPr/>
+          </a:p>
+        </p:txBody>
+      </p:sp>
+      <p:sp>
+        <p:nvSpPr>
+          <p:cNvPr id="475" name="Google Shape;475;p26"/>
+          <p:cNvSpPr txBox="1"/>
+          <p:nvPr>
+            <p:ph idx="1" type="body"/>
+          </p:nvPr>
+        </p:nvSpPr>
+        <p:spPr>
+          <a:xfrm>
+            <a:off x="571370" y="1673454"/>
+            <a:ext cx="11010900" cy="4574947"/>
+          </a:xfrm>
+          <a:prstGeom prst="rect">
+            <a:avLst/>
+          </a:prstGeom>
+          <a:noFill/>
+          <a:ln>
+            <a:noFill/>
+          </a:ln>
+        </p:spPr>
+        <p:txBody>
+          <a:bodyPr anchorCtr="0" anchor="t" bIns="0" lIns="0" spcFirstLastPara="1" rIns="0" wrap="square" tIns="0">
+            <a:normAutofit/>
+          </a:bodyPr>
+          <a:lstStyle/>
+          <a:p>
+            <a:pPr indent="-50800" lvl="0" marL="228600" rtl="0" algn="l">
+              <a:lnSpc>
+                <a:spcPct val="100000"/>
+              </a:lnSpc>
+              <a:spcBef>
+                <a:spcPts val="0"/>
+              </a:spcBef>
+              <a:spcAft>
+                <a:spcPts val="0"/>
+              </a:spcAft>
+              <a:buClr>
+                <a:schemeClr val="lt2"/>
+              </a:buClr>
+              <a:buSzPts val="2800"/>
+              <a:buNone/>
+            </a:pPr>
+            <a:r>
+              <a:t/>
+            </a:r>
+            <a:endParaRPr/>
+          </a:p>
+        </p:txBody>
+      </p:sp>
+      <p:pic>
+        <p:nvPicPr>
+          <p:cNvPr id="476" name="Google Shape;476;p26"/>
+          <p:cNvPicPr preferRelativeResize="0"/>
+          <p:nvPr/>
+        </p:nvPicPr>
+        <p:blipFill rotWithShape="1">
+          <a:blip r:embed="rId3">
+            <a:alphaModFix/>
+          </a:blip>
+          <a:srcRect b="0" l="0" r="0" t="0"/>
+          <a:stretch/>
+        </p:blipFill>
+        <p:spPr>
+          <a:xfrm>
+            <a:off x="0" y="2677"/>
+            <a:ext cx="12192000" cy="6852646"/>
+          </a:xfrm>
+          <a:prstGeom prst="rect">
+            <a:avLst/>
+          </a:prstGeom>
+          <a:noFill/>
+          <a:ln>
+            <a:noFill/>
+          </a:ln>
+        </p:spPr>
+      </p:pic>
+      <p:sp>
+        <p:nvSpPr>
+          <p:cNvPr id="477" name="Google Shape;477;p26"/>
+          <p:cNvSpPr/>
+          <p:nvPr/>
+        </p:nvSpPr>
+        <p:spPr>
+          <a:xfrm>
+            <a:off x="5058375" y="5009750"/>
+            <a:ext cx="1566300" cy="428100"/>
+          </a:xfrm>
+          <a:prstGeom prst="rect">
+            <a:avLst/>
+          </a:prstGeom>
+          <a:solidFill>
+            <a:schemeClr val="lt2"/>
+          </a:solidFill>
+          <a:ln cap="flat" cmpd="sng" w="9525">
+            <a:solidFill>
+              <a:schemeClr val="dk2"/>
+            </a:solidFill>
+            <a:prstDash val="solid"/>
+            <a:round/>
+            <a:headEnd len="sm" w="sm" type="none"/>
+            <a:tailEnd len="sm" w="sm" type="none"/>
+          </a:ln>
+        </p:spPr>
+        <p:txBody>
+          <a:bodyPr anchorCtr="0" anchor="ctr" bIns="91425" lIns="91425" spcFirstLastPara="1" rIns="91425" wrap="square" tIns="91425">
+            <a:noAutofit/>
+          </a:bodyPr>
+          <a:lstStyle/>
+          <a:p>
+            <a:pPr indent="0" lvl="0" marL="0" rtl="0" algn="ctr">
+              <a:spcBef>
+                <a:spcPts val="0"/>
+              </a:spcBef>
+              <a:spcAft>
+                <a:spcPts val="0"/>
+              </a:spcAft>
+              <a:buNone/>
+            </a:pPr>
+            <a:r>
+              <a:rPr lang="en-US">
+                <a:solidFill>
+                  <a:schemeClr val="lt1"/>
+                </a:solidFill>
+              </a:rPr>
+              <a:t>aka GEP</a:t>
+            </a:r>
+            <a:endParaRPr>
+              <a:solidFill>
+                <a:schemeClr val="lt1"/>
+              </a:solidFill>
+            </a:endParaRPr>
+          </a:p>
+        </p:txBody>
+      </p:sp>
+      <p:cxnSp>
+        <p:nvCxnSpPr>
+          <p:cNvPr id="478" name="Google Shape;478;p26"/>
+          <p:cNvCxnSpPr>
+            <a:stCxn id="477" idx="0"/>
+          </p:cNvCxnSpPr>
+          <p:nvPr/>
+        </p:nvCxnSpPr>
+        <p:spPr>
+          <a:xfrm flipH="1" rot="10800000">
+            <a:off x="5841525" y="3258650"/>
+            <a:ext cx="685800" cy="1751100"/>
+          </a:xfrm>
+          <a:prstGeom prst="straightConnector1">
+            <a:avLst/>
+          </a:prstGeom>
+          <a:noFill/>
+          <a:ln cap="flat" cmpd="sng" w="9525">
+            <a:solidFill>
+              <a:schemeClr val="dk2"/>
+            </a:solidFill>
+            <a:prstDash val="solid"/>
+            <a:round/>
+            <a:headEnd len="med" w="med" type="none"/>
+            <a:tailEnd len="med" w="med" type="triangle"/>
+          </a:ln>
+        </p:spPr>
+      </p:cxnSp>
+    </p:spTree>
+  </p:cSld>
+  <p:clrMapOvr>
+    <a:masterClrMapping/>
+  </p:clrMapOvr>
+  <mc:AlternateContent>
+    <mc:Choice Requires="p14">
+      <p:transition spd="slow" p14:dur="700">
+        <p:fade/>
+      </p:transition>
+    </mc:Choice>
+    <mc:Fallback>
+      <p:transition spd="slow">
+        <p:fade/>
+      </p:transition>
+    </mc:Fallback>
+  </mc:AlternateContent>
+</p:sld>
+</file>
+
+<file path=ppt/slides/slide31.xml><?xml version="1.0" encoding="utf-8"?>
+<p:sld xmlns:a="http://schemas.openxmlformats.org/drawingml/2006/main" xmlns:r="http://schemas.openxmlformats.org/officeDocument/2006/relationships" xmlns:mc="http://schemas.openxmlformats.org/markup-compatibility/2006" xmlns:mv="urn:schemas-microsoft-com:mac:vml" xmlns:p="http://schemas.openxmlformats.org/presentationml/2006/main" xmlns:c="http://schemas.openxmlformats.org/drawingml/2006/chart" xmlns:dgm="http://schemas.openxmlformats.org/drawingml/2006/diagram" xmlns:o="urn:schemas-microsoft-com:office:office" xmlns:v="urn:schemas-microsoft-com:vml" xmlns:pvml="urn:schemas-microsoft-com:office:powerpoint" xmlns:com="http://schemas.openxmlformats.org/drawingml/2006/compatibility" xmlns:p14="http://schemas.microsoft.com/office/powerpoint/2010/main" xmlns:p15="http://schemas.microsoft.com/office/powerpoint/2012/main" xmlns:ahyp="http://schemas.microsoft.com/office/drawing/2018/hyperlinkcolor">
+  <p:cSld>
+    <p:spTree>
+      <p:nvGrpSpPr>
+        <p:cNvPr id="482" name="Shape 482"/>
+        <p:cNvGrpSpPr/>
+        <p:nvPr/>
+      </p:nvGrpSpPr>
+      <p:grpSpPr>
+        <a:xfrm>
+          <a:off x="0" y="0"/>
+          <a:ext cx="0" cy="0"/>
+          <a:chOff x="0" y="0"/>
+          <a:chExt cx="0" cy="0"/>
+        </a:xfrm>
+      </p:grpSpPr>
+      <p:sp>
+        <p:nvSpPr>
+          <p:cNvPr id="483" name="Google Shape;483;g2bee99cf594_0_1"/>
           <p:cNvSpPr txBox="1"/>
           <p:nvPr>
             <p:ph type="title"/>
@@ -31606,7 +32961,7 @@
       </p:sp>
       <p:sp>
         <p:nvSpPr>
-          <p:cNvPr id="445" name="Google Shape;445;g2bee99cf594_0_1"/>
+          <p:cNvPr id="484" name="Google Shape;484;g2bee99cf594_0_1"/>
           <p:cNvSpPr txBox="1"/>
           <p:nvPr>
             <p:ph idx="1" type="body"/>
@@ -31671,7 +33026,7 @@
             </a:pPr>
             <a:r>
               <a:rPr lang="en-US"/>
-              <a:t>distribution</a:t>
+              <a:t>distribution (for usage or inspection by other LLVM based tools).</a:t>
             </a:r>
             <a:endParaRPr/>
           </a:p>
@@ -31688,22 +33043,24 @@
             </a:pPr>
             <a:r>
               <a:rPr lang="en-US"/>
-              <a:t>intermediate step in a build process that involves further optimization or cross-compilation, or for Just-In-Time (JIT) compilation scenarios.</a:t>
+              <a:t>intermediate step in a build process that involves further optimization or cross-compilation.</a:t>
             </a:r>
             <a:endParaRPr/>
           </a:p>
           <a:p>
-            <a:pPr indent="0" lvl="0" marL="0" rtl="0" algn="l">
-              <a:spcBef>
-                <a:spcPts val="1200"/>
-              </a:spcBef>
-              <a:spcAft>
-                <a:spcPts val="0"/>
-              </a:spcAft>
-              <a:buNone/>
+            <a:pPr indent="-342900" lvl="0" marL="457200" rtl="0" algn="l">
+              <a:spcBef>
+                <a:spcPts val="0"/>
+              </a:spcBef>
+              <a:spcAft>
+                <a:spcPts val="0"/>
+              </a:spcAft>
+              <a:buSzPts val="1800"/>
+              <a:buChar char="▪"/>
             </a:pPr>
             <a:r>
-              <a:t/>
+              <a:rPr lang="en-US"/>
+              <a:t>Just-In-Time (JIT) compilation scenarios.</a:t>
             </a:r>
             <a:endParaRPr/>
           </a:p>
@@ -31717,12 +33074,12 @@
 </p:sld>
 </file>
 
-<file path=ppt/slides/slide31.xml><?xml version="1.0" encoding="utf-8"?>
+<file path=ppt/slides/slide32.xml><?xml version="1.0" encoding="utf-8"?>
 <p:sld xmlns:a="http://schemas.openxmlformats.org/drawingml/2006/main" xmlns:r="http://schemas.openxmlformats.org/officeDocument/2006/relationships" xmlns:mc="http://schemas.openxmlformats.org/markup-compatibility/2006" xmlns:mv="urn:schemas-microsoft-com:mac:vml" xmlns:p="http://schemas.openxmlformats.org/presentationml/2006/main" xmlns:c="http://schemas.openxmlformats.org/drawingml/2006/chart" xmlns:dgm="http://schemas.openxmlformats.org/drawingml/2006/diagram" xmlns:o="urn:schemas-microsoft-com:office:office" xmlns:v="urn:schemas-microsoft-com:vml" xmlns:pvml="urn:schemas-microsoft-com:office:powerpoint" xmlns:com="http://schemas.openxmlformats.org/drawingml/2006/compatibility" xmlns:p14="http://schemas.microsoft.com/office/powerpoint/2010/main" xmlns:p15="http://schemas.microsoft.com/office/powerpoint/2012/main" xmlns:ahyp="http://schemas.microsoft.com/office/drawing/2018/hyperlinkcolor">
   <p:cSld>
     <p:spTree>
       <p:nvGrpSpPr>
-        <p:cNvPr id="449" name="Shape 449"/>
+        <p:cNvPr id="488" name="Shape 488"/>
         <p:cNvGrpSpPr/>
         <p:nvPr/>
       </p:nvGrpSpPr>
@@ -31736,7 +33093,7 @@
       </p:grpSpPr>
       <p:sp>
         <p:nvSpPr>
-          <p:cNvPr id="450" name="Google Shape;450;g2bee99cf594_0_7"/>
+          <p:cNvPr id="489" name="Google Shape;489;g2bee99cf594_0_7"/>
           <p:cNvSpPr txBox="1"/>
           <p:nvPr>
             <p:ph type="title"/>
@@ -31776,7 +33133,7 @@
       </p:sp>
       <p:sp>
         <p:nvSpPr>
-          <p:cNvPr id="451" name="Google Shape;451;g2bee99cf594_0_7"/>
+          <p:cNvPr id="490" name="Google Shape;490;g2bee99cf594_0_7"/>
           <p:cNvSpPr txBox="1"/>
           <p:nvPr>
             <p:ph idx="1" type="body"/>
@@ -32042,12 +33399,12 @@
 </p:sld>
 </file>
 
-<file path=ppt/slides/slide32.xml><?xml version="1.0" encoding="utf-8"?>
+<file path=ppt/slides/slide33.xml><?xml version="1.0" encoding="utf-8"?>
 <p:sld xmlns:a="http://schemas.openxmlformats.org/drawingml/2006/main" xmlns:r="http://schemas.openxmlformats.org/officeDocument/2006/relationships" xmlns:mc="http://schemas.openxmlformats.org/markup-compatibility/2006" xmlns:mv="urn:schemas-microsoft-com:mac:vml" xmlns:p="http://schemas.openxmlformats.org/presentationml/2006/main" xmlns:c="http://schemas.openxmlformats.org/drawingml/2006/chart" xmlns:dgm="http://schemas.openxmlformats.org/drawingml/2006/diagram" xmlns:o="urn:schemas-microsoft-com:office:office" xmlns:v="urn:schemas-microsoft-com:vml" xmlns:pvml="urn:schemas-microsoft-com:office:powerpoint" xmlns:com="http://schemas.openxmlformats.org/drawingml/2006/compatibility" xmlns:p14="http://schemas.microsoft.com/office/powerpoint/2010/main" xmlns:p15="http://schemas.microsoft.com/office/powerpoint/2012/main" xmlns:ahyp="http://schemas.microsoft.com/office/drawing/2018/hyperlinkcolor">
   <p:cSld>
     <p:spTree>
       <p:nvGrpSpPr>
-        <p:cNvPr id="455" name="Shape 455"/>
+        <p:cNvPr id="494" name="Shape 494"/>
         <p:cNvGrpSpPr/>
         <p:nvPr/>
       </p:nvGrpSpPr>
@@ -32061,7 +33418,7 @@
       </p:grpSpPr>
       <p:sp>
         <p:nvSpPr>
-          <p:cNvPr id="456" name="Google Shape;456;p27"/>
+          <p:cNvPr id="495" name="Google Shape;495;p27"/>
           <p:cNvSpPr txBox="1"/>
           <p:nvPr>
             <p:ph type="title"/>
@@ -32113,7 +33470,7 @@
       </p:sp>
       <p:sp>
         <p:nvSpPr>
-          <p:cNvPr id="457" name="Google Shape;457;p27"/>
+          <p:cNvPr id="496" name="Google Shape;496;p27"/>
           <p:cNvSpPr txBox="1"/>
           <p:nvPr>
             <p:ph idx="1" type="body"/>
@@ -32175,13 +33532,24 @@
                 <a:schemeClr val="lt2"/>
               </a:buClr>
               <a:buSzPts val="2400"/>
+              <a:buFont typeface="Consolas"/>
               <a:buChar char="•"/>
             </a:pPr>
             <a:r>
-              <a:rPr lang="en-US"/>
+              <a:rPr lang="en-US">
+                <a:latin typeface="Consolas"/>
+                <a:ea typeface="Consolas"/>
+                <a:cs typeface="Consolas"/>
+                <a:sym typeface="Consolas"/>
+              </a:rPr>
               <a:t>clang++ -emit-llvm -o file.bc file.cpp</a:t>
             </a:r>
-            <a:endParaRPr/>
+            <a:endParaRPr>
+              <a:latin typeface="Consolas"/>
+              <a:ea typeface="Consolas"/>
+              <a:cs typeface="Consolas"/>
+              <a:sym typeface="Consolas"/>
+            </a:endParaRPr>
           </a:p>
           <a:p>
             <a:pPr indent="-292100" lvl="0" marL="228600" rtl="0" algn="l">
@@ -32209,13 +33577,24 @@
                 <a:spcPts val="0"/>
               </a:spcAft>
               <a:buSzPts val="2400"/>
+              <a:buFont typeface="Consolas"/>
               <a:buChar char="•"/>
             </a:pPr>
             <a:r>
-              <a:rPr lang="en-US"/>
+              <a:rPr lang="en-US">
+                <a:latin typeface="Consolas"/>
+                <a:ea typeface="Consolas"/>
+                <a:cs typeface="Consolas"/>
+                <a:sym typeface="Consolas"/>
+              </a:rPr>
               <a:t>clang++ -emit-llvm -o file.ll file.cpp -S</a:t>
             </a:r>
-            <a:endParaRPr/>
+            <a:endParaRPr>
+              <a:latin typeface="Consolas"/>
+              <a:ea typeface="Consolas"/>
+              <a:cs typeface="Consolas"/>
+              <a:sym typeface="Consolas"/>
+            </a:endParaRPr>
           </a:p>
           <a:p>
             <a:pPr indent="-228600" lvl="0" marL="228600" rtl="0" algn="l">
@@ -32255,13 +33634,24 @@
                 <a:schemeClr val="lt2"/>
               </a:buClr>
               <a:buSzPts val="2400"/>
+              <a:buFont typeface="Consolas"/>
               <a:buChar char="•"/>
             </a:pPr>
             <a:r>
-              <a:rPr lang="en-US"/>
+              <a:rPr lang="en-US">
+                <a:latin typeface="Consolas"/>
+                <a:ea typeface="Consolas"/>
+                <a:cs typeface="Consolas"/>
+                <a:sym typeface="Consolas"/>
+              </a:rPr>
               <a:t>opt -analyze -dot-cfg-only</a:t>
             </a:r>
-            <a:endParaRPr/>
+            <a:endParaRPr>
+              <a:latin typeface="Consolas"/>
+              <a:ea typeface="Consolas"/>
+              <a:cs typeface="Consolas"/>
+              <a:sym typeface="Consolas"/>
+            </a:endParaRPr>
           </a:p>
         </p:txBody>
       </p:sp>
@@ -32285,12 +33675,12 @@
 </p:sld>
 </file>
 
-<file path=ppt/slides/slide33.xml><?xml version="1.0" encoding="utf-8"?>
+<file path=ppt/slides/slide34.xml><?xml version="1.0" encoding="utf-8"?>
 <p:sld xmlns:a="http://schemas.openxmlformats.org/drawingml/2006/main" xmlns:r="http://schemas.openxmlformats.org/officeDocument/2006/relationships" xmlns:mc="http://schemas.openxmlformats.org/markup-compatibility/2006" xmlns:mv="urn:schemas-microsoft-com:mac:vml" xmlns:p="http://schemas.openxmlformats.org/presentationml/2006/main" xmlns:c="http://schemas.openxmlformats.org/drawingml/2006/chart" xmlns:dgm="http://schemas.openxmlformats.org/drawingml/2006/diagram" xmlns:o="urn:schemas-microsoft-com:office:office" xmlns:v="urn:schemas-microsoft-com:vml" xmlns:pvml="urn:schemas-microsoft-com:office:powerpoint" xmlns:com="http://schemas.openxmlformats.org/drawingml/2006/compatibility" xmlns:p14="http://schemas.microsoft.com/office/powerpoint/2010/main" xmlns:p15="http://schemas.microsoft.com/office/powerpoint/2012/main" xmlns:ahyp="http://schemas.microsoft.com/office/drawing/2018/hyperlinkcolor">
   <p:cSld>
     <p:spTree>
       <p:nvGrpSpPr>
-        <p:cNvPr id="461" name="Shape 461"/>
+        <p:cNvPr id="500" name="Shape 500"/>
         <p:cNvGrpSpPr/>
         <p:nvPr/>
       </p:nvGrpSpPr>
@@ -32304,7 +33694,7 @@
       </p:grpSpPr>
       <p:sp>
         <p:nvSpPr>
-          <p:cNvPr id="462" name="Google Shape;462;g2bee99cf594_0_14"/>
+          <p:cNvPr id="501" name="Google Shape;501;g2bee99cf594_0_14"/>
           <p:cNvSpPr txBox="1"/>
           <p:nvPr>
             <p:ph type="title"/>
@@ -32344,7 +33734,7 @@
       </p:sp>
       <p:sp>
         <p:nvSpPr>
-          <p:cNvPr id="463" name="Google Shape;463;g2bee99cf594_0_14"/>
+          <p:cNvPr id="502" name="Google Shape;502;g2bee99cf594_0_14"/>
           <p:cNvSpPr txBox="1"/>
           <p:nvPr>
             <p:ph idx="1" type="body"/>
@@ -32390,17 +33780,33 @@
                 <a:spcPts val="0"/>
               </a:spcAft>
               <a:buSzPts val="1800"/>
+              <a:buFont typeface="Consolas"/>
               <a:buChar char="•"/>
             </a:pPr>
             <a:r>
-              <a:rPr lang="en-US"/>
+              <a:rPr lang="en-US">
+                <a:latin typeface="Consolas"/>
+                <a:ea typeface="Consolas"/>
+                <a:cs typeface="Consolas"/>
+                <a:sym typeface="Consolas"/>
+              </a:rPr>
               <a:t>opt </a:t>
             </a:r>
             <a:r>
-              <a:rPr lang="en-US"/>
+              <a:rPr lang="en-US">
+                <a:latin typeface="Consolas"/>
+                <a:ea typeface="Consolas"/>
+                <a:cs typeface="Consolas"/>
+                <a:sym typeface="Consolas"/>
+              </a:rPr>
               <a:t>-O2 source.bc -o optimized.bc</a:t>
             </a:r>
-            <a:endParaRPr/>
+            <a:endParaRPr>
+              <a:latin typeface="Consolas"/>
+              <a:ea typeface="Consolas"/>
+              <a:cs typeface="Consolas"/>
+              <a:sym typeface="Consolas"/>
+            </a:endParaRPr>
           </a:p>
           <a:p>
             <a:pPr indent="-342900" lvl="1" marL="914400" rtl="0" algn="l">
@@ -32411,17 +33817,33 @@
                 <a:spcPts val="0"/>
               </a:spcAft>
               <a:buSzPts val="1800"/>
+              <a:buFont typeface="Consolas"/>
               <a:buChar char="•"/>
             </a:pPr>
             <a:r>
-              <a:rPr lang="en-US"/>
+              <a:rPr lang="en-US">
+                <a:latin typeface="Consolas"/>
+                <a:ea typeface="Consolas"/>
+                <a:cs typeface="Consolas"/>
+                <a:sym typeface="Consolas"/>
+              </a:rPr>
               <a:t>opt -passes=’&lt;pass-pipeline&gt;’ </a:t>
             </a:r>
             <a:r>
-              <a:rPr lang="en-US"/>
+              <a:rPr lang="en-US">
+                <a:latin typeface="Consolas"/>
+                <a:ea typeface="Consolas"/>
+                <a:cs typeface="Consolas"/>
+                <a:sym typeface="Consolas"/>
+              </a:rPr>
               <a:t>source.bc -o optimized.bc</a:t>
             </a:r>
-            <a:endParaRPr/>
+            <a:endParaRPr>
+              <a:latin typeface="Consolas"/>
+              <a:ea typeface="Consolas"/>
+              <a:cs typeface="Consolas"/>
+              <a:sym typeface="Consolas"/>
+            </a:endParaRPr>
           </a:p>
           <a:p>
             <a:pPr indent="-342900" lvl="0" marL="457200" rtl="0" algn="l">
@@ -32449,21 +33871,42 @@
                 <a:spcPts val="0"/>
               </a:spcAft>
               <a:buSzPts val="1800"/>
+              <a:buFont typeface="Consolas"/>
               <a:buChar char="•"/>
             </a:pPr>
             <a:r>
-              <a:rPr lang="en-US"/>
+              <a:rPr lang="en-US">
+                <a:latin typeface="Consolas"/>
+                <a:ea typeface="Consolas"/>
+                <a:cs typeface="Consolas"/>
+                <a:sym typeface="Consolas"/>
+              </a:rPr>
               <a:t>llc -filetype=obj </a:t>
             </a:r>
             <a:r>
-              <a:rPr lang="en-US"/>
+              <a:rPr lang="en-US">
+                <a:latin typeface="Consolas"/>
+                <a:ea typeface="Consolas"/>
+                <a:cs typeface="Consolas"/>
+                <a:sym typeface="Consolas"/>
+              </a:rPr>
               <a:t>source.bc</a:t>
             </a:r>
             <a:r>
-              <a:rPr lang="en-US"/>
+              <a:rPr lang="en-US">
+                <a:latin typeface="Consolas"/>
+                <a:ea typeface="Consolas"/>
+                <a:cs typeface="Consolas"/>
+                <a:sym typeface="Consolas"/>
+              </a:rPr>
               <a:t> -o source.s -S</a:t>
             </a:r>
-            <a:endParaRPr/>
+            <a:endParaRPr>
+              <a:latin typeface="Consolas"/>
+              <a:ea typeface="Consolas"/>
+              <a:cs typeface="Consolas"/>
+              <a:sym typeface="Consolas"/>
+            </a:endParaRPr>
           </a:p>
           <a:p>
             <a:pPr indent="-342900" lvl="0" marL="457200" rtl="0" algn="l">
@@ -32491,13 +33934,24 @@
                 <a:spcPts val="0"/>
               </a:spcAft>
               <a:buSzPts val="1800"/>
+              <a:buFont typeface="Consolas"/>
               <a:buChar char="•"/>
             </a:pPr>
             <a:r>
-              <a:rPr lang="en-US"/>
+              <a:rPr lang="en-US">
+                <a:latin typeface="Consolas"/>
+                <a:ea typeface="Consolas"/>
+                <a:cs typeface="Consolas"/>
+                <a:sym typeface="Consolas"/>
+              </a:rPr>
               <a:t>llc -filetype=obj source.bc -o source.o</a:t>
             </a:r>
-            <a:endParaRPr/>
+            <a:endParaRPr>
+              <a:latin typeface="Consolas"/>
+              <a:ea typeface="Consolas"/>
+              <a:cs typeface="Consolas"/>
+              <a:sym typeface="Consolas"/>
+            </a:endParaRPr>
           </a:p>
           <a:p>
             <a:pPr indent="0" lvl="0" marL="0" rtl="0" algn="l">
@@ -32526,7 +33980,33 @@
             </a:pPr>
             <a:r>
               <a:rPr lang="en-US"/>
-              <a:t>Note: both .bc and .ll are accepted here</a:t>
+              <a:t>Note: both </a:t>
+            </a:r>
+            <a:r>
+              <a:rPr lang="en-US">
+                <a:latin typeface="Consolas"/>
+                <a:ea typeface="Consolas"/>
+                <a:cs typeface="Consolas"/>
+                <a:sym typeface="Consolas"/>
+              </a:rPr>
+              <a:t>.bc</a:t>
+            </a:r>
+            <a:r>
+              <a:rPr lang="en-US"/>
+              <a:t> (binary) and </a:t>
+            </a:r>
+            <a:r>
+              <a:rPr lang="en-US">
+                <a:latin typeface="Consolas"/>
+                <a:ea typeface="Consolas"/>
+                <a:cs typeface="Consolas"/>
+                <a:sym typeface="Consolas"/>
+              </a:rPr>
+              <a:t>.ll</a:t>
+            </a:r>
+            <a:r>
+              <a:rPr lang="en-US"/>
+              <a:t> (text) are accepted here</a:t>
             </a:r>
             <a:endParaRPr/>
           </a:p>
@@ -32540,12 +34020,12 @@
 </p:sld>
 </file>
 
-<file path=ppt/slides/slide34.xml><?xml version="1.0" encoding="utf-8"?>
+<file path=ppt/slides/slide35.xml><?xml version="1.0" encoding="utf-8"?>
 <p:sld xmlns:a="http://schemas.openxmlformats.org/drawingml/2006/main" xmlns:r="http://schemas.openxmlformats.org/officeDocument/2006/relationships" xmlns:mc="http://schemas.openxmlformats.org/markup-compatibility/2006" xmlns:mv="urn:schemas-microsoft-com:mac:vml" xmlns:p="http://schemas.openxmlformats.org/presentationml/2006/main" xmlns:c="http://schemas.openxmlformats.org/drawingml/2006/chart" xmlns:dgm="http://schemas.openxmlformats.org/drawingml/2006/diagram" xmlns:o="urn:schemas-microsoft-com:office:office" xmlns:v="urn:schemas-microsoft-com:vml" xmlns:pvml="urn:schemas-microsoft-com:office:powerpoint" xmlns:com="http://schemas.openxmlformats.org/drawingml/2006/compatibility" xmlns:p14="http://schemas.microsoft.com/office/powerpoint/2010/main" xmlns:p15="http://schemas.microsoft.com/office/powerpoint/2012/main" xmlns:ahyp="http://schemas.microsoft.com/office/drawing/2018/hyperlinkcolor">
   <p:cSld>
     <p:spTree>
       <p:nvGrpSpPr>
-        <p:cNvPr id="467" name="Shape 467"/>
+        <p:cNvPr id="506" name="Shape 506"/>
         <p:cNvGrpSpPr/>
         <p:nvPr/>
       </p:nvGrpSpPr>
@@ -32559,7 +34039,7 @@
       </p:grpSpPr>
       <p:sp>
         <p:nvSpPr>
-          <p:cNvPr id="468" name="Google Shape;468;p28"/>
+          <p:cNvPr id="507" name="Google Shape;507;p28"/>
           <p:cNvSpPr txBox="1"/>
           <p:nvPr>
             <p:ph type="title"/>
@@ -32611,7 +34091,7 @@
       </p:sp>
       <p:pic>
         <p:nvPicPr>
-          <p:cNvPr id="469" name="Google Shape;469;p28"/>
+          <p:cNvPr id="508" name="Google Shape;508;p28"/>
           <p:cNvPicPr preferRelativeResize="0"/>
           <p:nvPr>
             <p:ph idx="1" type="body"/>
@@ -32658,12 +34138,12 @@
 </p:sld>
 </file>
 
-<file path=ppt/slides/slide35.xml><?xml version="1.0" encoding="utf-8"?>
+<file path=ppt/slides/slide36.xml><?xml version="1.0" encoding="utf-8"?>
 <p:sld xmlns:a="http://schemas.openxmlformats.org/drawingml/2006/main" xmlns:r="http://schemas.openxmlformats.org/officeDocument/2006/relationships" xmlns:mc="http://schemas.openxmlformats.org/markup-compatibility/2006" xmlns:mv="urn:schemas-microsoft-com:mac:vml" xmlns:p="http://schemas.openxmlformats.org/presentationml/2006/main" xmlns:c="http://schemas.openxmlformats.org/drawingml/2006/chart" xmlns:dgm="http://schemas.openxmlformats.org/drawingml/2006/diagram" xmlns:o="urn:schemas-microsoft-com:office:office" xmlns:v="urn:schemas-microsoft-com:vml" xmlns:pvml="urn:schemas-microsoft-com:office:powerpoint" xmlns:com="http://schemas.openxmlformats.org/drawingml/2006/compatibility" xmlns:p14="http://schemas.microsoft.com/office/powerpoint/2010/main" xmlns:p15="http://schemas.microsoft.com/office/powerpoint/2012/main" xmlns:ahyp="http://schemas.microsoft.com/office/drawing/2018/hyperlinkcolor">
   <p:cSld>
     <p:spTree>
       <p:nvGrpSpPr>
-        <p:cNvPr id="473" name="Shape 473"/>
+        <p:cNvPr id="512" name="Shape 512"/>
         <p:cNvGrpSpPr/>
         <p:nvPr/>
       </p:nvGrpSpPr>
@@ -32677,7 +34157,7 @@
       </p:grpSpPr>
       <p:sp>
         <p:nvSpPr>
-          <p:cNvPr id="474" name="Google Shape;474;p29"/>
+          <p:cNvPr id="513" name="Google Shape;513;p29"/>
           <p:cNvSpPr txBox="1"/>
           <p:nvPr>
             <p:ph type="title"/>
@@ -32729,7 +34209,7 @@
       </p:sp>
       <p:sp>
         <p:nvSpPr>
-          <p:cNvPr id="475" name="Google Shape;475;p29"/>
+          <p:cNvPr id="514" name="Google Shape;514;p29"/>
           <p:cNvSpPr txBox="1"/>
           <p:nvPr>
             <p:ph idx="1" type="body"/>
@@ -32772,8 +34252,27 @@
             </a:pPr>
             <a:r>
               <a:rPr lang="en-US"/>
-              <a:t>bugpoint - </a:t>
+              <a:t>bugpoint</a:t>
             </a:r>
+            <a:endParaRPr/>
+          </a:p>
+          <a:p>
+            <a:pPr indent="-266700" lvl="1" marL="431800" rtl="0" algn="l">
+              <a:lnSpc>
+                <a:spcPct val="100000"/>
+              </a:lnSpc>
+              <a:spcBef>
+                <a:spcPts val="0"/>
+              </a:spcBef>
+              <a:spcAft>
+                <a:spcPts val="0"/>
+              </a:spcAft>
+              <a:buClr>
+                <a:schemeClr val="lt2"/>
+              </a:buClr>
+              <a:buSzPts val="2800"/>
+              <a:buChar char="•"/>
+            </a:pPr>
             <a:r>
               <a:rPr lang="en-US" u="sng">
                 <a:solidFill>
@@ -32808,14 +34307,61 @@
             </a:pPr>
             <a:r>
               <a:rPr lang="en-US"/>
-              <a:t>llvm-reduce - </a:t>
+              <a:t>llvm-reduce</a:t>
             </a:r>
+            <a:endParaRPr/>
+          </a:p>
+          <a:p>
+            <a:pPr indent="-266700" lvl="1" marL="431800" rtl="0" algn="l">
+              <a:lnSpc>
+                <a:spcPct val="100000"/>
+              </a:lnSpc>
+              <a:spcBef>
+                <a:spcPts val="1200"/>
+              </a:spcBef>
+              <a:spcAft>
+                <a:spcPts val="0"/>
+              </a:spcAft>
+              <a:buClr>
+                <a:schemeClr val="lt2"/>
+              </a:buClr>
+              <a:buSzPts val="2800"/>
+              <a:buChar char="•"/>
+            </a:pPr>
             <a:r>
               <a:rPr lang="en-US" u="sng">
                 <a:solidFill>
                   <a:schemeClr val="hlink"/>
                 </a:solidFill>
                 <a:hlinkClick r:id="rId4"/>
+              </a:rPr>
+              <a:t>https://llvm.org/docs/CommandGuide/llvm-reduce.html</a:t>
+            </a:r>
+            <a:endParaRPr/>
+          </a:p>
+          <a:p>
+            <a:pPr indent="-266700" lvl="1" marL="431800" rtl="0" algn="l">
+              <a:lnSpc>
+                <a:spcPct val="100000"/>
+              </a:lnSpc>
+              <a:spcBef>
+                <a:spcPts val="1200"/>
+              </a:spcBef>
+              <a:spcAft>
+                <a:spcPts val="0"/>
+              </a:spcAft>
+              <a:buClr>
+                <a:schemeClr val="lt2"/>
+              </a:buClr>
+              <a:buSzPts val="2800"/>
+              <a:buChar char="•"/>
+            </a:pPr>
+            <a:r>
+              <a:rPr lang="en-US" u="sng">
+                <a:solidFill>
+                  <a:schemeClr val="hlink"/>
+                </a:solidFill>
+                <a:hlinkClick r:id="rId5"/>
               </a:rPr>
               <a:t>https://www.youtube.com/watch?v=n1jDj7J9N8c</a:t>
             </a:r>
@@ -32847,12 +34393,12 @@
 </p:sld>
 </file>
 
-<file path=ppt/slides/slide36.xml><?xml version="1.0" encoding="utf-8"?>
+<file path=ppt/slides/slide37.xml><?xml version="1.0" encoding="utf-8"?>
 <p:sld xmlns:a="http://schemas.openxmlformats.org/drawingml/2006/main" xmlns:r="http://schemas.openxmlformats.org/officeDocument/2006/relationships" xmlns:mc="http://schemas.openxmlformats.org/markup-compatibility/2006" xmlns:mv="urn:schemas-microsoft-com:mac:vml" xmlns:p="http://schemas.openxmlformats.org/presentationml/2006/main" xmlns:c="http://schemas.openxmlformats.org/drawingml/2006/chart" xmlns:dgm="http://schemas.openxmlformats.org/drawingml/2006/diagram" xmlns:o="urn:schemas-microsoft-com:office:office" xmlns:v="urn:schemas-microsoft-com:vml" xmlns:pvml="urn:schemas-microsoft-com:office:powerpoint" xmlns:com="http://schemas.openxmlformats.org/drawingml/2006/compatibility" xmlns:p14="http://schemas.microsoft.com/office/powerpoint/2010/main" xmlns:p15="http://schemas.microsoft.com/office/powerpoint/2012/main" xmlns:ahyp="http://schemas.microsoft.com/office/drawing/2018/hyperlinkcolor">
   <p:cSld>
     <p:spTree>
       <p:nvGrpSpPr>
-        <p:cNvPr id="479" name="Shape 479"/>
+        <p:cNvPr id="518" name="Shape 518"/>
         <p:cNvGrpSpPr/>
         <p:nvPr/>
       </p:nvGrpSpPr>
@@ -32866,7 +34412,7 @@
       </p:grpSpPr>
       <p:sp>
         <p:nvSpPr>
-          <p:cNvPr id="480" name="Google Shape;480;p30"/>
+          <p:cNvPr id="519" name="Google Shape;519;p30"/>
           <p:cNvSpPr txBox="1"/>
           <p:nvPr>
             <p:ph type="title"/>
@@ -32918,7 +34464,7 @@
       </p:sp>
       <p:sp>
         <p:nvSpPr>
-          <p:cNvPr id="481" name="Google Shape;481;p30"/>
+          <p:cNvPr id="520" name="Google Shape;520;p30"/>
           <p:cNvSpPr txBox="1"/>
           <p:nvPr>
             <p:ph idx="1" type="body"/>
@@ -33010,12 +34556,12 @@
 </p:sld>
 </file>
 
-<file path=ppt/slides/slide37.xml><?xml version="1.0" encoding="utf-8"?>
-<p:sld xmlns:a="http://schemas.openxmlformats.org/drawingml/2006/main" xmlns:r="http://schemas.openxmlformats.org/officeDocument/2006/relationships" xmlns:mc="http://schemas.openxmlformats.org/markup-compatibility/2006" xmlns:mv="urn:schemas-microsoft-com:mac:vml" xmlns:p="http://schemas.openxmlformats.org/presentationml/2006/main" xmlns:c="http://schemas.openxmlformats.org/drawingml/2006/chart" xmlns:dgm="http://schemas.openxmlformats.org/drawingml/2006/diagram" xmlns:o="urn:schemas-microsoft-com:office:office" xmlns:v="urn:schemas-microsoft-com:vml" xmlns:pvml="urn:schemas-microsoft-com:office:powerpoint" xmlns:com="http://schemas.openxmlformats.org/drawingml/2006/compatibility" xmlns:p14="http://schemas.microsoft.com/office/powerpoint/2010/main" xmlns:p15="http://schemas.microsoft.com/office/powerpoint/2012/main" xmlns:ahyp="http://schemas.microsoft.com/office/drawing/2018/hyperlinkcolor">
+<file path=ppt/slides/slide38.xml><?xml version="1.0" encoding="utf-8"?>
+<p:sld xmlns:a="http://schemas.openxmlformats.org/drawingml/2006/main" xmlns:r="http://schemas.openxmlformats.org/officeDocument/2006/relationships" xmlns:mc="http://schemas.openxmlformats.org/markup-compatibility/2006" xmlns:mv="urn:schemas-microsoft-com:mac:vml" xmlns:p="http://schemas.openxmlformats.org/presentationml/2006/main" xmlns:c="http://schemas.openxmlformats.org/drawingml/2006/chart" xmlns:dgm="http://schemas.openxmlformats.org/drawingml/2006/diagram" xmlns:o="urn:schemas-microsoft-com:office:office" xmlns:v="urn:schemas-microsoft-com:vml" xmlns:pvml="urn:schemas-microsoft-com:office:powerpoint" xmlns:com="http://schemas.openxmlformats.org/drawingml/2006/compatibility" xmlns:p14="http://schemas.microsoft.com/office/powerpoint/2010/main" xmlns:p15="http://schemas.microsoft.com/office/powerpoint/2012/main" xmlns:ahyp="http://schemas.microsoft.com/office/drawing/2018/hyperlinkcolor" show="0">
   <p:cSld>
     <p:spTree>
       <p:nvGrpSpPr>
-        <p:cNvPr id="485" name="Shape 485"/>
+        <p:cNvPr id="524" name="Shape 524"/>
         <p:cNvGrpSpPr/>
         <p:nvPr/>
       </p:nvGrpSpPr>
@@ -33029,7 +34575,7 @@
       </p:grpSpPr>
       <p:sp>
         <p:nvSpPr>
-          <p:cNvPr id="486" name="Google Shape;486;g26a0424328b_0_0"/>
+          <p:cNvPr id="525" name="Google Shape;525;g26a0424328b_0_0"/>
           <p:cNvSpPr txBox="1"/>
           <p:nvPr>
             <p:ph type="title"/>
@@ -33069,7 +34615,7 @@
       </p:sp>
       <p:sp>
         <p:nvSpPr>
-          <p:cNvPr id="487" name="Google Shape;487;g26a0424328b_0_0"/>
+          <p:cNvPr id="526" name="Google Shape;526;g26a0424328b_0_0"/>
           <p:cNvSpPr txBox="1"/>
           <p:nvPr>
             <p:ph idx="1" type="body"/>
@@ -33144,7 +34690,7 @@
       </p:sp>
       <p:pic>
         <p:nvPicPr>
-          <p:cNvPr id="488" name="Google Shape;488;g26a0424328b_0_0"/>
+          <p:cNvPr id="527" name="Google Shape;527;g26a0424328b_0_0"/>
           <p:cNvPicPr preferRelativeResize="0"/>
           <p:nvPr/>
         </p:nvPicPr>
@@ -33172,7 +34718,7 @@
       </p:pic>
       <p:pic>
         <p:nvPicPr>
-          <p:cNvPr id="489" name="Google Shape;489;g26a0424328b_0_0"/>
+          <p:cNvPr id="528" name="Google Shape;528;g26a0424328b_0_0"/>
           <p:cNvPicPr preferRelativeResize="0"/>
           <p:nvPr/>
         </p:nvPicPr>
@@ -33200,7 +34746,7 @@
       </p:pic>
       <p:sp>
         <p:nvSpPr>
-          <p:cNvPr id="490" name="Google Shape;490;g26a0424328b_0_0"/>
+          <p:cNvPr id="529" name="Google Shape;529;g26a0424328b_0_0"/>
           <p:cNvSpPr txBox="1"/>
           <p:nvPr/>
         </p:nvSpPr>
@@ -33273,12 +34819,12 @@
 </p:sld>
 </file>
 
-<file path=ppt/slides/slide38.xml><?xml version="1.0" encoding="utf-8"?>
+<file path=ppt/slides/slide39.xml><?xml version="1.0" encoding="utf-8"?>
 <p:sld xmlns:a="http://schemas.openxmlformats.org/drawingml/2006/main" xmlns:r="http://schemas.openxmlformats.org/officeDocument/2006/relationships" xmlns:mc="http://schemas.openxmlformats.org/markup-compatibility/2006" xmlns:mv="urn:schemas-microsoft-com:mac:vml" xmlns:p="http://schemas.openxmlformats.org/presentationml/2006/main" xmlns:c="http://schemas.openxmlformats.org/drawingml/2006/chart" xmlns:dgm="http://schemas.openxmlformats.org/drawingml/2006/diagram" xmlns:o="urn:schemas-microsoft-com:office:office" xmlns:v="urn:schemas-microsoft-com:vml" xmlns:pvml="urn:schemas-microsoft-com:office:powerpoint" xmlns:com="http://schemas.openxmlformats.org/drawingml/2006/compatibility" xmlns:p14="http://schemas.microsoft.com/office/powerpoint/2010/main" xmlns:p15="http://schemas.microsoft.com/office/powerpoint/2012/main" xmlns:ahyp="http://schemas.microsoft.com/office/drawing/2018/hyperlinkcolor">
   <p:cSld>
     <p:spTree>
       <p:nvGrpSpPr>
-        <p:cNvPr id="494" name="Shape 494"/>
+        <p:cNvPr id="533" name="Shape 533"/>
         <p:cNvGrpSpPr/>
         <p:nvPr/>
       </p:nvGrpSpPr>
@@ -33292,7 +34838,7 @@
       </p:grpSpPr>
       <p:sp>
         <p:nvSpPr>
-          <p:cNvPr id="495" name="Google Shape;495;p31"/>
+          <p:cNvPr id="534" name="Google Shape;534;g32fbb870741_0_0"/>
           <p:cNvSpPr txBox="1"/>
           <p:nvPr>
             <p:ph type="title"/>
@@ -33300,8 +34846,95 @@
         </p:nvSpPr>
         <p:spPr>
           <a:xfrm>
-            <a:off x="571500" y="571501"/>
-            <a:ext cx="11010901" cy="952500"/>
+            <a:off x="571370" y="571500"/>
+            <a:ext cx="11010900" cy="952500"/>
+          </a:xfrm>
+          <a:prstGeom prst="rect">
+            <a:avLst/>
+          </a:prstGeom>
+        </p:spPr>
+        <p:txBody>
+          <a:bodyPr anchorCtr="0" anchor="t" bIns="0" lIns="0" spcFirstLastPara="1" rIns="0" wrap="square" tIns="0">
+            <a:noAutofit/>
+          </a:bodyPr>
+          <a:lstStyle/>
+          <a:p>
+            <a:pPr indent="0" lvl="0" marL="0" rtl="0" algn="l">
+              <a:spcBef>
+                <a:spcPts val="0"/>
+              </a:spcBef>
+              <a:spcAft>
+                <a:spcPts val="0"/>
+              </a:spcAft>
+              <a:buNone/>
+            </a:pPr>
+            <a:r>
+              <a:rPr lang="en-US"/>
+              <a:t>Test</a:t>
+            </a:r>
+            <a:endParaRPr/>
+          </a:p>
+        </p:txBody>
+      </p:sp>
+      <p:sp>
+        <p:nvSpPr>
+          <p:cNvPr id="535" name="Google Shape;535;g32fbb870741_0_0"/>
+          <p:cNvSpPr txBox="1"/>
+          <p:nvPr>
+            <p:ph idx="1" type="body"/>
+          </p:nvPr>
+        </p:nvSpPr>
+        <p:spPr>
+          <a:xfrm>
+            <a:off x="571370" y="1673454"/>
+            <a:ext cx="11010900" cy="4575000"/>
+          </a:xfrm>
+          <a:prstGeom prst="rect">
+            <a:avLst/>
+          </a:prstGeom>
+        </p:spPr>
+        <p:txBody>
+          <a:bodyPr anchorCtr="0" anchor="t" bIns="0" lIns="0" spcFirstLastPara="1" rIns="0" wrap="square" tIns="0">
+            <a:normAutofit/>
+          </a:bodyPr>
+          <a:lstStyle/>
+          <a:p>
+            <a:pPr indent="0" lvl="0" marL="0" rtl="0" algn="l">
+              <a:spcBef>
+                <a:spcPts val="1200"/>
+              </a:spcBef>
+              <a:spcAft>
+                <a:spcPts val="0"/>
+              </a:spcAft>
+              <a:buNone/>
+            </a:pPr>
+            <a:r>
+              <a:rPr lang="en-US" u="sng">
+                <a:solidFill>
+                  <a:schemeClr val="hlink"/>
+                </a:solidFill>
+                <a:hlinkClick r:id="rId3"/>
+              </a:rPr>
+              <a:t>https://forms.gle/KNKvREkPhq3QNHj18</a:t>
+            </a:r>
+            <a:r>
+              <a:rPr lang="en-US"/>
+              <a:t>  </a:t>
+            </a:r>
+            <a:endParaRPr/>
+          </a:p>
+        </p:txBody>
+      </p:sp>
+      <p:sp>
+        <p:nvSpPr>
+          <p:cNvPr id="536" name="Google Shape;536;g32fbb870741_0_0"/>
+          <p:cNvSpPr txBox="1"/>
+          <p:nvPr/>
+        </p:nvSpPr>
+        <p:spPr>
+          <a:xfrm>
+            <a:off x="8510750" y="6397900"/>
+            <a:ext cx="3356100" cy="492600"/>
           </a:xfrm>
           <a:prstGeom prst="rect">
             <a:avLst/>
@@ -33312,48 +34945,71 @@
           </a:ln>
         </p:spPr>
         <p:txBody>
-          <a:bodyPr anchorCtr="0" anchor="t" bIns="0" lIns="0" spcFirstLastPara="1" rIns="0" wrap="square" tIns="0">
-            <a:noAutofit/>
+          <a:bodyPr anchorCtr="0" anchor="t" bIns="91425" lIns="91425" spcFirstLastPara="1" rIns="91425" wrap="square" tIns="91425">
+            <a:spAutoFit/>
           </a:bodyPr>
           <a:lstStyle/>
           <a:p>
             <a:pPr indent="0" lvl="0" marL="0" rtl="0" algn="l">
-              <a:lnSpc>
-                <a:spcPct val="90000"/>
-              </a:lnSpc>
-              <a:spcBef>
-                <a:spcPts val="0"/>
-              </a:spcBef>
-              <a:spcAft>
-                <a:spcPts val="0"/>
-              </a:spcAft>
-              <a:buClr>
-                <a:srgbClr val="525252"/>
-              </a:buClr>
-              <a:buSzPts val="4000"/>
-              <a:buFont typeface="Arial"/>
+              <a:spcBef>
+                <a:spcPts val="0"/>
+              </a:spcBef>
+              <a:spcAft>
+                <a:spcPts val="0"/>
+              </a:spcAft>
               <a:buNone/>
             </a:pPr>
             <a:r>
-              <a:rPr lang="en-US"/>
-              <a:t>Extra materials</a:t>
+              <a:rPr lang="en-US" sz="2000">
+                <a:solidFill>
+                  <a:schemeClr val="lt2"/>
+                </a:solidFill>
+              </a:rPr>
+              <a:t>Backup: </a:t>
             </a:r>
-            <a:endParaRPr/>
+            <a:r>
+              <a:rPr lang="en-US" sz="2000" u="sng">
+                <a:solidFill>
+                  <a:schemeClr val="hlink"/>
+                </a:solidFill>
+                <a:hlinkClick r:id="rId4"/>
+              </a:rPr>
+              <a:t>me@gooddoog.ru</a:t>
+            </a:r>
+            <a:r>
+              <a:rPr lang="en-US" sz="2000">
+                <a:solidFill>
+                  <a:schemeClr val="lt2"/>
+                </a:solidFill>
+              </a:rPr>
+              <a:t> </a:t>
+            </a:r>
+            <a:endParaRPr sz="2000">
+              <a:solidFill>
+                <a:schemeClr val="lt2"/>
+              </a:solidFill>
+            </a:endParaRPr>
           </a:p>
         </p:txBody>
       </p:sp>
-      <p:sp>
-        <p:nvSpPr>
-          <p:cNvPr id="496" name="Google Shape;496;p31"/>
-          <p:cNvSpPr txBox="1"/>
-          <p:nvPr>
-            <p:ph idx="1" type="body"/>
-          </p:nvPr>
-        </p:nvSpPr>
-        <p:spPr>
-          <a:xfrm>
-            <a:off x="571500" y="1673402"/>
-            <a:ext cx="10837852" cy="4584830"/>
+      <p:pic>
+        <p:nvPicPr>
+          <p:cNvPr id="537" name="Google Shape;537;g32fbb870741_0_0"/>
+          <p:cNvPicPr preferRelativeResize="0"/>
+          <p:nvPr/>
+        </p:nvPicPr>
+        <p:blipFill>
+          <a:blip r:embed="rId5">
+            <a:alphaModFix/>
+          </a:blip>
+          <a:stretch>
+            <a:fillRect/>
+          </a:stretch>
+        </p:blipFill>
+        <p:spPr>
+          <a:xfrm>
+            <a:off x="8355850" y="2000250"/>
+            <a:ext cx="3028950" cy="2857500"/>
           </a:xfrm>
           <a:prstGeom prst="rect">
             <a:avLst/>
@@ -33363,156 +35019,40 @@
             <a:noFill/>
           </a:ln>
         </p:spPr>
-        <p:txBody>
-          <a:bodyPr anchorCtr="0" anchor="t" bIns="0" lIns="0" spcFirstLastPara="1" rIns="0" wrap="square" tIns="0">
-            <a:normAutofit/>
-          </a:bodyPr>
-          <a:lstStyle/>
-          <a:p>
-            <a:pPr indent="-228600" lvl="0" marL="228600" rtl="0" algn="l">
-              <a:lnSpc>
-                <a:spcPct val="100000"/>
-              </a:lnSpc>
-              <a:spcBef>
-                <a:spcPts val="0"/>
-              </a:spcBef>
-              <a:spcAft>
-                <a:spcPts val="0"/>
-              </a:spcAft>
-              <a:buClr>
-                <a:schemeClr val="lt2"/>
-              </a:buClr>
-              <a:buSzPts val="1600"/>
-              <a:buChar char="▪"/>
-            </a:pPr>
-            <a:r>
-              <a:rPr lang="en-US" sz="1600"/>
-              <a:t>Mapping high-level constructs to LLVM IR - </a:t>
-            </a:r>
-            <a:r>
-              <a:rPr lang="en-US" sz="1600" u="sng">
-                <a:solidFill>
-                  <a:schemeClr val="hlink"/>
-                </a:solidFill>
-                <a:hlinkClick r:id="rId3"/>
-              </a:rPr>
-              <a:t>https://github.com/f0rki/mapping-high-level-constructs-to-llvm-ir</a:t>
-            </a:r>
-            <a:r>
-              <a:rPr lang="en-US" sz="1600"/>
-              <a:t> </a:t>
-            </a:r>
-            <a:endParaRPr/>
-          </a:p>
-          <a:p>
-            <a:pPr indent="-228600" lvl="0" marL="228600" rtl="0" algn="l">
-              <a:lnSpc>
-                <a:spcPct val="100000"/>
-              </a:lnSpc>
-              <a:spcBef>
-                <a:spcPts val="1200"/>
-              </a:spcBef>
-              <a:spcAft>
-                <a:spcPts val="0"/>
-              </a:spcAft>
-              <a:buClr>
-                <a:schemeClr val="lt2"/>
-              </a:buClr>
-              <a:buSzPts val="1600"/>
-              <a:buChar char="▪"/>
-            </a:pPr>
-            <a:r>
-              <a:rPr lang="en-US" sz="1600"/>
-              <a:t>The often misunderstood GEP instruction - </a:t>
-            </a:r>
-            <a:r>
-              <a:rPr lang="en-US" sz="1600" u="sng">
-                <a:solidFill>
-                  <a:schemeClr val="hlink"/>
-                </a:solidFill>
-                <a:hlinkClick r:id="rId4"/>
-              </a:rPr>
-              <a:t>https://www.llvm.org/docs/GetElementPtr.html</a:t>
-            </a:r>
-            <a:r>
-              <a:rPr lang="en-US" sz="1600"/>
-              <a:t> </a:t>
-            </a:r>
-            <a:endParaRPr/>
-          </a:p>
-          <a:p>
-            <a:pPr indent="-228600" lvl="0" marL="228600" rtl="0" algn="l">
-              <a:lnSpc>
-                <a:spcPct val="100000"/>
-              </a:lnSpc>
-              <a:spcBef>
-                <a:spcPts val="1200"/>
-              </a:spcBef>
-              <a:spcAft>
-                <a:spcPts val="0"/>
-              </a:spcAft>
-              <a:buClr>
-                <a:schemeClr val="lt2"/>
-              </a:buClr>
-              <a:buSzPts val="1600"/>
-              <a:buChar char="▪"/>
-            </a:pPr>
-            <a:r>
-              <a:rPr lang="en-US" sz="1600"/>
-              <a:t>LLVM IR Tutorial - Phis, GEPs and other things, oh my! - Vince Bridgers (Intel Corporation), Felipe de Azevedo Piovezan (Intel Corporation) - </a:t>
-            </a:r>
-            <a:r>
-              <a:rPr lang="en-US" sz="1600" u="sng">
-                <a:solidFill>
-                  <a:schemeClr val="hlink"/>
-                </a:solidFill>
-                <a:hlinkClick r:id="rId5"/>
-              </a:rPr>
-              <a:t>https://www.youtube.com/watch?v=m8G_S5LwlTo</a:t>
-            </a:r>
-            <a:r>
-              <a:rPr lang="en-US" sz="1600"/>
-              <a:t> </a:t>
-            </a:r>
-            <a:endParaRPr sz="1600"/>
-          </a:p>
-          <a:p>
-            <a:pPr indent="0" lvl="0" marL="0" rtl="0" algn="l">
-              <a:lnSpc>
-                <a:spcPct val="100000"/>
-              </a:lnSpc>
-              <a:spcBef>
-                <a:spcPts val="1200"/>
-              </a:spcBef>
-              <a:spcAft>
-                <a:spcPts val="0"/>
-              </a:spcAft>
-              <a:buNone/>
-            </a:pPr>
-            <a:r>
-              <a:t/>
-            </a:r>
-            <a:endParaRPr sz="1600"/>
-          </a:p>
-        </p:txBody>
-      </p:sp>
+      </p:pic>
+      <p:pic>
+        <p:nvPicPr>
+          <p:cNvPr id="538" name="Google Shape;538;g32fbb870741_0_0"/>
+          <p:cNvPicPr preferRelativeResize="0"/>
+          <p:nvPr/>
+        </p:nvPicPr>
+        <p:blipFill>
+          <a:blip r:embed="rId6">
+            <a:alphaModFix/>
+          </a:blip>
+          <a:stretch>
+            <a:fillRect/>
+          </a:stretch>
+        </p:blipFill>
+        <p:spPr>
+          <a:xfrm>
+            <a:off x="327500" y="2286000"/>
+            <a:ext cx="7760874" cy="4017525"/>
+          </a:xfrm>
+          <a:prstGeom prst="rect">
+            <a:avLst/>
+          </a:prstGeom>
+          <a:noFill/>
+          <a:ln>
+            <a:noFill/>
+          </a:ln>
+        </p:spPr>
+      </p:pic>
     </p:spTree>
   </p:cSld>
   <p:clrMapOvr>
     <a:masterClrMapping/>
   </p:clrMapOvr>
-  <mc:AlternateContent>
-    <mc:Choice Requires="p14">
-      <p:transition spd="slow" p14:dur="700">
-        <p:fade/>
-      </p:transition>
-    </mc:Choice>
-    <mc:Fallback>
-      <p:transition spd="slow">
-        <p:fade/>
-      </p:transition>
-    </mc:Fallback>
-  </mc:AlternateContent>
 </p:sld>
 </file>
 
@@ -33521,7 +35061,7 @@
   <p:cSld>
     <p:spTree>
       <p:nvGrpSpPr>
-        <p:cNvPr id="235" name="Shape 235"/>
+        <p:cNvPr id="234" name="Shape 234"/>
         <p:cNvGrpSpPr/>
         <p:nvPr/>
       </p:nvGrpSpPr>
@@ -33535,7 +35075,7 @@
       </p:grpSpPr>
       <p:sp>
         <p:nvSpPr>
-          <p:cNvPr id="236" name="Google Shape;236;p4"/>
+          <p:cNvPr id="235" name="Google Shape;235;p4"/>
           <p:cNvSpPr txBox="1"/>
           <p:nvPr>
             <p:ph type="title"/>
@@ -33587,7 +35127,7 @@
       </p:sp>
       <p:pic>
         <p:nvPicPr>
-          <p:cNvPr id="237" name="Google Shape;237;p4"/>
+          <p:cNvPr id="236" name="Google Shape;236;p4"/>
           <p:cNvPicPr preferRelativeResize="0"/>
           <p:nvPr/>
         </p:nvPicPr>
@@ -33614,7 +35154,7 @@
       </p:pic>
       <p:sp>
         <p:nvSpPr>
-          <p:cNvPr id="238" name="Google Shape;238;p4"/>
+          <p:cNvPr id="237" name="Google Shape;237;p4"/>
           <p:cNvSpPr txBox="1"/>
           <p:nvPr/>
         </p:nvSpPr>
@@ -33709,12 +35249,12 @@
 </p:sld>
 </file>
 
-<file path=ppt/slides/slide5.xml><?xml version="1.0" encoding="utf-8"?>
+<file path=ppt/slides/slide40.xml><?xml version="1.0" encoding="utf-8"?>
 <p:sld xmlns:a="http://schemas.openxmlformats.org/drawingml/2006/main" xmlns:r="http://schemas.openxmlformats.org/officeDocument/2006/relationships" xmlns:mc="http://schemas.openxmlformats.org/markup-compatibility/2006" xmlns:mv="urn:schemas-microsoft-com:mac:vml" xmlns:p="http://schemas.openxmlformats.org/presentationml/2006/main" xmlns:c="http://schemas.openxmlformats.org/drawingml/2006/chart" xmlns:dgm="http://schemas.openxmlformats.org/drawingml/2006/diagram" xmlns:o="urn:schemas-microsoft-com:office:office" xmlns:v="urn:schemas-microsoft-com:vml" xmlns:pvml="urn:schemas-microsoft-com:office:powerpoint" xmlns:com="http://schemas.openxmlformats.org/drawingml/2006/compatibility" xmlns:p14="http://schemas.microsoft.com/office/powerpoint/2010/main" xmlns:p15="http://schemas.microsoft.com/office/powerpoint/2012/main" xmlns:ahyp="http://schemas.microsoft.com/office/drawing/2018/hyperlinkcolor">
   <p:cSld>
     <p:spTree>
       <p:nvGrpSpPr>
-        <p:cNvPr id="242" name="Shape 242"/>
+        <p:cNvPr id="542" name="Shape 542"/>
         <p:cNvGrpSpPr/>
         <p:nvPr/>
       </p:nvGrpSpPr>
@@ -33728,7 +35268,250 @@
       </p:grpSpPr>
       <p:sp>
         <p:nvSpPr>
-          <p:cNvPr id="243" name="Google Shape;243;p5"/>
+          <p:cNvPr id="543" name="Google Shape;543;p31"/>
+          <p:cNvSpPr txBox="1"/>
+          <p:nvPr>
+            <p:ph type="title"/>
+          </p:nvPr>
+        </p:nvSpPr>
+        <p:spPr>
+          <a:xfrm>
+            <a:off x="571500" y="571501"/>
+            <a:ext cx="11010901" cy="952500"/>
+          </a:xfrm>
+          <a:prstGeom prst="rect">
+            <a:avLst/>
+          </a:prstGeom>
+          <a:noFill/>
+          <a:ln>
+            <a:noFill/>
+          </a:ln>
+        </p:spPr>
+        <p:txBody>
+          <a:bodyPr anchorCtr="0" anchor="t" bIns="0" lIns="0" spcFirstLastPara="1" rIns="0" wrap="square" tIns="0">
+            <a:noAutofit/>
+          </a:bodyPr>
+          <a:lstStyle/>
+          <a:p>
+            <a:pPr indent="0" lvl="0" marL="0" rtl="0" algn="l">
+              <a:lnSpc>
+                <a:spcPct val="90000"/>
+              </a:lnSpc>
+              <a:spcBef>
+                <a:spcPts val="0"/>
+              </a:spcBef>
+              <a:spcAft>
+                <a:spcPts val="0"/>
+              </a:spcAft>
+              <a:buClr>
+                <a:srgbClr val="525252"/>
+              </a:buClr>
+              <a:buSzPts val="4000"/>
+              <a:buFont typeface="Arial"/>
+              <a:buNone/>
+            </a:pPr>
+            <a:r>
+              <a:rPr lang="en-US"/>
+              <a:t>Extra materials</a:t>
+            </a:r>
+            <a:endParaRPr/>
+          </a:p>
+        </p:txBody>
+      </p:sp>
+      <p:sp>
+        <p:nvSpPr>
+          <p:cNvPr id="544" name="Google Shape;544;p31"/>
+          <p:cNvSpPr txBox="1"/>
+          <p:nvPr>
+            <p:ph idx="1" type="body"/>
+          </p:nvPr>
+        </p:nvSpPr>
+        <p:spPr>
+          <a:xfrm>
+            <a:off x="571500" y="1673402"/>
+            <a:ext cx="10837852" cy="4584830"/>
+          </a:xfrm>
+          <a:prstGeom prst="rect">
+            <a:avLst/>
+          </a:prstGeom>
+          <a:noFill/>
+          <a:ln>
+            <a:noFill/>
+          </a:ln>
+        </p:spPr>
+        <p:txBody>
+          <a:bodyPr anchorCtr="0" anchor="t" bIns="0" lIns="0" spcFirstLastPara="1" rIns="0" wrap="square" tIns="0">
+            <a:normAutofit/>
+          </a:bodyPr>
+          <a:lstStyle/>
+          <a:p>
+            <a:pPr indent="-228600" lvl="0" marL="228600" rtl="0" algn="l">
+              <a:lnSpc>
+                <a:spcPct val="100000"/>
+              </a:lnSpc>
+              <a:spcBef>
+                <a:spcPts val="0"/>
+              </a:spcBef>
+              <a:spcAft>
+                <a:spcPts val="0"/>
+              </a:spcAft>
+              <a:buClr>
+                <a:schemeClr val="lt2"/>
+              </a:buClr>
+              <a:buSzPts val="1600"/>
+              <a:buChar char="▪"/>
+            </a:pPr>
+            <a:r>
+              <a:rPr lang="en-US" sz="1600"/>
+              <a:t>Mapping high-level constructs to LLVM IR - </a:t>
+            </a:r>
+            <a:r>
+              <a:rPr lang="en-US" sz="1600" u="sng">
+                <a:solidFill>
+                  <a:schemeClr val="hlink"/>
+                </a:solidFill>
+                <a:hlinkClick r:id="rId3"/>
+              </a:rPr>
+              <a:t>https://github.com/f0rki/mapping-high-level-constructs-to-llvm-ir</a:t>
+            </a:r>
+            <a:r>
+              <a:rPr lang="en-US" sz="1600"/>
+              <a:t> </a:t>
+            </a:r>
+            <a:endParaRPr/>
+          </a:p>
+          <a:p>
+            <a:pPr indent="-228600" lvl="0" marL="228600" rtl="0" algn="l">
+              <a:lnSpc>
+                <a:spcPct val="100000"/>
+              </a:lnSpc>
+              <a:spcBef>
+                <a:spcPts val="1200"/>
+              </a:spcBef>
+              <a:spcAft>
+                <a:spcPts val="0"/>
+              </a:spcAft>
+              <a:buClr>
+                <a:schemeClr val="lt2"/>
+              </a:buClr>
+              <a:buSzPts val="1600"/>
+              <a:buChar char="▪"/>
+            </a:pPr>
+            <a:r>
+              <a:rPr lang="en-US" sz="1600"/>
+              <a:t>The often misunderstood GEP (GetElementPtr) instruction - </a:t>
+            </a:r>
+            <a:r>
+              <a:rPr lang="en-US" sz="1600" u="sng">
+                <a:solidFill>
+                  <a:schemeClr val="hlink"/>
+                </a:solidFill>
+                <a:hlinkClick r:id="rId4"/>
+              </a:rPr>
+              <a:t>https://www.llvm.org/docs/GetElementPtr.html</a:t>
+            </a:r>
+            <a:r>
+              <a:rPr lang="en-US" sz="1600"/>
+              <a:t> </a:t>
+            </a:r>
+            <a:endParaRPr/>
+          </a:p>
+          <a:p>
+            <a:pPr indent="-228600" lvl="0" marL="228600" rtl="0" algn="l">
+              <a:lnSpc>
+                <a:spcPct val="100000"/>
+              </a:lnSpc>
+              <a:spcBef>
+                <a:spcPts val="1200"/>
+              </a:spcBef>
+              <a:spcAft>
+                <a:spcPts val="0"/>
+              </a:spcAft>
+              <a:buClr>
+                <a:schemeClr val="lt2"/>
+              </a:buClr>
+              <a:buSzPts val="1600"/>
+              <a:buChar char="▪"/>
+            </a:pPr>
+            <a:r>
+              <a:rPr lang="en-US" sz="1600"/>
+              <a:t>LLVM IR Tutorial - Phis, GEPs and other things, oh my! - Vince Bridgers (Intel Corporation), Felipe de Azevedo Piovezan (Intel Corporation) - </a:t>
+            </a:r>
+            <a:r>
+              <a:rPr lang="en-US" sz="1600" u="sng">
+                <a:solidFill>
+                  <a:schemeClr val="hlink"/>
+                </a:solidFill>
+                <a:hlinkClick r:id="rId5"/>
+              </a:rPr>
+              <a:t>https://www.youtube.com/watch?v=m8G_S5LwlTo</a:t>
+            </a:r>
+            <a:r>
+              <a:rPr lang="en-US" sz="1600"/>
+              <a:t> </a:t>
+            </a:r>
+            <a:endParaRPr sz="1600"/>
+          </a:p>
+          <a:p>
+            <a:pPr indent="0" lvl="0" marL="0" rtl="0" algn="l">
+              <a:lnSpc>
+                <a:spcPct val="100000"/>
+              </a:lnSpc>
+              <a:spcBef>
+                <a:spcPts val="1200"/>
+              </a:spcBef>
+              <a:spcAft>
+                <a:spcPts val="0"/>
+              </a:spcAft>
+              <a:buNone/>
+            </a:pPr>
+            <a:r>
+              <a:t/>
+            </a:r>
+            <a:endParaRPr sz="1600"/>
+          </a:p>
+        </p:txBody>
+      </p:sp>
+    </p:spTree>
+  </p:cSld>
+  <p:clrMapOvr>
+    <a:masterClrMapping/>
+  </p:clrMapOvr>
+  <mc:AlternateContent>
+    <mc:Choice Requires="p14">
+      <p:transition spd="slow" p14:dur="700">
+        <p:fade/>
+      </p:transition>
+    </mc:Choice>
+    <mc:Fallback>
+      <p:transition spd="slow">
+        <p:fade/>
+      </p:transition>
+    </mc:Fallback>
+  </mc:AlternateContent>
+</p:sld>
+</file>
+
+<file path=ppt/slides/slide5.xml><?xml version="1.0" encoding="utf-8"?>
+<p:sld xmlns:a="http://schemas.openxmlformats.org/drawingml/2006/main" xmlns:r="http://schemas.openxmlformats.org/officeDocument/2006/relationships" xmlns:mc="http://schemas.openxmlformats.org/markup-compatibility/2006" xmlns:mv="urn:schemas-microsoft-com:mac:vml" xmlns:p="http://schemas.openxmlformats.org/presentationml/2006/main" xmlns:c="http://schemas.openxmlformats.org/drawingml/2006/chart" xmlns:dgm="http://schemas.openxmlformats.org/drawingml/2006/diagram" xmlns:o="urn:schemas-microsoft-com:office:office" xmlns:v="urn:schemas-microsoft-com:vml" xmlns:pvml="urn:schemas-microsoft-com:office:powerpoint" xmlns:com="http://schemas.openxmlformats.org/drawingml/2006/compatibility" xmlns:p14="http://schemas.microsoft.com/office/powerpoint/2010/main" xmlns:p15="http://schemas.microsoft.com/office/powerpoint/2012/main" xmlns:ahyp="http://schemas.microsoft.com/office/drawing/2018/hyperlinkcolor">
+  <p:cSld>
+    <p:spTree>
+      <p:nvGrpSpPr>
+        <p:cNvPr id="241" name="Shape 241"/>
+        <p:cNvGrpSpPr/>
+        <p:nvPr/>
+      </p:nvGrpSpPr>
+      <p:grpSpPr>
+        <a:xfrm>
+          <a:off x="0" y="0"/>
+          <a:ext cx="0" cy="0"/>
+          <a:chOff x="0" y="0"/>
+          <a:chExt cx="0" cy="0"/>
+        </a:xfrm>
+      </p:grpSpPr>
+      <p:sp>
+        <p:nvSpPr>
+          <p:cNvPr id="242" name="Google Shape;242;p5"/>
           <p:cNvSpPr txBox="1"/>
           <p:nvPr>
             <p:ph type="title"/>
@@ -33780,7 +35563,7 @@
       </p:sp>
       <p:sp>
         <p:nvSpPr>
-          <p:cNvPr id="244" name="Google Shape;244;p5"/>
+          <p:cNvPr id="243" name="Google Shape;243;p5"/>
           <p:cNvSpPr txBox="1"/>
           <p:nvPr>
             <p:ph idx="1" type="body"/>
@@ -33966,7 +35749,7 @@
       </p:sp>
       <p:cxnSp>
         <p:nvCxnSpPr>
-          <p:cNvPr id="245" name="Google Shape;245;p5"/>
+          <p:cNvPr id="244" name="Google Shape;244;p5"/>
           <p:cNvCxnSpPr/>
           <p:nvPr/>
         </p:nvCxnSpPr>
@@ -34015,7 +35798,7 @@
   <p:cSld>
     <p:spTree>
       <p:nvGrpSpPr>
-        <p:cNvPr id="249" name="Shape 249"/>
+        <p:cNvPr id="248" name="Shape 248"/>
         <p:cNvGrpSpPr/>
         <p:nvPr/>
       </p:nvGrpSpPr>
@@ -34029,7 +35812,7 @@
       </p:grpSpPr>
       <p:sp>
         <p:nvSpPr>
-          <p:cNvPr id="250" name="Google Shape;250;p6"/>
+          <p:cNvPr id="249" name="Google Shape;249;p6"/>
           <p:cNvSpPr txBox="1"/>
           <p:nvPr>
             <p:ph type="title"/>
@@ -34081,7 +35864,7 @@
       </p:sp>
       <p:sp>
         <p:nvSpPr>
-          <p:cNvPr id="251" name="Google Shape;251;p6"/>
+          <p:cNvPr id="250" name="Google Shape;250;p6"/>
           <p:cNvSpPr txBox="1"/>
           <p:nvPr>
             <p:ph idx="1" type="body"/>
@@ -34293,7 +36076,7 @@
   <p:cSld>
     <p:spTree>
       <p:nvGrpSpPr>
-        <p:cNvPr id="255" name="Shape 255"/>
+        <p:cNvPr id="254" name="Shape 254"/>
         <p:cNvGrpSpPr/>
         <p:nvPr/>
       </p:nvGrpSpPr>
@@ -34307,7 +36090,7 @@
       </p:grpSpPr>
       <p:sp>
         <p:nvSpPr>
-          <p:cNvPr id="256" name="Google Shape;256;p7"/>
+          <p:cNvPr id="255" name="Google Shape;255;p7"/>
           <p:cNvSpPr txBox="1"/>
           <p:nvPr>
             <p:ph type="title"/>
@@ -34359,7 +36142,7 @@
       </p:sp>
       <p:sp>
         <p:nvSpPr>
-          <p:cNvPr id="257" name="Google Shape;257;p7"/>
+          <p:cNvPr id="256" name="Google Shape;256;p7"/>
           <p:cNvSpPr txBox="1"/>
           <p:nvPr>
             <p:ph idx="1" type="body"/>
@@ -34527,7 +36310,7 @@
       </p:sp>
       <p:sp>
         <p:nvSpPr>
-          <p:cNvPr id="258" name="Google Shape;258;p7"/>
+          <p:cNvPr id="257" name="Google Shape;257;p7"/>
           <p:cNvSpPr txBox="1"/>
           <p:nvPr>
             <p:ph idx="2" type="body"/>
@@ -34603,7 +36386,7 @@
                 <a:cs typeface="Consolas"/>
                 <a:sym typeface="Consolas"/>
               </a:rPr>
-              <a:t>	t0 := x &lt; y;</a:t>
+              <a:t>	t0 := x &gt;= y;</a:t>
             </a:r>
             <a:endParaRPr/>
           </a:p>
@@ -34661,7 +36444,45 @@
               </a:rPr>
               <a:t>	x := x * 2;</a:t>
             </a:r>
-            <a:endParaRPr/>
+            <a:endParaRPr>
+              <a:latin typeface="Consolas"/>
+              <a:ea typeface="Consolas"/>
+              <a:cs typeface="Consolas"/>
+              <a:sym typeface="Consolas"/>
+            </a:endParaRPr>
+          </a:p>
+          <a:p>
+            <a:pPr indent="0" lvl="0" marL="0" rtl="0" algn="l">
+              <a:lnSpc>
+                <a:spcPct val="100000"/>
+              </a:lnSpc>
+              <a:spcBef>
+                <a:spcPts val="1200"/>
+              </a:spcBef>
+              <a:spcAft>
+                <a:spcPts val="0"/>
+              </a:spcAft>
+              <a:buClr>
+                <a:schemeClr val="lt2"/>
+              </a:buClr>
+              <a:buSzPts val="2800"/>
+              <a:buNone/>
+            </a:pPr>
+            <a:r>
+              <a:rPr lang="en-US">
+                <a:latin typeface="Consolas"/>
+                <a:ea typeface="Consolas"/>
+                <a:cs typeface="Consolas"/>
+                <a:sym typeface="Consolas"/>
+              </a:rPr>
+              <a:t>	goto L0;</a:t>
+            </a:r>
+            <a:endParaRPr>
+              <a:latin typeface="Consolas"/>
+              <a:ea typeface="Consolas"/>
+              <a:cs typeface="Consolas"/>
+              <a:sym typeface="Consolas"/>
+            </a:endParaRPr>
           </a:p>
           <a:p>
             <a:pPr indent="0" lvl="0" marL="0" rtl="0" algn="l">
@@ -34746,7 +36567,7 @@
   <p:cSld>
     <p:spTree>
       <p:nvGrpSpPr>
-        <p:cNvPr id="262" name="Shape 262"/>
+        <p:cNvPr id="261" name="Shape 261"/>
         <p:cNvGrpSpPr/>
         <p:nvPr/>
       </p:nvGrpSpPr>
@@ -34760,7 +36581,7 @@
       </p:grpSpPr>
       <p:sp>
         <p:nvSpPr>
-          <p:cNvPr id="263" name="Google Shape;263;p8"/>
+          <p:cNvPr id="262" name="Google Shape;262;p8"/>
           <p:cNvSpPr txBox="1"/>
           <p:nvPr>
             <p:ph type="title"/>
@@ -34812,7 +36633,7 @@
       </p:sp>
       <p:pic>
         <p:nvPicPr>
-          <p:cNvPr id="264" name="Google Shape;264;p8"/>
+          <p:cNvPr id="263" name="Google Shape;263;p8"/>
           <p:cNvPicPr preferRelativeResize="0"/>
           <p:nvPr>
             <p:ph idx="1" type="body"/>
@@ -34841,7 +36662,7 @@
       </p:pic>
       <p:sp>
         <p:nvSpPr>
-          <p:cNvPr id="265" name="Google Shape;265;p8"/>
+          <p:cNvPr id="264" name="Google Shape;264;p8"/>
           <p:cNvSpPr txBox="1"/>
           <p:nvPr/>
         </p:nvSpPr>
@@ -34941,7 +36762,7 @@
   <p:cSld>
     <p:spTree>
       <p:nvGrpSpPr>
-        <p:cNvPr id="269" name="Shape 269"/>
+        <p:cNvPr id="268" name="Shape 268"/>
         <p:cNvGrpSpPr/>
         <p:nvPr/>
       </p:nvGrpSpPr>
@@ -34955,7 +36776,7 @@
       </p:grpSpPr>
       <p:sp>
         <p:nvSpPr>
-          <p:cNvPr id="270" name="Google Shape;270;p9"/>
+          <p:cNvPr id="269" name="Google Shape;269;p9"/>
           <p:cNvSpPr txBox="1"/>
           <p:nvPr>
             <p:ph type="title"/>
@@ -35007,7 +36828,7 @@
       </p:sp>
       <p:sp>
         <p:nvSpPr>
-          <p:cNvPr id="271" name="Google Shape;271;p9"/>
+          <p:cNvPr id="270" name="Google Shape;270;p9"/>
           <p:cNvSpPr txBox="1"/>
           <p:nvPr>
             <p:ph idx="1" type="body"/>
@@ -35055,9 +36876,107 @@
                 <a:cs typeface="Consolas"/>
                 <a:sym typeface="Consolas"/>
               </a:rPr>
-              <a:t>void bar(int A, int B) { … }</a:t>
+              <a:t>void bar(int A, int B) {</a:t>
             </a:r>
-            <a:endParaRPr/>
+            <a:endParaRPr>
+              <a:latin typeface="Consolas"/>
+              <a:ea typeface="Consolas"/>
+              <a:cs typeface="Consolas"/>
+              <a:sym typeface="Consolas"/>
+            </a:endParaRPr>
+          </a:p>
+          <a:p>
+            <a:pPr indent="0" lvl="0" marL="0" rtl="0" algn="l">
+              <a:lnSpc>
+                <a:spcPct val="100000"/>
+              </a:lnSpc>
+              <a:spcBef>
+                <a:spcPts val="0"/>
+              </a:spcBef>
+              <a:spcAft>
+                <a:spcPts val="0"/>
+              </a:spcAft>
+              <a:buClr>
+                <a:schemeClr val="lt2"/>
+              </a:buClr>
+              <a:buSzPts val="2800"/>
+              <a:buNone/>
+            </a:pPr>
+            <a:r>
+              <a:rPr lang="en-US">
+                <a:latin typeface="Consolas"/>
+                <a:ea typeface="Consolas"/>
+                <a:cs typeface="Consolas"/>
+                <a:sym typeface="Consolas"/>
+              </a:rPr>
+              <a:t>    …</a:t>
+            </a:r>
+            <a:endParaRPr>
+              <a:latin typeface="Consolas"/>
+              <a:ea typeface="Consolas"/>
+              <a:cs typeface="Consolas"/>
+              <a:sym typeface="Consolas"/>
+            </a:endParaRPr>
+          </a:p>
+          <a:p>
+            <a:pPr indent="0" lvl="0" marL="0" rtl="0" algn="l">
+              <a:lnSpc>
+                <a:spcPct val="100000"/>
+              </a:lnSpc>
+              <a:spcBef>
+                <a:spcPts val="0"/>
+              </a:spcBef>
+              <a:spcAft>
+                <a:spcPts val="0"/>
+              </a:spcAft>
+              <a:buClr>
+                <a:schemeClr val="lt2"/>
+              </a:buClr>
+              <a:buSzPts val="2800"/>
+              <a:buNone/>
+            </a:pPr>
+            <a:r>
+              <a:rPr lang="en-US">
+                <a:latin typeface="Consolas"/>
+                <a:ea typeface="Consolas"/>
+                <a:cs typeface="Consolas"/>
+                <a:sym typeface="Consolas"/>
+              </a:rPr>
+              <a:t>}</a:t>
+            </a:r>
+            <a:endParaRPr>
+              <a:latin typeface="Consolas"/>
+              <a:ea typeface="Consolas"/>
+              <a:cs typeface="Consolas"/>
+              <a:sym typeface="Consolas"/>
+            </a:endParaRPr>
+          </a:p>
+          <a:p>
+            <a:pPr indent="0" lvl="0" marL="0" rtl="0" algn="l">
+              <a:lnSpc>
+                <a:spcPct val="100000"/>
+              </a:lnSpc>
+              <a:spcBef>
+                <a:spcPts val="0"/>
+              </a:spcBef>
+              <a:spcAft>
+                <a:spcPts val="0"/>
+              </a:spcAft>
+              <a:buClr>
+                <a:schemeClr val="lt2"/>
+              </a:buClr>
+              <a:buSzPts val="2800"/>
+              <a:buNone/>
+            </a:pPr>
+            <a:r>
+              <a:t/>
+            </a:r>
+            <a:endParaRPr>
+              <a:latin typeface="Consolas"/>
+              <a:ea typeface="Consolas"/>
+              <a:cs typeface="Consolas"/>
+              <a:sym typeface="Consolas"/>
+            </a:endParaRPr>
           </a:p>
           <a:p>
             <a:pPr indent="0" lvl="0" marL="0" rtl="0" algn="l">
@@ -35147,7 +37066,7 @@
       </p:sp>
       <p:sp>
         <p:nvSpPr>
-          <p:cNvPr id="272" name="Google Shape;272;p9"/>
+          <p:cNvPr id="271" name="Google Shape;271;p9"/>
           <p:cNvSpPr txBox="1"/>
           <p:nvPr>
             <p:ph idx="2" type="body"/>
@@ -35155,8 +37074,8 @@
         </p:nvSpPr>
         <p:spPr>
           <a:xfrm>
-            <a:off x="6289113" y="1673402"/>
-            <a:ext cx="5288525" cy="4584830"/>
+            <a:off x="6493425" y="963023"/>
+            <a:ext cx="5288400" cy="5577300"/>
           </a:xfrm>
           <a:prstGeom prst="rect">
             <a:avLst/>
@@ -35168,7 +37087,7 @@
         </p:spPr>
         <p:txBody>
           <a:bodyPr anchorCtr="0" anchor="t" bIns="0" lIns="0" spcFirstLastPara="1" rIns="0" wrap="square" tIns="0">
-            <a:normAutofit/>
+            <a:normAutofit lnSpcReduction="10000"/>
           </a:bodyPr>
           <a:lstStyle/>
           <a:p>
@@ -35258,7 +37177,45 @@
               </a:rPr>
               <a:t>	A = pop;</a:t>
             </a:r>
-            <a:endParaRPr/>
+            <a:endParaRPr>
+              <a:latin typeface="Consolas"/>
+              <a:ea typeface="Consolas"/>
+              <a:cs typeface="Consolas"/>
+              <a:sym typeface="Consolas"/>
+            </a:endParaRPr>
+          </a:p>
+          <a:p>
+            <a:pPr indent="0" lvl="0" marL="0" rtl="0" algn="l">
+              <a:lnSpc>
+                <a:spcPct val="100000"/>
+              </a:lnSpc>
+              <a:spcBef>
+                <a:spcPts val="1200"/>
+              </a:spcBef>
+              <a:spcAft>
+                <a:spcPts val="0"/>
+              </a:spcAft>
+              <a:buClr>
+                <a:schemeClr val="lt2"/>
+              </a:buClr>
+              <a:buSzPts val="2800"/>
+              <a:buNone/>
+            </a:pPr>
+            <a:r>
+              <a:rPr lang="en-US">
+                <a:latin typeface="Consolas"/>
+                <a:ea typeface="Consolas"/>
+                <a:cs typeface="Consolas"/>
+                <a:sym typeface="Consolas"/>
+              </a:rPr>
+              <a:t>  …</a:t>
+            </a:r>
+            <a:endParaRPr>
+              <a:latin typeface="Consolas"/>
+              <a:ea typeface="Consolas"/>
+              <a:cs typeface="Consolas"/>
+              <a:sym typeface="Consolas"/>
+            </a:endParaRPr>
           </a:p>
           <a:p>
             <a:pPr indent="0" lvl="0" marL="0" rtl="0" algn="l">
@@ -35370,7 +37327,45 @@
               </a:rPr>
               <a:t>	goto bar;</a:t>
             </a:r>
-            <a:endParaRPr/>
+            <a:endParaRPr>
+              <a:latin typeface="Consolas"/>
+              <a:ea typeface="Consolas"/>
+              <a:cs typeface="Consolas"/>
+              <a:sym typeface="Consolas"/>
+            </a:endParaRPr>
+          </a:p>
+          <a:p>
+            <a:pPr indent="0" lvl="0" marL="0" rtl="0" algn="l">
+              <a:lnSpc>
+                <a:spcPct val="100000"/>
+              </a:lnSpc>
+              <a:spcBef>
+                <a:spcPts val="1200"/>
+              </a:spcBef>
+              <a:spcAft>
+                <a:spcPts val="0"/>
+              </a:spcAft>
+              <a:buClr>
+                <a:schemeClr val="lt2"/>
+              </a:buClr>
+              <a:buSzPts val="2800"/>
+              <a:buNone/>
+            </a:pPr>
+            <a:r>
+              <a:rPr lang="en-US">
+                <a:latin typeface="Consolas"/>
+                <a:ea typeface="Consolas"/>
+                <a:cs typeface="Consolas"/>
+                <a:sym typeface="Consolas"/>
+              </a:rPr>
+              <a:t>	…</a:t>
+            </a:r>
+            <a:endParaRPr>
+              <a:latin typeface="Consolas"/>
+              <a:ea typeface="Consolas"/>
+              <a:cs typeface="Consolas"/>
+              <a:sym typeface="Consolas"/>
+            </a:endParaRPr>
           </a:p>
           <a:p>
             <a:pPr indent="0" lvl="0" marL="0" rtl="0" algn="l">
